--- a/presentation.pptx
+++ b/presentation.pptx
@@ -1115,7 +1115,7 @@
           <a:p>
             <a:fld id="{FBF29669-1EEB-4296-8C69-FBA90EBDC97B}" type="datetimeFigureOut">
               <a:rPr lang="fr-FR" smtClean="0"/>
-              <a:t>02/01/2024</a:t>
+              <a:t>11/01/2024</a:t>
             </a:fld>
             <a:endParaRPr lang="fr-FR"/>
           </a:p>
@@ -1313,7 +1313,7 @@
           <a:p>
             <a:fld id="{FBF29669-1EEB-4296-8C69-FBA90EBDC97B}" type="datetimeFigureOut">
               <a:rPr lang="fr-FR" smtClean="0"/>
-              <a:t>02/01/2024</a:t>
+              <a:t>11/01/2024</a:t>
             </a:fld>
             <a:endParaRPr lang="fr-FR"/>
           </a:p>
@@ -1521,7 +1521,7 @@
           <a:p>
             <a:fld id="{FBF29669-1EEB-4296-8C69-FBA90EBDC97B}" type="datetimeFigureOut">
               <a:rPr lang="fr-FR" smtClean="0"/>
-              <a:t>02/01/2024</a:t>
+              <a:t>11/01/2024</a:t>
             </a:fld>
             <a:endParaRPr lang="fr-FR"/>
           </a:p>
@@ -1719,7 +1719,7 @@
           <a:p>
             <a:fld id="{FBF29669-1EEB-4296-8C69-FBA90EBDC97B}" type="datetimeFigureOut">
               <a:rPr lang="fr-FR" smtClean="0"/>
-              <a:t>02/01/2024</a:t>
+              <a:t>11/01/2024</a:t>
             </a:fld>
             <a:endParaRPr lang="fr-FR"/>
           </a:p>
@@ -1994,7 +1994,7 @@
           <a:p>
             <a:fld id="{FBF29669-1EEB-4296-8C69-FBA90EBDC97B}" type="datetimeFigureOut">
               <a:rPr lang="fr-FR" smtClean="0"/>
-              <a:t>02/01/2024</a:t>
+              <a:t>11/01/2024</a:t>
             </a:fld>
             <a:endParaRPr lang="fr-FR"/>
           </a:p>
@@ -2259,7 +2259,7 @@
           <a:p>
             <a:fld id="{FBF29669-1EEB-4296-8C69-FBA90EBDC97B}" type="datetimeFigureOut">
               <a:rPr lang="fr-FR" smtClean="0"/>
-              <a:t>02/01/2024</a:t>
+              <a:t>11/01/2024</a:t>
             </a:fld>
             <a:endParaRPr lang="fr-FR"/>
           </a:p>
@@ -2671,7 +2671,7 @@
           <a:p>
             <a:fld id="{FBF29669-1EEB-4296-8C69-FBA90EBDC97B}" type="datetimeFigureOut">
               <a:rPr lang="fr-FR" smtClean="0"/>
-              <a:t>02/01/2024</a:t>
+              <a:t>11/01/2024</a:t>
             </a:fld>
             <a:endParaRPr lang="fr-FR"/>
           </a:p>
@@ -2812,7 +2812,7 @@
           <a:p>
             <a:fld id="{FBF29669-1EEB-4296-8C69-FBA90EBDC97B}" type="datetimeFigureOut">
               <a:rPr lang="fr-FR" smtClean="0"/>
-              <a:t>02/01/2024</a:t>
+              <a:t>11/01/2024</a:t>
             </a:fld>
             <a:endParaRPr lang="fr-FR"/>
           </a:p>
@@ -2925,7 +2925,7 @@
           <a:p>
             <a:fld id="{FBF29669-1EEB-4296-8C69-FBA90EBDC97B}" type="datetimeFigureOut">
               <a:rPr lang="fr-FR" smtClean="0"/>
-              <a:t>02/01/2024</a:t>
+              <a:t>11/01/2024</a:t>
             </a:fld>
             <a:endParaRPr lang="fr-FR"/>
           </a:p>
@@ -3236,7 +3236,7 @@
           <a:p>
             <a:fld id="{FBF29669-1EEB-4296-8C69-FBA90EBDC97B}" type="datetimeFigureOut">
               <a:rPr lang="fr-FR" smtClean="0"/>
-              <a:t>02/01/2024</a:t>
+              <a:t>11/01/2024</a:t>
             </a:fld>
             <a:endParaRPr lang="fr-FR"/>
           </a:p>
@@ -3524,7 +3524,7 @@
           <a:p>
             <a:fld id="{FBF29669-1EEB-4296-8C69-FBA90EBDC97B}" type="datetimeFigureOut">
               <a:rPr lang="fr-FR" smtClean="0"/>
-              <a:t>02/01/2024</a:t>
+              <a:t>11/01/2024</a:t>
             </a:fld>
             <a:endParaRPr lang="fr-FR"/>
           </a:p>
@@ -3765,7 +3765,7 @@
           <a:p>
             <a:fld id="{FBF29669-1EEB-4296-8C69-FBA90EBDC97B}" type="datetimeFigureOut">
               <a:rPr lang="fr-FR" smtClean="0"/>
-              <a:t>02/01/2024</a:t>
+              <a:t>11/01/2024</a:t>
             </a:fld>
             <a:endParaRPr lang="fr-FR"/>
           </a:p>
@@ -5296,13 +5296,13 @@
   <p:clrMapOvr>
     <a:masterClrMapping/>
   </p:clrMapOvr>
-  <mc:AlternateContent xmlns:mc="http://schemas.openxmlformats.org/markup-compatibility/2006">
-    <mc:Choice xmlns:p159="http://schemas.microsoft.com/office/powerpoint/2015/09/main" Requires="p159">
+  <mc:AlternateContent xmlns:mc="http://schemas.openxmlformats.org/markup-compatibility/2006" xmlns:p159="http://schemas.microsoft.com/office/powerpoint/2015/09/main">
+    <mc:Choice Requires="p159">
       <p:transition xmlns:p14="http://schemas.microsoft.com/office/powerpoint/2010/main" spd="slow" p14:dur="2000">
         <p159:morph option="byObject"/>
       </p:transition>
     </mc:Choice>
-    <mc:Fallback>
+    <mc:Fallback xmlns="">
       <p:transition spd="slow">
         <p:fade/>
       </p:transition>
@@ -6722,6 +6722,10 @@
           </a:bodyPr>
           <a:lstStyle/>
           <a:p>
+            <a:pPr marL="285750" indent="-285750">
+              <a:buFont typeface="Arial" panose="020B0604020202020204" pitchFamily="34" charset="0"/>
+              <a:buChar char="•"/>
+            </a:pPr>
             <a:r>
               <a:rPr lang="fr-FR" dirty="0">
                 <a:solidFill>
@@ -6729,8 +6733,26 @@
                 </a:solidFill>
                 <a:latin typeface="Montserrat bold" panose="00000800000000000000" pitchFamily="2" charset="0"/>
               </a:rPr>
-              <a:t>Etape 1 : </a:t>
-            </a:r>
+              <a:t>Couverture du code </a:t>
+            </a:r>
+          </a:p>
+          <a:p>
+            <a:pPr marL="285750" indent="-285750">
+              <a:buFont typeface="Arial" panose="020B0604020202020204" pitchFamily="34" charset="0"/>
+              <a:buChar char="•"/>
+            </a:pPr>
+            <a:endParaRPr lang="fr-FR" dirty="0">
+              <a:solidFill>
+                <a:schemeClr val="bg1"/>
+              </a:solidFill>
+              <a:latin typeface="Montserrat bold" panose="00000800000000000000" pitchFamily="2" charset="0"/>
+            </a:endParaRPr>
+          </a:p>
+          <a:p>
+            <a:pPr marL="285750" indent="-285750">
+              <a:buFont typeface="Arial" panose="020B0604020202020204" pitchFamily="34" charset="0"/>
+              <a:buChar char="•"/>
+            </a:pPr>
             <a:r>
               <a:rPr lang="fr-FR" dirty="0" err="1">
                 <a:solidFill>
@@ -6738,7 +6760,73 @@
                 </a:solidFill>
                 <a:latin typeface="Montserrat bold" panose="00000800000000000000" pitchFamily="2" charset="0"/>
               </a:rPr>
-              <a:t>npm</a:t>
+              <a:t>Watching</a:t>
+            </a:r>
+            <a:endParaRPr lang="fr-FR" dirty="0">
+              <a:solidFill>
+                <a:schemeClr val="bg1"/>
+              </a:solidFill>
+              <a:latin typeface="Montserrat bold" panose="00000800000000000000" pitchFamily="2" charset="0"/>
+            </a:endParaRPr>
+          </a:p>
+          <a:p>
+            <a:pPr marL="285750" indent="-285750">
+              <a:buFont typeface="Arial" panose="020B0604020202020204" pitchFamily="34" charset="0"/>
+              <a:buChar char="•"/>
+            </a:pPr>
+            <a:endParaRPr lang="fr-FR" dirty="0">
+              <a:solidFill>
+                <a:schemeClr val="bg1"/>
+              </a:solidFill>
+              <a:latin typeface="Montserrat bold" panose="00000800000000000000" pitchFamily="2" charset="0"/>
+            </a:endParaRPr>
+          </a:p>
+          <a:p>
+            <a:pPr marL="285750" indent="-285750">
+              <a:buFont typeface="Arial" panose="020B0604020202020204" pitchFamily="34" charset="0"/>
+              <a:buChar char="•"/>
+            </a:pPr>
+            <a:r>
+              <a:rPr lang="fr-FR" dirty="0" err="1">
+                <a:solidFill>
+                  <a:schemeClr val="bg1"/>
+                </a:solidFill>
+                <a:latin typeface="Montserrat bold" panose="00000800000000000000" pitchFamily="2" charset="0"/>
+              </a:rPr>
+              <a:t>Snapchot</a:t>
+            </a:r>
+            <a:endParaRPr lang="fr-FR" dirty="0">
+              <a:solidFill>
+                <a:schemeClr val="bg1"/>
+              </a:solidFill>
+              <a:latin typeface="Montserrat bold" panose="00000800000000000000" pitchFamily="2" charset="0"/>
+            </a:endParaRPr>
+          </a:p>
+          <a:p>
+            <a:pPr marL="285750" indent="-285750">
+              <a:buFont typeface="Arial" panose="020B0604020202020204" pitchFamily="34" charset="0"/>
+              <a:buChar char="•"/>
+            </a:pPr>
+            <a:endParaRPr lang="fr-FR" dirty="0">
+              <a:solidFill>
+                <a:schemeClr val="bg1"/>
+              </a:solidFill>
+              <a:latin typeface="Montserrat bold" panose="00000800000000000000" pitchFamily="2" charset="0"/>
+            </a:endParaRPr>
+          </a:p>
+          <a:p>
+            <a:pPr marL="285750" indent="-285750">
+              <a:buFont typeface="Arial" panose="020B0604020202020204" pitchFamily="34" charset="0"/>
+              <a:buChar char="•"/>
+            </a:pPr>
+            <a:r>
+              <a:rPr lang="fr-FR" dirty="0" err="1">
+                <a:solidFill>
+                  <a:schemeClr val="bg1"/>
+                </a:solidFill>
+                <a:latin typeface="Montserrat bold" panose="00000800000000000000" pitchFamily="2" charset="0"/>
+              </a:rPr>
+              <a:t>Github</a:t>
             </a:r>
             <a:r>
               <a:rPr lang="fr-FR" dirty="0">
@@ -6747,131 +6835,16 @@
                 </a:solidFill>
                 <a:latin typeface="Montserrat bold" panose="00000800000000000000" pitchFamily="2" charset="0"/>
               </a:rPr>
-              <a:t> </a:t>
-            </a:r>
-            <a:r>
-              <a:rPr lang="fr-FR" dirty="0" err="1">
-                <a:solidFill>
-                  <a:schemeClr val="bg1"/>
-                </a:solidFill>
-                <a:latin typeface="Montserrat bold" panose="00000800000000000000" pitchFamily="2" charset="0"/>
-              </a:rPr>
-              <a:t>install</a:t>
-            </a:r>
-            <a:r>
-              <a:rPr lang="fr-FR" dirty="0">
-                <a:solidFill>
-                  <a:schemeClr val="bg1"/>
-                </a:solidFill>
-                <a:latin typeface="Montserrat bold" panose="00000800000000000000" pitchFamily="2" charset="0"/>
-              </a:rPr>
-              <a:t> –-</a:t>
-            </a:r>
-            <a:r>
-              <a:rPr lang="fr-FR" dirty="0" err="1">
-                <a:solidFill>
-                  <a:schemeClr val="bg1"/>
-                </a:solidFill>
-                <a:latin typeface="Montserrat bold" panose="00000800000000000000" pitchFamily="2" charset="0"/>
-              </a:rPr>
-              <a:t>save</a:t>
-            </a:r>
-            <a:r>
-              <a:rPr lang="fr-FR" dirty="0">
-                <a:solidFill>
-                  <a:schemeClr val="bg1"/>
-                </a:solidFill>
-                <a:latin typeface="Montserrat bold" panose="00000800000000000000" pitchFamily="2" charset="0"/>
-              </a:rPr>
-              <a:t>-dev </a:t>
-            </a:r>
-            <a:r>
-              <a:rPr lang="fr-FR" dirty="0" err="1">
-                <a:solidFill>
-                  <a:schemeClr val="bg1"/>
-                </a:solidFill>
-                <a:latin typeface="Montserrat bold" panose="00000800000000000000" pitchFamily="2" charset="0"/>
-              </a:rPr>
-              <a:t>jest</a:t>
-            </a:r>
+              <a:t> Actions</a:t>
+            </a:r>
+          </a:p>
+          <a:p>
             <a:endParaRPr lang="fr-FR" dirty="0">
               <a:solidFill>
                 <a:schemeClr val="bg1"/>
               </a:solidFill>
               <a:latin typeface="Montserrat bold" panose="00000800000000000000" pitchFamily="2" charset="0"/>
             </a:endParaRPr>
-          </a:p>
-          <a:p>
-            <a:endParaRPr lang="fr-FR" dirty="0">
-              <a:solidFill>
-                <a:schemeClr val="bg1"/>
-              </a:solidFill>
-              <a:latin typeface="Montserrat bold" panose="00000800000000000000" pitchFamily="2" charset="0"/>
-            </a:endParaRPr>
-          </a:p>
-          <a:p>
-            <a:r>
-              <a:rPr lang="fr-FR" dirty="0">
-                <a:solidFill>
-                  <a:schemeClr val="bg1"/>
-                </a:solidFill>
-                <a:latin typeface="Montserrat bold" panose="00000800000000000000" pitchFamily="2" charset="0"/>
-              </a:rPr>
-              <a:t>Etape 2 :  ajouter le script au </a:t>
-            </a:r>
-            <a:r>
-              <a:rPr lang="fr-FR" dirty="0" err="1">
-                <a:solidFill>
-                  <a:schemeClr val="bg1"/>
-                </a:solidFill>
-                <a:latin typeface="Montserrat bold" panose="00000800000000000000" pitchFamily="2" charset="0"/>
-              </a:rPr>
-              <a:t>package.json</a:t>
-            </a:r>
-            <a:endParaRPr lang="fr-FR" dirty="0">
-              <a:solidFill>
-                <a:schemeClr val="bg1"/>
-              </a:solidFill>
-              <a:latin typeface="Montserrat bold" panose="00000800000000000000" pitchFamily="2" charset="0"/>
-            </a:endParaRPr>
-          </a:p>
-          <a:p>
-            <a:endParaRPr lang="fr-FR" dirty="0">
-              <a:solidFill>
-                <a:schemeClr val="bg1"/>
-              </a:solidFill>
-              <a:latin typeface="Montserrat bold" panose="00000800000000000000" pitchFamily="2" charset="0"/>
-            </a:endParaRPr>
-          </a:p>
-          <a:p>
-            <a:r>
-              <a:rPr lang="fr-FR" dirty="0">
-                <a:solidFill>
-                  <a:schemeClr val="bg1"/>
-                </a:solidFill>
-                <a:latin typeface="Montserrat bold" panose="00000800000000000000" pitchFamily="2" charset="0"/>
-              </a:rPr>
-              <a:t>Etape 3 : modifier les fichiers de test (optionnel)</a:t>
-            </a:r>
-          </a:p>
-          <a:p>
-            <a:endParaRPr lang="fr-FR" dirty="0">
-              <a:solidFill>
-                <a:schemeClr val="bg1"/>
-              </a:solidFill>
-              <a:latin typeface="Montserrat bold" panose="00000800000000000000" pitchFamily="2" charset="0"/>
-            </a:endParaRPr>
-          </a:p>
-          <a:p>
-            <a:r>
-              <a:rPr lang="fr-FR" dirty="0">
-                <a:solidFill>
-                  <a:schemeClr val="bg1"/>
-                </a:solidFill>
-                <a:latin typeface="Montserrat bold" panose="00000800000000000000" pitchFamily="2" charset="0"/>
-              </a:rPr>
-              <a:t>Etape 4 : démarrer vos premiers tests !</a:t>
-            </a:r>
           </a:p>
         </p:txBody>
       </p:sp>

--- a/presentation.pptx
+++ b/presentation.pptx
@@ -1,15 +1,18 @@
 
 <file path=ppt/presentation.xml><?xml version="1.0" encoding="utf-8"?>
-<p:presentation xmlns:a="http://schemas.openxmlformats.org/drawingml/2006/main" xmlns:r="http://schemas.openxmlformats.org/officeDocument/2006/relationships" xmlns:p="http://schemas.openxmlformats.org/presentationml/2006/main" saveSubsetFonts="1">
+<p:presentation xmlns:a="http://schemas.openxmlformats.org/drawingml/2006/main" xmlns:r="http://schemas.openxmlformats.org/officeDocument/2006/relationships" xmlns:p="http://schemas.openxmlformats.org/presentationml/2006/main" xmlns:m="http://schemas.openxmlformats.org/officeDocument/2006/math" xmlns:w="http://schemas.openxmlformats.org/wordprocessingml/2006/main" saveSubsetFonts="1">
   <p:sldMasterIdLst>
     <p:sldMasterId id="2147483648" r:id="rId1"/>
   </p:sldMasterIdLst>
+  <p:notesMasterIdLst>
+    <p:notesMasterId r:id="rId9"/>
+  </p:notesMasterIdLst>
   <p:sldIdLst>
-    <p:sldId id="256" r:id="rId2"/>
-    <p:sldId id="266" r:id="rId3"/>
-    <p:sldId id="263" r:id="rId4"/>
-    <p:sldId id="264" r:id="rId5"/>
-    <p:sldId id="265" r:id="rId6"/>
+    <p:sldId id="256" r:id="rId4"/>
+    <p:sldId id="257" r:id="rId5"/>
+    <p:sldId id="258" r:id="rId6"/>
+    <p:sldId id="259" r:id="rId7"/>
+    <p:sldId id="260" r:id="rId8"/>
   </p:sldIdLst>
   <p:sldSz cx="12192000" cy="6858000"/>
   <p:notesSz cx="6858000" cy="9144000"/>
@@ -17,8 +20,8 @@
     <a:defPPr>
       <a:defRPr lang="fr-FR"/>
     </a:defPPr>
-    <a:lvl1pPr marL="0" algn="l" defTabSz="914400" rtl="0" eaLnBrk="1" latinLnBrk="0" hangingPunct="1">
-      <a:defRPr sz="1800" kern="1200">
+    <a:lvl1pPr marL="0" algn="l" defTabSz="914400">
+      <a:defRPr sz="1800">
         <a:solidFill>
           <a:schemeClr val="tx1"/>
         </a:solidFill>
@@ -27,8 +30,8 @@
         <a:cs typeface="+mn-cs"/>
       </a:defRPr>
     </a:lvl1pPr>
-    <a:lvl2pPr marL="457200" algn="l" defTabSz="914400" rtl="0" eaLnBrk="1" latinLnBrk="0" hangingPunct="1">
-      <a:defRPr sz="1800" kern="1200">
+    <a:lvl2pPr marL="457200" algn="l" defTabSz="914400">
+      <a:defRPr sz="1800">
         <a:solidFill>
           <a:schemeClr val="tx1"/>
         </a:solidFill>
@@ -37,8 +40,8 @@
         <a:cs typeface="+mn-cs"/>
       </a:defRPr>
     </a:lvl2pPr>
-    <a:lvl3pPr marL="914400" algn="l" defTabSz="914400" rtl="0" eaLnBrk="1" latinLnBrk="0" hangingPunct="1">
-      <a:defRPr sz="1800" kern="1200">
+    <a:lvl3pPr marL="914400" algn="l" defTabSz="914400">
+      <a:defRPr sz="1800">
         <a:solidFill>
           <a:schemeClr val="tx1"/>
         </a:solidFill>
@@ -47,8 +50,8 @@
         <a:cs typeface="+mn-cs"/>
       </a:defRPr>
     </a:lvl3pPr>
-    <a:lvl4pPr marL="1371600" algn="l" defTabSz="914400" rtl="0" eaLnBrk="1" latinLnBrk="0" hangingPunct="1">
-      <a:defRPr sz="1800" kern="1200">
+    <a:lvl4pPr marL="1371600" algn="l" defTabSz="914400">
+      <a:defRPr sz="1800">
         <a:solidFill>
           <a:schemeClr val="tx1"/>
         </a:solidFill>
@@ -57,8 +60,8 @@
         <a:cs typeface="+mn-cs"/>
       </a:defRPr>
     </a:lvl4pPr>
-    <a:lvl5pPr marL="1828800" algn="l" defTabSz="914400" rtl="0" eaLnBrk="1" latinLnBrk="0" hangingPunct="1">
-      <a:defRPr sz="1800" kern="1200">
+    <a:lvl5pPr marL="1828800" algn="l" defTabSz="914400">
+      <a:defRPr sz="1800">
         <a:solidFill>
           <a:schemeClr val="tx1"/>
         </a:solidFill>
@@ -67,8 +70,8 @@
         <a:cs typeface="+mn-cs"/>
       </a:defRPr>
     </a:lvl5pPr>
-    <a:lvl6pPr marL="2286000" algn="l" defTabSz="914400" rtl="0" eaLnBrk="1" latinLnBrk="0" hangingPunct="1">
-      <a:defRPr sz="1800" kern="1200">
+    <a:lvl6pPr marL="2286000" algn="l" defTabSz="914400">
+      <a:defRPr sz="1800">
         <a:solidFill>
           <a:schemeClr val="tx1"/>
         </a:solidFill>
@@ -77,8 +80,8 @@
         <a:cs typeface="+mn-cs"/>
       </a:defRPr>
     </a:lvl6pPr>
-    <a:lvl7pPr marL="2743200" algn="l" defTabSz="914400" rtl="0" eaLnBrk="1" latinLnBrk="0" hangingPunct="1">
-      <a:defRPr sz="1800" kern="1200">
+    <a:lvl7pPr marL="2743200" algn="l" defTabSz="914400">
+      <a:defRPr sz="1800">
         <a:solidFill>
           <a:schemeClr val="tx1"/>
         </a:solidFill>
@@ -87,8 +90,8 @@
         <a:cs typeface="+mn-cs"/>
       </a:defRPr>
     </a:lvl7pPr>
-    <a:lvl8pPr marL="3200400" algn="l" defTabSz="914400" rtl="0" eaLnBrk="1" latinLnBrk="0" hangingPunct="1">
-      <a:defRPr sz="1800" kern="1200">
+    <a:lvl8pPr marL="3200400" algn="l" defTabSz="914400">
+      <a:defRPr sz="1800">
         <a:solidFill>
           <a:schemeClr val="tx1"/>
         </a:solidFill>
@@ -97,8 +100,8 @@
         <a:cs typeface="+mn-cs"/>
       </a:defRPr>
     </a:lvl8pPr>
-    <a:lvl9pPr marL="3657600" algn="l" defTabSz="914400" rtl="0" eaLnBrk="1" latinLnBrk="0" hangingPunct="1">
-      <a:defRPr sz="1800" kern="1200">
+    <a:lvl9pPr marL="3657600" algn="l" defTabSz="914400">
+      <a:defRPr sz="1800">
         <a:solidFill>
           <a:schemeClr val="tx1"/>
         </a:solidFill>
@@ -108,868 +111,741 @@
       </a:defRPr>
     </a:lvl9pPr>
   </p:defaultTextStyle>
-  <p:extLst>
-    <p:ext uri="{EFAFB233-063F-42B5-8137-9DF3F51BA10A}">
-      <p15:sldGuideLst xmlns:p15="http://schemas.microsoft.com/office/powerpoint/2012/main"/>
-    </p:ext>
-  </p:extLst>
 </p:presentation>
 </file>
 
-<file path=ppt/revisionInfo.xml><?xml version="1.0" encoding="utf-8"?>
-<p1510:revInfo xmlns:a="http://schemas.openxmlformats.org/drawingml/2006/main" xmlns:r="http://schemas.openxmlformats.org/officeDocument/2006/relationships" xmlns:p1510="http://schemas.microsoft.com/office/powerpoint/2015/10/main">
-  <p1510:revLst>
-    <p1510:client id="{AB80B25A-7E34-449C-A80A-7D9BDBD5A500}" v="22" dt="2023-12-26T15:40:12.761"/>
-  </p1510:revLst>
-</p1510:revInfo>
+<file path=ppt/notesMasters/notesMaster1.xml><?xml version="1.0" encoding="utf-8"?>
+<p:notesMaster xmlns:a="http://schemas.openxmlformats.org/drawingml/2006/main" xmlns:r="http://schemas.openxmlformats.org/officeDocument/2006/relationships" xmlns:p="http://schemas.openxmlformats.org/presentationml/2006/main">
+  <p:cSld name="">
+    <p:bg>
+      <p:bgRef idx="1001">
+        <a:schemeClr val="bg1"/>
+      </p:bgRef>
+    </p:bg>
+    <p:spTree>
+      <p:nvGrpSpPr>
+        <p:cNvPr id="1" name=""/>
+        <p:cNvGrpSpPr/>
+        <p:nvPr/>
+      </p:nvGrpSpPr>
+      <p:grpSpPr bwMode="auto">
+        <a:xfrm>
+          <a:off x="0" y="0"/>
+          <a:ext cx="0" cy="0"/>
+          <a:chOff x="0" y="0"/>
+          <a:chExt cx="0" cy="0"/>
+        </a:xfrm>
+      </p:grpSpPr>
+      <p:sp>
+        <p:nvSpPr>
+          <p:cNvPr id="2" name="Header Placeholder 1"/>
+          <p:cNvSpPr>
+            <a:spLocks noGrp="1"/>
+          </p:cNvSpPr>
+          <p:nvPr>
+            <p:ph type="hdr" sz="quarter"/>
+          </p:nvPr>
+        </p:nvSpPr>
+        <p:spPr bwMode="auto">
+          <a:xfrm>
+            <a:off x="0" y="0"/>
+            <a:ext cx="2971800" cy="458788"/>
+          </a:xfrm>
+          <a:prstGeom prst="rect">
+            <a:avLst/>
+          </a:prstGeom>
+        </p:spPr>
+        <p:txBody>
+          <a:bodyPr vert="horz" lIns="91440" tIns="45720" rIns="91440" bIns="45720" rtlCol="0" anchor="ctr"/>
+          <a:lstStyle>
+            <a:lvl1pPr algn="l">
+              <a:defRPr sz="1200"/>
+            </a:lvl1pPr>
+          </a:lstStyle>
+          <a:p>
+            <a:pPr>
+              <a:defRPr/>
+            </a:pPr>
+            <a:endParaRPr/>
+          </a:p>
+        </p:txBody>
+      </p:sp>
+      <p:sp>
+        <p:nvSpPr>
+          <p:cNvPr id="3" name="Date Placeholder 2"/>
+          <p:cNvSpPr>
+            <a:spLocks noGrp="1"/>
+          </p:cNvSpPr>
+          <p:nvPr>
+            <p:ph type="dt" idx="2"/>
+          </p:nvPr>
+        </p:nvSpPr>
+        <p:spPr bwMode="auto">
+          <a:xfrm>
+            <a:off x="3884613" y="0"/>
+            <a:ext cx="2971800" cy="458788"/>
+          </a:xfrm>
+          <a:prstGeom prst="rect">
+            <a:avLst/>
+          </a:prstGeom>
+        </p:spPr>
+        <p:txBody>
+          <a:bodyPr vert="horz" lIns="91440" tIns="45720" rIns="91440" bIns="45720" rtlCol="0" anchor="ctr"/>
+          <a:lstStyle>
+            <a:lvl1pPr algn="r">
+              <a:defRPr sz="1200"/>
+            </a:lvl1pPr>
+          </a:lstStyle>
+          <a:p>
+            <a:pPr>
+              <a:defRPr/>
+            </a:pPr>
+            <a:endParaRPr/>
+          </a:p>
+        </p:txBody>
+      </p:sp>
+      <p:sp>
+        <p:nvSpPr>
+          <p:cNvPr id="3" name="Date Placeholder 2"/>
+          <p:cNvSpPr>
+            <a:spLocks noGrp="1"/>
+          </p:cNvSpPr>
+          <p:nvPr>
+            <p:ph type="dt" idx="3"/>
+          </p:nvPr>
+        </p:nvSpPr>
+        <p:spPr bwMode="auto">
+          <a:xfrm>
+            <a:off x="3884613" y="0"/>
+            <a:ext cx="2971800" cy="458788"/>
+          </a:xfrm>
+          <a:prstGeom prst="rect">
+            <a:avLst/>
+          </a:prstGeom>
+        </p:spPr>
+        <p:txBody>
+          <a:bodyPr vert="horz" lIns="91440" tIns="45720" rIns="91440" bIns="45720" rtlCol="0" anchor="ctr"/>
+          <a:lstStyle>
+            <a:lvl1pPr algn="r">
+              <a:defRPr sz="1200"/>
+            </a:lvl1pPr>
+          </a:lstStyle>
+          <a:p>
+            <a:pPr>
+              <a:defRPr/>
+            </a:pPr>
+            <a:endParaRPr/>
+          </a:p>
+        </p:txBody>
+      </p:sp>
+      <p:sp>
+        <p:nvSpPr>
+          <p:cNvPr id="5" name="Notes Placeholder 4"/>
+          <p:cNvSpPr>
+            <a:spLocks noGrp="1"/>
+          </p:cNvSpPr>
+          <p:nvPr>
+            <p:ph type="body" sz="quarter" idx="1"/>
+          </p:nvPr>
+        </p:nvSpPr>
+        <p:spPr bwMode="auto">
+          <a:xfrm>
+            <a:off x="685800" y="4400550"/>
+            <a:ext cx="5486400" cy="3600450"/>
+          </a:xfrm>
+          <a:prstGeom prst="rect">
+            <a:avLst/>
+          </a:prstGeom>
+        </p:spPr>
+        <p:txBody>
+          <a:bodyPr vert="horz" lIns="91440" tIns="45720" rIns="91440" bIns="45720" rtlCol="0" anchor="ctr"/>
+          <a:lstStyle/>
+          <a:p>
+            <a:pPr>
+              <a:defRPr/>
+            </a:pPr>
+            <a:endParaRPr/>
+          </a:p>
+        </p:txBody>
+      </p:sp>
+      <p:sp>
+        <p:nvSpPr>
+          <p:cNvPr id="6" name="Footer Placeholder 5"/>
+          <p:cNvSpPr>
+            <a:spLocks noGrp="1"/>
+          </p:cNvSpPr>
+          <p:nvPr>
+            <p:ph type="ftr" sz="quarter" idx="4"/>
+          </p:nvPr>
+        </p:nvSpPr>
+        <p:spPr bwMode="auto">
+          <a:xfrm>
+            <a:off x="0" y="8685213"/>
+            <a:ext cx="2971800" cy="458787"/>
+          </a:xfrm>
+          <a:prstGeom prst="rect">
+            <a:avLst/>
+          </a:prstGeom>
+        </p:spPr>
+        <p:txBody>
+          <a:bodyPr vert="horz" lIns="91440" tIns="45720" rIns="91440" bIns="45720" rtlCol="0" anchor="b"/>
+          <a:lstStyle>
+            <a:lvl1pPr algn="l">
+              <a:defRPr sz="1200"/>
+            </a:lvl1pPr>
+          </a:lstStyle>
+          <a:p>
+            <a:pPr>
+              <a:defRPr/>
+            </a:pPr>
+            <a:endParaRPr/>
+          </a:p>
+        </p:txBody>
+      </p:sp>
+      <p:sp>
+        <p:nvSpPr>
+          <p:cNvPr id="7" name="Slide Number Placeholder 6"/>
+          <p:cNvSpPr>
+            <a:spLocks noGrp="1"/>
+          </p:cNvSpPr>
+          <p:nvPr>
+            <p:ph type="sldNum" sz="quarter" idx="10"/>
+          </p:nvPr>
+        </p:nvSpPr>
+        <p:spPr bwMode="auto">
+          <a:xfrm>
+            <a:off x="3884613" y="8685213"/>
+            <a:ext cx="2971800" cy="458787"/>
+          </a:xfrm>
+          <a:prstGeom prst="rect">
+            <a:avLst/>
+          </a:prstGeom>
+        </p:spPr>
+        <p:txBody>
+          <a:bodyPr vert="horz" lIns="91440" tIns="45720" rIns="91440" bIns="45720" rtlCol="0" anchor="b"/>
+          <a:lstStyle>
+            <a:lvl1pPr algn="r">
+              <a:defRPr sz="1200"/>
+            </a:lvl1pPr>
+          </a:lstStyle>
+          <a:p>
+            <a:pPr>
+              <a:defRPr/>
+            </a:pPr>
+            <a:endParaRPr/>
+          </a:p>
+        </p:txBody>
+      </p:sp>
+    </p:spTree>
+  </p:cSld>
+  <p:clrMap bg1="lt1" tx1="dk1" bg2="lt2" tx2="dk2" accent1="accent1" accent2="accent2" accent3="accent3" accent4="accent4" accent5="accent5" accent6="accent6" hlink="hlink" folHlink="folHlink"/>
+  <p:notesStyle>
+    <a:lvl1pPr marL="0" algn="l" defTabSz="914400">
+      <a:defRPr sz="1200">
+        <a:solidFill>
+          <a:schemeClr val="tx1"/>
+        </a:solidFill>
+        <a:latin typeface="+mn-lt"/>
+        <a:ea typeface="+mn-ea"/>
+        <a:cs typeface="+mn-cs"/>
+      </a:defRPr>
+    </a:lvl1pPr>
+    <a:lvl2pPr marL="457200" algn="l" defTabSz="914400">
+      <a:defRPr sz="1200">
+        <a:solidFill>
+          <a:schemeClr val="tx1"/>
+        </a:solidFill>
+        <a:latin typeface="+mn-lt"/>
+        <a:ea typeface="+mn-ea"/>
+        <a:cs typeface="+mn-cs"/>
+      </a:defRPr>
+    </a:lvl2pPr>
+    <a:lvl3pPr marL="914400" algn="l" defTabSz="914400">
+      <a:defRPr sz="1200">
+        <a:solidFill>
+          <a:schemeClr val="tx1"/>
+        </a:solidFill>
+        <a:latin typeface="+mn-lt"/>
+        <a:ea typeface="+mn-ea"/>
+        <a:cs typeface="+mn-cs"/>
+      </a:defRPr>
+    </a:lvl3pPr>
+    <a:lvl4pPr marL="1371600" algn="l" defTabSz="914400">
+      <a:defRPr sz="1200">
+        <a:solidFill>
+          <a:schemeClr val="tx1"/>
+        </a:solidFill>
+        <a:latin typeface="+mn-lt"/>
+        <a:ea typeface="+mn-ea"/>
+        <a:cs typeface="+mn-cs"/>
+      </a:defRPr>
+    </a:lvl4pPr>
+    <a:lvl5pPr marL="1828800" algn="l" defTabSz="914400">
+      <a:defRPr sz="1200">
+        <a:solidFill>
+          <a:schemeClr val="tx1"/>
+        </a:solidFill>
+        <a:latin typeface="+mn-lt"/>
+        <a:ea typeface="+mn-ea"/>
+        <a:cs typeface="+mn-cs"/>
+      </a:defRPr>
+    </a:lvl5pPr>
+    <a:lvl6pPr marL="2286000" algn="l" defTabSz="914400">
+      <a:defRPr sz="1200">
+        <a:solidFill>
+          <a:schemeClr val="tx1"/>
+        </a:solidFill>
+        <a:latin typeface="+mn-lt"/>
+        <a:ea typeface="+mn-ea"/>
+        <a:cs typeface="+mn-cs"/>
+      </a:defRPr>
+    </a:lvl6pPr>
+    <a:lvl7pPr marL="2743200" algn="l" defTabSz="914400">
+      <a:defRPr sz="1200">
+        <a:solidFill>
+          <a:schemeClr val="tx1"/>
+        </a:solidFill>
+        <a:latin typeface="+mn-lt"/>
+        <a:ea typeface="+mn-ea"/>
+        <a:cs typeface="+mn-cs"/>
+      </a:defRPr>
+    </a:lvl7pPr>
+    <a:lvl8pPr marL="3200400" algn="l" defTabSz="914400">
+      <a:defRPr sz="1200">
+        <a:solidFill>
+          <a:schemeClr val="tx1"/>
+        </a:solidFill>
+        <a:latin typeface="+mn-lt"/>
+        <a:ea typeface="+mn-ea"/>
+        <a:cs typeface="+mn-cs"/>
+      </a:defRPr>
+    </a:lvl8pPr>
+    <a:lvl9pPr marL="3657600" algn="l" defTabSz="914400">
+      <a:defRPr sz="1200">
+        <a:solidFill>
+          <a:schemeClr val="tx1"/>
+        </a:solidFill>
+        <a:latin typeface="+mn-lt"/>
+        <a:ea typeface="+mn-ea"/>
+        <a:cs typeface="+mn-cs"/>
+      </a:defRPr>
+    </a:lvl9pPr>
+  </p:notesStyle>
+</p:notesMaster>
 </file>
 
-<file path=ppt/changesInfos/changesInfo1.xml><?xml version="1.0" encoding="utf-8"?>
-<pc:chgInfo xmlns:a="http://schemas.openxmlformats.org/drawingml/2006/main" xmlns:r="http://schemas.openxmlformats.org/officeDocument/2006/relationships" xmlns:ac="http://schemas.microsoft.com/office/drawing/2013/main/command" xmlns:pc="http://schemas.microsoft.com/office/powerpoint/2013/main/command">
-  <pc:docChgLst>
-    <pc:chgData name="antho kalbe" userId="0062575cd9d3a43f" providerId="LiveId" clId="{AB80B25A-7E34-449C-A80A-7D9BDBD5A500}"/>
-    <pc:docChg chg="undo redo custSel addSld delSld modSld sldOrd">
-      <pc:chgData name="antho kalbe" userId="0062575cd9d3a43f" providerId="LiveId" clId="{AB80B25A-7E34-449C-A80A-7D9BDBD5A500}" dt="2024-01-02T09:33:45.020" v="1345" actId="14100"/>
-      <pc:docMkLst>
-        <pc:docMk/>
-      </pc:docMkLst>
-      <pc:sldChg chg="addSp delSp modSp mod modTransition">
-        <pc:chgData name="antho kalbe" userId="0062575cd9d3a43f" providerId="LiveId" clId="{AB80B25A-7E34-449C-A80A-7D9BDBD5A500}" dt="2023-12-26T15:32:55.998" v="594"/>
-        <pc:sldMkLst>
-          <pc:docMk/>
-          <pc:sldMk cId="4125932167" sldId="256"/>
-        </pc:sldMkLst>
-        <pc:spChg chg="del">
-          <ac:chgData name="antho kalbe" userId="0062575cd9d3a43f" providerId="LiveId" clId="{AB80B25A-7E34-449C-A80A-7D9BDBD5A500}" dt="2023-12-26T14:46:23.138" v="212" actId="478"/>
-          <ac:spMkLst>
-            <pc:docMk/>
-            <pc:sldMk cId="4125932167" sldId="256"/>
-            <ac:spMk id="2" creationId="{19A52546-7710-F62E-AD23-485D9FD3FAAB}"/>
-          </ac:spMkLst>
-        </pc:spChg>
-        <pc:spChg chg="del">
-          <ac:chgData name="antho kalbe" userId="0062575cd9d3a43f" providerId="LiveId" clId="{AB80B25A-7E34-449C-A80A-7D9BDBD5A500}" dt="2023-12-26T14:46:25.710" v="213" actId="478"/>
-          <ac:spMkLst>
-            <pc:docMk/>
-            <pc:sldMk cId="4125932167" sldId="256"/>
-            <ac:spMk id="3" creationId="{918C1FC5-9D0A-8DD4-3200-0949FD6E8C10}"/>
-          </ac:spMkLst>
-        </pc:spChg>
-        <pc:spChg chg="mod">
-          <ac:chgData name="antho kalbe" userId="0062575cd9d3a43f" providerId="LiveId" clId="{AB80B25A-7E34-449C-A80A-7D9BDBD5A500}" dt="2023-12-26T15:27:56.867" v="562" actId="14100"/>
-          <ac:spMkLst>
-            <pc:docMk/>
-            <pc:sldMk cId="4125932167" sldId="256"/>
-            <ac:spMk id="16" creationId="{D7212756-B812-EF30-D93F-E096A71CF07D}"/>
-          </ac:spMkLst>
-        </pc:spChg>
-        <pc:spChg chg="mod">
-          <ac:chgData name="antho kalbe" userId="0062575cd9d3a43f" providerId="LiveId" clId="{AB80B25A-7E34-449C-A80A-7D9BDBD5A500}" dt="2023-12-26T15:28:27.059" v="572" actId="408"/>
-          <ac:spMkLst>
-            <pc:docMk/>
-            <pc:sldMk cId="4125932167" sldId="256"/>
-            <ac:spMk id="17" creationId="{AA745235-3F47-7F54-98B3-01DC4C8F685A}"/>
-          </ac:spMkLst>
-        </pc:spChg>
-        <pc:spChg chg="mod">
-          <ac:chgData name="antho kalbe" userId="0062575cd9d3a43f" providerId="LiveId" clId="{AB80B25A-7E34-449C-A80A-7D9BDBD5A500}" dt="2023-12-26T15:28:27.059" v="572" actId="408"/>
-          <ac:spMkLst>
-            <pc:docMk/>
-            <pc:sldMk cId="4125932167" sldId="256"/>
-            <ac:spMk id="18" creationId="{4EC73F3B-E62B-1070-8BD3-DF372FCA0CAA}"/>
-          </ac:spMkLst>
-        </pc:spChg>
-        <pc:spChg chg="mod">
-          <ac:chgData name="antho kalbe" userId="0062575cd9d3a43f" providerId="LiveId" clId="{AB80B25A-7E34-449C-A80A-7D9BDBD5A500}" dt="2023-12-26T15:28:12.173" v="568" actId="14100"/>
-          <ac:spMkLst>
-            <pc:docMk/>
-            <pc:sldMk cId="4125932167" sldId="256"/>
-            <ac:spMk id="19" creationId="{53A5911C-502A-7671-9A5B-09AEED9B0E1C}"/>
-          </ac:spMkLst>
-        </pc:spChg>
-        <pc:spChg chg="mod">
-          <ac:chgData name="antho kalbe" userId="0062575cd9d3a43f" providerId="LiveId" clId="{AB80B25A-7E34-449C-A80A-7D9BDBD5A500}" dt="2023-12-26T15:28:18.619" v="571" actId="14100"/>
-          <ac:spMkLst>
-            <pc:docMk/>
-            <pc:sldMk cId="4125932167" sldId="256"/>
-            <ac:spMk id="20" creationId="{0082D39A-8116-AAFC-519F-0DF3078F8EEE}"/>
-          </ac:spMkLst>
-        </pc:spChg>
-        <pc:spChg chg="mod">
-          <ac:chgData name="antho kalbe" userId="0062575cd9d3a43f" providerId="LiveId" clId="{AB80B25A-7E34-449C-A80A-7D9BDBD5A500}" dt="2023-12-26T15:25:23.149" v="523" actId="1076"/>
-          <ac:spMkLst>
-            <pc:docMk/>
-            <pc:sldMk cId="4125932167" sldId="256"/>
-            <ac:spMk id="21" creationId="{886C5363-3C03-D3CC-6B3C-51F19B254C28}"/>
-          </ac:spMkLst>
-        </pc:spChg>
-        <pc:grpChg chg="add mod ord">
-          <ac:chgData name="antho kalbe" userId="0062575cd9d3a43f" providerId="LiveId" clId="{AB80B25A-7E34-449C-A80A-7D9BDBD5A500}" dt="2023-12-26T15:26:43.960" v="544" actId="166"/>
-          <ac:grpSpMkLst>
-            <pc:docMk/>
-            <pc:sldMk cId="4125932167" sldId="256"/>
-            <ac:grpSpMk id="4" creationId="{DBC8CBD1-D1C2-0DEF-47A8-D2F166F84BF1}"/>
-          </ac:grpSpMkLst>
-        </pc:grpChg>
-      </pc:sldChg>
-      <pc:sldChg chg="delSp modSp del mod">
-        <pc:chgData name="antho kalbe" userId="0062575cd9d3a43f" providerId="LiveId" clId="{AB80B25A-7E34-449C-A80A-7D9BDBD5A500}" dt="2023-12-26T15:27:42.771" v="560" actId="47"/>
-        <pc:sldMkLst>
-          <pc:docMk/>
-          <pc:sldMk cId="1813191012" sldId="258"/>
-        </pc:sldMkLst>
-        <pc:spChg chg="del mod">
-          <ac:chgData name="antho kalbe" userId="0062575cd9d3a43f" providerId="LiveId" clId="{AB80B25A-7E34-449C-A80A-7D9BDBD5A500}" dt="2023-12-26T15:27:39.907" v="559" actId="478"/>
-          <ac:spMkLst>
-            <pc:docMk/>
-            <pc:sldMk cId="1813191012" sldId="258"/>
-            <ac:spMk id="16" creationId="{D7212756-B812-EF30-D93F-E096A71CF07D}"/>
-          </ac:spMkLst>
-        </pc:spChg>
-        <pc:spChg chg="del mod">
-          <ac:chgData name="antho kalbe" userId="0062575cd9d3a43f" providerId="LiveId" clId="{AB80B25A-7E34-449C-A80A-7D9BDBD5A500}" dt="2023-12-26T15:27:39.907" v="559" actId="478"/>
-          <ac:spMkLst>
-            <pc:docMk/>
-            <pc:sldMk cId="1813191012" sldId="258"/>
-            <ac:spMk id="17" creationId="{AA745235-3F47-7F54-98B3-01DC4C8F685A}"/>
-          </ac:spMkLst>
-        </pc:spChg>
-        <pc:spChg chg="del mod">
-          <ac:chgData name="antho kalbe" userId="0062575cd9d3a43f" providerId="LiveId" clId="{AB80B25A-7E34-449C-A80A-7D9BDBD5A500}" dt="2023-12-26T15:27:39.907" v="559" actId="478"/>
-          <ac:spMkLst>
-            <pc:docMk/>
-            <pc:sldMk cId="1813191012" sldId="258"/>
-            <ac:spMk id="18" creationId="{4EC73F3B-E62B-1070-8BD3-DF372FCA0CAA}"/>
-          </ac:spMkLst>
-        </pc:spChg>
-        <pc:spChg chg="del mod">
-          <ac:chgData name="antho kalbe" userId="0062575cd9d3a43f" providerId="LiveId" clId="{AB80B25A-7E34-449C-A80A-7D9BDBD5A500}" dt="2023-12-26T15:27:39.907" v="559" actId="478"/>
-          <ac:spMkLst>
-            <pc:docMk/>
-            <pc:sldMk cId="1813191012" sldId="258"/>
-            <ac:spMk id="19" creationId="{53A5911C-502A-7671-9A5B-09AEED9B0E1C}"/>
-          </ac:spMkLst>
-        </pc:spChg>
-        <pc:spChg chg="del">
-          <ac:chgData name="antho kalbe" userId="0062575cd9d3a43f" providerId="LiveId" clId="{AB80B25A-7E34-449C-A80A-7D9BDBD5A500}" dt="2023-12-26T15:27:39.907" v="559" actId="478"/>
-          <ac:spMkLst>
-            <pc:docMk/>
-            <pc:sldMk cId="1813191012" sldId="258"/>
-            <ac:spMk id="20" creationId="{0082D39A-8116-AAFC-519F-0DF3078F8EEE}"/>
-          </ac:spMkLst>
-        </pc:spChg>
-      </pc:sldChg>
-      <pc:sldChg chg="del">
-        <pc:chgData name="antho kalbe" userId="0062575cd9d3a43f" providerId="LiveId" clId="{AB80B25A-7E34-449C-A80A-7D9BDBD5A500}" dt="2023-12-26T15:27:43.730" v="561" actId="47"/>
-        <pc:sldMkLst>
-          <pc:docMk/>
-          <pc:sldMk cId="2728946276" sldId="259"/>
-        </pc:sldMkLst>
-      </pc:sldChg>
-      <pc:sldChg chg="addSp delSp modSp del mod modTransition">
-        <pc:chgData name="antho kalbe" userId="0062575cd9d3a43f" providerId="LiveId" clId="{AB80B25A-7E34-449C-A80A-7D9BDBD5A500}" dt="2023-12-26T15:43:09.236" v="957" actId="47"/>
-        <pc:sldMkLst>
-          <pc:docMk/>
-          <pc:sldMk cId="2121901629" sldId="261"/>
-        </pc:sldMkLst>
-        <pc:spChg chg="add del">
-          <ac:chgData name="antho kalbe" userId="0062575cd9d3a43f" providerId="LiveId" clId="{AB80B25A-7E34-449C-A80A-7D9BDBD5A500}" dt="2023-12-26T15:27:12.543" v="550" actId="478"/>
-          <ac:spMkLst>
-            <pc:docMk/>
-            <pc:sldMk cId="2121901629" sldId="261"/>
-            <ac:spMk id="2" creationId="{19A52546-7710-F62E-AD23-485D9FD3FAAB}"/>
-          </ac:spMkLst>
-        </pc:spChg>
-        <pc:spChg chg="del">
-          <ac:chgData name="antho kalbe" userId="0062575cd9d3a43f" providerId="LiveId" clId="{AB80B25A-7E34-449C-A80A-7D9BDBD5A500}" dt="2023-12-26T15:27:09.822" v="549" actId="478"/>
-          <ac:spMkLst>
-            <pc:docMk/>
-            <pc:sldMk cId="2121901629" sldId="261"/>
-            <ac:spMk id="3" creationId="{918C1FC5-9D0A-8DD4-3200-0949FD6E8C10}"/>
-          </ac:spMkLst>
-        </pc:spChg>
-        <pc:spChg chg="add del mod">
-          <ac:chgData name="antho kalbe" userId="0062575cd9d3a43f" providerId="LiveId" clId="{AB80B25A-7E34-449C-A80A-7D9BDBD5A500}" dt="2023-12-26T14:47:28.828" v="250"/>
-          <ac:spMkLst>
-            <pc:docMk/>
-            <pc:sldMk cId="2121901629" sldId="261"/>
-            <ac:spMk id="4" creationId="{CA7533C8-CDE1-F129-0702-82552E33C5AE}"/>
-          </ac:spMkLst>
-        </pc:spChg>
-        <pc:spChg chg="add del mod">
-          <ac:chgData name="antho kalbe" userId="0062575cd9d3a43f" providerId="LiveId" clId="{AB80B25A-7E34-449C-A80A-7D9BDBD5A500}" dt="2023-12-26T15:40:11.252" v="857" actId="478"/>
-          <ac:spMkLst>
-            <pc:docMk/>
-            <pc:sldMk cId="2121901629" sldId="261"/>
-            <ac:spMk id="5" creationId="{FFFE8FC9-CDB9-F178-C843-16D49A4700F5}"/>
-          </ac:spMkLst>
-        </pc:spChg>
-        <pc:spChg chg="add mod">
-          <ac:chgData name="antho kalbe" userId="0062575cd9d3a43f" providerId="LiveId" clId="{AB80B25A-7E34-449C-A80A-7D9BDBD5A500}" dt="2023-12-26T15:24:58.955" v="517" actId="20577"/>
-          <ac:spMkLst>
-            <pc:docMk/>
-            <pc:sldMk cId="2121901629" sldId="261"/>
-            <ac:spMk id="6" creationId="{A6791D5B-8C14-0E83-C64E-6558A80F7319}"/>
-          </ac:spMkLst>
-        </pc:spChg>
-        <pc:spChg chg="mod">
-          <ac:chgData name="antho kalbe" userId="0062575cd9d3a43f" providerId="LiveId" clId="{AB80B25A-7E34-449C-A80A-7D9BDBD5A500}" dt="2023-12-26T15:27:32.543" v="557" actId="12789"/>
-          <ac:spMkLst>
-            <pc:docMk/>
-            <pc:sldMk cId="2121901629" sldId="261"/>
-            <ac:spMk id="8" creationId="{E4DA9EBF-DD16-E803-BD64-DBDA0E7932B0}"/>
-          </ac:spMkLst>
-        </pc:spChg>
-        <pc:spChg chg="mod">
-          <ac:chgData name="antho kalbe" userId="0062575cd9d3a43f" providerId="LiveId" clId="{AB80B25A-7E34-449C-A80A-7D9BDBD5A500}" dt="2023-12-26T15:27:32.543" v="557" actId="12789"/>
-          <ac:spMkLst>
-            <pc:docMk/>
-            <pc:sldMk cId="2121901629" sldId="261"/>
-            <ac:spMk id="9" creationId="{4A669091-E889-637C-AAF9-BE5212C2264B}"/>
-          </ac:spMkLst>
-        </pc:spChg>
-        <pc:spChg chg="mod">
-          <ac:chgData name="antho kalbe" userId="0062575cd9d3a43f" providerId="LiveId" clId="{AB80B25A-7E34-449C-A80A-7D9BDBD5A500}" dt="2023-12-26T15:27:32.543" v="557" actId="12789"/>
-          <ac:spMkLst>
-            <pc:docMk/>
-            <pc:sldMk cId="2121901629" sldId="261"/>
-            <ac:spMk id="10" creationId="{FCF35223-D182-AF32-6687-03C8091587AE}"/>
-          </ac:spMkLst>
-        </pc:spChg>
-        <pc:spChg chg="mod">
-          <ac:chgData name="antho kalbe" userId="0062575cd9d3a43f" providerId="LiveId" clId="{AB80B25A-7E34-449C-A80A-7D9BDBD5A500}" dt="2023-12-26T15:27:32.543" v="557" actId="12789"/>
-          <ac:spMkLst>
-            <pc:docMk/>
-            <pc:sldMk cId="2121901629" sldId="261"/>
-            <ac:spMk id="11" creationId="{64156CD9-428B-7943-078E-0E5723B1F925}"/>
-          </ac:spMkLst>
-        </pc:spChg>
-        <pc:spChg chg="mod">
-          <ac:chgData name="antho kalbe" userId="0062575cd9d3a43f" providerId="LiveId" clId="{AB80B25A-7E34-449C-A80A-7D9BDBD5A500}" dt="2023-12-26T15:27:32.543" v="557" actId="12789"/>
-          <ac:spMkLst>
-            <pc:docMk/>
-            <pc:sldMk cId="2121901629" sldId="261"/>
-            <ac:spMk id="12" creationId="{DBCA2FB1-5F25-5AAE-A03E-71A9443A02E3}"/>
-          </ac:spMkLst>
-        </pc:spChg>
-        <pc:spChg chg="mod">
-          <ac:chgData name="antho kalbe" userId="0062575cd9d3a43f" providerId="LiveId" clId="{AB80B25A-7E34-449C-A80A-7D9BDBD5A500}" dt="2023-12-26T15:30:42.423" v="584" actId="571"/>
-          <ac:spMkLst>
-            <pc:docMk/>
-            <pc:sldMk cId="2121901629" sldId="261"/>
-            <ac:spMk id="14" creationId="{1C3B6630-3FAE-B2D6-ED61-F46B6532BE11}"/>
-          </ac:spMkLst>
-        </pc:spChg>
-        <pc:spChg chg="mod">
-          <ac:chgData name="antho kalbe" userId="0062575cd9d3a43f" providerId="LiveId" clId="{AB80B25A-7E34-449C-A80A-7D9BDBD5A500}" dt="2023-12-26T15:30:42.423" v="584" actId="571"/>
-          <ac:spMkLst>
-            <pc:docMk/>
-            <pc:sldMk cId="2121901629" sldId="261"/>
-            <ac:spMk id="15" creationId="{145E5939-87E9-1941-2EE2-7D236C2B177D}"/>
-          </ac:spMkLst>
-        </pc:spChg>
-        <pc:spChg chg="del">
-          <ac:chgData name="antho kalbe" userId="0062575cd9d3a43f" providerId="LiveId" clId="{AB80B25A-7E34-449C-A80A-7D9BDBD5A500}" dt="2023-12-26T15:26:51.522" v="546" actId="478"/>
-          <ac:spMkLst>
-            <pc:docMk/>
-            <pc:sldMk cId="2121901629" sldId="261"/>
-            <ac:spMk id="16" creationId="{D7212756-B812-EF30-D93F-E096A71CF07D}"/>
-          </ac:spMkLst>
-        </pc:spChg>
-        <pc:spChg chg="del">
-          <ac:chgData name="antho kalbe" userId="0062575cd9d3a43f" providerId="LiveId" clId="{AB80B25A-7E34-449C-A80A-7D9BDBD5A500}" dt="2023-12-26T15:26:51.522" v="546" actId="478"/>
-          <ac:spMkLst>
-            <pc:docMk/>
-            <pc:sldMk cId="2121901629" sldId="261"/>
-            <ac:spMk id="17" creationId="{AA745235-3F47-7F54-98B3-01DC4C8F685A}"/>
-          </ac:spMkLst>
-        </pc:spChg>
-        <pc:spChg chg="del">
-          <ac:chgData name="antho kalbe" userId="0062575cd9d3a43f" providerId="LiveId" clId="{AB80B25A-7E34-449C-A80A-7D9BDBD5A500}" dt="2023-12-26T15:26:51.522" v="546" actId="478"/>
-          <ac:spMkLst>
-            <pc:docMk/>
-            <pc:sldMk cId="2121901629" sldId="261"/>
-            <ac:spMk id="18" creationId="{4EC73F3B-E62B-1070-8BD3-DF372FCA0CAA}"/>
-          </ac:spMkLst>
-        </pc:spChg>
-        <pc:spChg chg="del">
-          <ac:chgData name="antho kalbe" userId="0062575cd9d3a43f" providerId="LiveId" clId="{AB80B25A-7E34-449C-A80A-7D9BDBD5A500}" dt="2023-12-26T15:26:51.522" v="546" actId="478"/>
-          <ac:spMkLst>
-            <pc:docMk/>
-            <pc:sldMk cId="2121901629" sldId="261"/>
-            <ac:spMk id="19" creationId="{53A5911C-502A-7671-9A5B-09AEED9B0E1C}"/>
-          </ac:spMkLst>
-        </pc:spChg>
-        <pc:spChg chg="del">
-          <ac:chgData name="antho kalbe" userId="0062575cd9d3a43f" providerId="LiveId" clId="{AB80B25A-7E34-449C-A80A-7D9BDBD5A500}" dt="2023-12-26T15:26:51.522" v="546" actId="478"/>
-          <ac:spMkLst>
-            <pc:docMk/>
-            <pc:sldMk cId="2121901629" sldId="261"/>
-            <ac:spMk id="20" creationId="{0082D39A-8116-AAFC-519F-0DF3078F8EEE}"/>
-          </ac:spMkLst>
-        </pc:spChg>
-        <pc:spChg chg="add del">
-          <ac:chgData name="antho kalbe" userId="0062575cd9d3a43f" providerId="LiveId" clId="{AB80B25A-7E34-449C-A80A-7D9BDBD5A500}" dt="2023-12-26T15:31:41.463" v="590" actId="478"/>
-          <ac:spMkLst>
-            <pc:docMk/>
-            <pc:sldMk cId="2121901629" sldId="261"/>
-            <ac:spMk id="21" creationId="{886C5363-3C03-D3CC-6B3C-51F19B254C28}"/>
-          </ac:spMkLst>
-        </pc:spChg>
-        <pc:spChg chg="mod">
-          <ac:chgData name="antho kalbe" userId="0062575cd9d3a43f" providerId="LiveId" clId="{AB80B25A-7E34-449C-A80A-7D9BDBD5A500}" dt="2023-12-26T15:30:42.423" v="584" actId="571"/>
-          <ac:spMkLst>
-            <pc:docMk/>
-            <pc:sldMk cId="2121901629" sldId="261"/>
-            <ac:spMk id="22" creationId="{6D97E06A-E834-C55A-DF46-44666BFB39A1}"/>
-          </ac:spMkLst>
-        </pc:spChg>
-        <pc:spChg chg="mod">
-          <ac:chgData name="antho kalbe" userId="0062575cd9d3a43f" providerId="LiveId" clId="{AB80B25A-7E34-449C-A80A-7D9BDBD5A500}" dt="2023-12-26T15:30:42.423" v="584" actId="571"/>
-          <ac:spMkLst>
-            <pc:docMk/>
-            <pc:sldMk cId="2121901629" sldId="261"/>
-            <ac:spMk id="23" creationId="{EBA6548A-5BCB-23AE-1DBC-9B0E89A85E76}"/>
-          </ac:spMkLst>
-        </pc:spChg>
-        <pc:spChg chg="mod">
-          <ac:chgData name="antho kalbe" userId="0062575cd9d3a43f" providerId="LiveId" clId="{AB80B25A-7E34-449C-A80A-7D9BDBD5A500}" dt="2023-12-26T15:30:42.423" v="584" actId="571"/>
-          <ac:spMkLst>
-            <pc:docMk/>
-            <pc:sldMk cId="2121901629" sldId="261"/>
-            <ac:spMk id="24" creationId="{427A1ED0-9488-7C6C-F812-D07B13018A88}"/>
-          </ac:spMkLst>
-        </pc:spChg>
-        <pc:spChg chg="mod">
-          <ac:chgData name="antho kalbe" userId="0062575cd9d3a43f" providerId="LiveId" clId="{AB80B25A-7E34-449C-A80A-7D9BDBD5A500}" dt="2023-12-26T15:30:48.552" v="586" actId="14100"/>
-          <ac:spMkLst>
-            <pc:docMk/>
-            <pc:sldMk cId="2121901629" sldId="261"/>
-            <ac:spMk id="25" creationId="{0621C74E-E445-AEE1-64C9-B703718C49F6}"/>
-          </ac:spMkLst>
-        </pc:spChg>
-        <pc:spChg chg="add mod">
-          <ac:chgData name="antho kalbe" userId="0062575cd9d3a43f" providerId="LiveId" clId="{AB80B25A-7E34-449C-A80A-7D9BDBD5A500}" dt="2023-12-26T15:30:42.423" v="584" actId="571"/>
-          <ac:spMkLst>
-            <pc:docMk/>
-            <pc:sldMk cId="2121901629" sldId="261"/>
-            <ac:spMk id="26" creationId="{01F67D21-75F7-7181-613F-EE206D7B68D6}"/>
-          </ac:spMkLst>
-        </pc:spChg>
-        <pc:spChg chg="add mod ord">
-          <ac:chgData name="antho kalbe" userId="0062575cd9d3a43f" providerId="LiveId" clId="{AB80B25A-7E34-449C-A80A-7D9BDBD5A500}" dt="2023-12-26T15:31:46.297" v="592" actId="167"/>
-          <ac:spMkLst>
-            <pc:docMk/>
-            <pc:sldMk cId="2121901629" sldId="261"/>
-            <ac:spMk id="27" creationId="{C578AB4B-9E69-64A8-4013-A2BF15758B12}"/>
-          </ac:spMkLst>
-        </pc:spChg>
-        <pc:spChg chg="add del mod">
-          <ac:chgData name="antho kalbe" userId="0062575cd9d3a43f" providerId="LiveId" clId="{AB80B25A-7E34-449C-A80A-7D9BDBD5A500}" dt="2023-12-26T15:40:09.468" v="856"/>
-          <ac:spMkLst>
-            <pc:docMk/>
-            <pc:sldMk cId="2121901629" sldId="261"/>
-            <ac:spMk id="28" creationId="{52DC1118-D42C-CCD9-3145-AA3AC287ECA1}"/>
-          </ac:spMkLst>
-        </pc:spChg>
-        <pc:spChg chg="add mod">
-          <ac:chgData name="antho kalbe" userId="0062575cd9d3a43f" providerId="LiveId" clId="{AB80B25A-7E34-449C-A80A-7D9BDBD5A500}" dt="2023-12-26T15:40:23.202" v="880" actId="20577"/>
-          <ac:spMkLst>
-            <pc:docMk/>
-            <pc:sldMk cId="2121901629" sldId="261"/>
-            <ac:spMk id="29" creationId="{E2711AC2-9A73-FF65-D0D6-A111E0A1EEF4}"/>
-          </ac:spMkLst>
-        </pc:spChg>
-        <pc:grpChg chg="add del mod">
-          <ac:chgData name="antho kalbe" userId="0062575cd9d3a43f" providerId="LiveId" clId="{AB80B25A-7E34-449C-A80A-7D9BDBD5A500}" dt="2023-12-26T15:30:35.199" v="582" actId="478"/>
-          <ac:grpSpMkLst>
-            <pc:docMk/>
-            <pc:sldMk cId="2121901629" sldId="261"/>
-            <ac:grpSpMk id="7" creationId="{85F1DEB1-D7AC-7B44-5A88-159F5A189441}"/>
-          </ac:grpSpMkLst>
-        </pc:grpChg>
-        <pc:grpChg chg="add mod">
-          <ac:chgData name="antho kalbe" userId="0062575cd9d3a43f" providerId="LiveId" clId="{AB80B25A-7E34-449C-A80A-7D9BDBD5A500}" dt="2023-12-26T15:30:42.423" v="584" actId="571"/>
-          <ac:grpSpMkLst>
-            <pc:docMk/>
-            <pc:sldMk cId="2121901629" sldId="261"/>
-            <ac:grpSpMk id="13" creationId="{3B5B578B-3FBF-F593-BB9D-1C88BACDEB50}"/>
-          </ac:grpSpMkLst>
-        </pc:grpChg>
-      </pc:sldChg>
-      <pc:sldChg chg="addSp delSp modSp del mod modTransition">
-        <pc:chgData name="antho kalbe" userId="0062575cd9d3a43f" providerId="LiveId" clId="{AB80B25A-7E34-449C-A80A-7D9BDBD5A500}" dt="2023-12-26T15:35:30.450" v="621" actId="47"/>
-        <pc:sldMkLst>
-          <pc:docMk/>
-          <pc:sldMk cId="822015644" sldId="262"/>
-        </pc:sldMkLst>
-        <pc:spChg chg="del">
-          <ac:chgData name="antho kalbe" userId="0062575cd9d3a43f" providerId="LiveId" clId="{AB80B25A-7E34-449C-A80A-7D9BDBD5A500}" dt="2023-12-26T14:46:15.431" v="211" actId="478"/>
-          <ac:spMkLst>
-            <pc:docMk/>
-            <pc:sldMk cId="822015644" sldId="262"/>
-            <ac:spMk id="2" creationId="{19A52546-7710-F62E-AD23-485D9FD3FAAB}"/>
-          </ac:spMkLst>
-        </pc:spChg>
-        <pc:spChg chg="del">
-          <ac:chgData name="antho kalbe" userId="0062575cd9d3a43f" providerId="LiveId" clId="{AB80B25A-7E34-449C-A80A-7D9BDBD5A500}" dt="2023-12-26T14:46:07.912" v="210" actId="478"/>
-          <ac:spMkLst>
-            <pc:docMk/>
-            <pc:sldMk cId="822015644" sldId="262"/>
-            <ac:spMk id="3" creationId="{918C1FC5-9D0A-8DD4-3200-0949FD6E8C10}"/>
-          </ac:spMkLst>
-        </pc:spChg>
-        <pc:spChg chg="add mod">
-          <ac:chgData name="antho kalbe" userId="0062575cd9d3a43f" providerId="LiveId" clId="{AB80B25A-7E34-449C-A80A-7D9BDBD5A500}" dt="2023-12-26T14:38:05.588" v="162" actId="14100"/>
-          <ac:spMkLst>
-            <pc:docMk/>
-            <pc:sldMk cId="822015644" sldId="262"/>
-            <ac:spMk id="4" creationId="{F251AA39-6FB4-1C0D-EB82-D9EA5B46A340}"/>
-          </ac:spMkLst>
-        </pc:spChg>
-        <pc:spChg chg="add mod">
-          <ac:chgData name="antho kalbe" userId="0062575cd9d3a43f" providerId="LiveId" clId="{AB80B25A-7E34-449C-A80A-7D9BDBD5A500}" dt="2023-12-26T14:47:10.662" v="248" actId="255"/>
-          <ac:spMkLst>
-            <pc:docMk/>
-            <pc:sldMk cId="822015644" sldId="262"/>
-            <ac:spMk id="5" creationId="{E539219D-950A-497A-96DA-66FCB807DE73}"/>
-          </ac:spMkLst>
-        </pc:spChg>
-        <pc:spChg chg="add del mod ord">
-          <ac:chgData name="antho kalbe" userId="0062575cd9d3a43f" providerId="LiveId" clId="{AB80B25A-7E34-449C-A80A-7D9BDBD5A500}" dt="2023-12-26T15:31:38.750" v="589" actId="478"/>
-          <ac:spMkLst>
-            <pc:docMk/>
-            <pc:sldMk cId="822015644" sldId="262"/>
-            <ac:spMk id="6" creationId="{6981CFE5-C630-2EF0-8971-2762D7465F90}"/>
-          </ac:spMkLst>
-        </pc:spChg>
-        <pc:spChg chg="mod">
-          <ac:chgData name="antho kalbe" userId="0062575cd9d3a43f" providerId="LiveId" clId="{AB80B25A-7E34-449C-A80A-7D9BDBD5A500}" dt="2023-12-26T15:26:09.561" v="538" actId="12789"/>
-          <ac:spMkLst>
-            <pc:docMk/>
-            <pc:sldMk cId="822015644" sldId="262"/>
-            <ac:spMk id="8" creationId="{064305A0-6F4B-3851-7FDE-92AEDF57CBDF}"/>
-          </ac:spMkLst>
-        </pc:spChg>
-        <pc:spChg chg="mod">
-          <ac:chgData name="antho kalbe" userId="0062575cd9d3a43f" providerId="LiveId" clId="{AB80B25A-7E34-449C-A80A-7D9BDBD5A500}" dt="2023-12-26T15:26:15.559" v="539" actId="408"/>
-          <ac:spMkLst>
-            <pc:docMk/>
-            <pc:sldMk cId="822015644" sldId="262"/>
-            <ac:spMk id="9" creationId="{DD6B6448-D366-6790-D917-CA6CCEA1E1AE}"/>
-          </ac:spMkLst>
-        </pc:spChg>
-        <pc:spChg chg="mod">
-          <ac:chgData name="antho kalbe" userId="0062575cd9d3a43f" providerId="LiveId" clId="{AB80B25A-7E34-449C-A80A-7D9BDBD5A500}" dt="2023-12-26T15:26:15.559" v="539" actId="408"/>
-          <ac:spMkLst>
-            <pc:docMk/>
-            <pc:sldMk cId="822015644" sldId="262"/>
-            <ac:spMk id="10" creationId="{4D30CB42-29C2-6756-6598-04F61319E1FE}"/>
-          </ac:spMkLst>
-        </pc:spChg>
-        <pc:spChg chg="mod">
-          <ac:chgData name="antho kalbe" userId="0062575cd9d3a43f" providerId="LiveId" clId="{AB80B25A-7E34-449C-A80A-7D9BDBD5A500}" dt="2023-12-26T15:26:15.559" v="539" actId="408"/>
-          <ac:spMkLst>
-            <pc:docMk/>
-            <pc:sldMk cId="822015644" sldId="262"/>
-            <ac:spMk id="11" creationId="{AA12977F-50C3-425A-9F02-A35CBB024DB9}"/>
-          </ac:spMkLst>
-        </pc:spChg>
-        <pc:spChg chg="mod">
-          <ac:chgData name="antho kalbe" userId="0062575cd9d3a43f" providerId="LiveId" clId="{AB80B25A-7E34-449C-A80A-7D9BDBD5A500}" dt="2023-12-26T15:26:09.561" v="538" actId="12789"/>
-          <ac:spMkLst>
-            <pc:docMk/>
-            <pc:sldMk cId="822015644" sldId="262"/>
-            <ac:spMk id="12" creationId="{8556AC57-70B3-8461-27D8-EC58F1EBD4A5}"/>
-          </ac:spMkLst>
-        </pc:spChg>
-        <pc:spChg chg="mod">
-          <ac:chgData name="antho kalbe" userId="0062575cd9d3a43f" providerId="LiveId" clId="{AB80B25A-7E34-449C-A80A-7D9BDBD5A500}" dt="2023-12-26T15:28:34.577" v="573"/>
-          <ac:spMkLst>
-            <pc:docMk/>
-            <pc:sldMk cId="822015644" sldId="262"/>
-            <ac:spMk id="14" creationId="{BD06DE49-6FD0-303C-3BDC-A8EE1C61A652}"/>
-          </ac:spMkLst>
-        </pc:spChg>
-        <pc:spChg chg="mod">
-          <ac:chgData name="antho kalbe" userId="0062575cd9d3a43f" providerId="LiveId" clId="{AB80B25A-7E34-449C-A80A-7D9BDBD5A500}" dt="2023-12-26T15:28:34.577" v="573"/>
-          <ac:spMkLst>
-            <pc:docMk/>
-            <pc:sldMk cId="822015644" sldId="262"/>
-            <ac:spMk id="15" creationId="{EE1BC64B-1A3E-5850-F95A-91CFA80FBD8B}"/>
-          </ac:spMkLst>
-        </pc:spChg>
-        <pc:spChg chg="del mod">
-          <ac:chgData name="antho kalbe" userId="0062575cd9d3a43f" providerId="LiveId" clId="{AB80B25A-7E34-449C-A80A-7D9BDBD5A500}" dt="2023-12-26T15:25:46.217" v="527" actId="478"/>
-          <ac:spMkLst>
-            <pc:docMk/>
-            <pc:sldMk cId="822015644" sldId="262"/>
-            <ac:spMk id="16" creationId="{D7212756-B812-EF30-D93F-E096A71CF07D}"/>
-          </ac:spMkLst>
-        </pc:spChg>
-        <pc:spChg chg="del">
-          <ac:chgData name="antho kalbe" userId="0062575cd9d3a43f" providerId="LiveId" clId="{AB80B25A-7E34-449C-A80A-7D9BDBD5A500}" dt="2023-12-26T15:25:47.761" v="529" actId="478"/>
-          <ac:spMkLst>
-            <pc:docMk/>
-            <pc:sldMk cId="822015644" sldId="262"/>
-            <ac:spMk id="17" creationId="{AA745235-3F47-7F54-98B3-01DC4C8F685A}"/>
-          </ac:spMkLst>
-        </pc:spChg>
-        <pc:spChg chg="del">
-          <ac:chgData name="antho kalbe" userId="0062575cd9d3a43f" providerId="LiveId" clId="{AB80B25A-7E34-449C-A80A-7D9BDBD5A500}" dt="2023-12-26T15:25:46.929" v="528" actId="478"/>
-          <ac:spMkLst>
-            <pc:docMk/>
-            <pc:sldMk cId="822015644" sldId="262"/>
-            <ac:spMk id="18" creationId="{4EC73F3B-E62B-1070-8BD3-DF372FCA0CAA}"/>
-          </ac:spMkLst>
-        </pc:spChg>
-        <pc:spChg chg="del">
-          <ac:chgData name="antho kalbe" userId="0062575cd9d3a43f" providerId="LiveId" clId="{AB80B25A-7E34-449C-A80A-7D9BDBD5A500}" dt="2023-12-26T15:25:48.270" v="530" actId="478"/>
-          <ac:spMkLst>
-            <pc:docMk/>
-            <pc:sldMk cId="822015644" sldId="262"/>
-            <ac:spMk id="19" creationId="{53A5911C-502A-7671-9A5B-09AEED9B0E1C}"/>
-          </ac:spMkLst>
-        </pc:spChg>
-        <pc:spChg chg="del">
-          <ac:chgData name="antho kalbe" userId="0062575cd9d3a43f" providerId="LiveId" clId="{AB80B25A-7E34-449C-A80A-7D9BDBD5A500}" dt="2023-12-26T15:25:49.358" v="531" actId="478"/>
-          <ac:spMkLst>
-            <pc:docMk/>
-            <pc:sldMk cId="822015644" sldId="262"/>
-            <ac:spMk id="20" creationId="{0082D39A-8116-AAFC-519F-0DF3078F8EEE}"/>
-          </ac:spMkLst>
-        </pc:spChg>
-        <pc:spChg chg="mod ord">
-          <ac:chgData name="antho kalbe" userId="0062575cd9d3a43f" providerId="LiveId" clId="{AB80B25A-7E34-449C-A80A-7D9BDBD5A500}" dt="2023-12-26T15:31:31.195" v="588" actId="167"/>
-          <ac:spMkLst>
-            <pc:docMk/>
-            <pc:sldMk cId="822015644" sldId="262"/>
-            <ac:spMk id="21" creationId="{886C5363-3C03-D3CC-6B3C-51F19B254C28}"/>
-          </ac:spMkLst>
-        </pc:spChg>
-        <pc:spChg chg="mod">
-          <ac:chgData name="antho kalbe" userId="0062575cd9d3a43f" providerId="LiveId" clId="{AB80B25A-7E34-449C-A80A-7D9BDBD5A500}" dt="2023-12-26T15:28:34.577" v="573"/>
-          <ac:spMkLst>
-            <pc:docMk/>
-            <pc:sldMk cId="822015644" sldId="262"/>
-            <ac:spMk id="22" creationId="{22621029-FCB4-BC4F-9E2F-11BC4F68608C}"/>
-          </ac:spMkLst>
-        </pc:spChg>
-        <pc:spChg chg="mod">
-          <ac:chgData name="antho kalbe" userId="0062575cd9d3a43f" providerId="LiveId" clId="{AB80B25A-7E34-449C-A80A-7D9BDBD5A500}" dt="2023-12-26T15:28:34.577" v="573"/>
-          <ac:spMkLst>
-            <pc:docMk/>
-            <pc:sldMk cId="822015644" sldId="262"/>
-            <ac:spMk id="23" creationId="{EF62A039-589E-CD73-99DB-2EB4A4CAB52A}"/>
-          </ac:spMkLst>
-        </pc:spChg>
-        <pc:spChg chg="mod">
-          <ac:chgData name="antho kalbe" userId="0062575cd9d3a43f" providerId="LiveId" clId="{AB80B25A-7E34-449C-A80A-7D9BDBD5A500}" dt="2023-12-26T15:28:34.577" v="573"/>
-          <ac:spMkLst>
-            <pc:docMk/>
-            <pc:sldMk cId="822015644" sldId="262"/>
-            <ac:spMk id="24" creationId="{AB7C25DB-0E19-A7E0-C503-61D1657B7D21}"/>
-          </ac:spMkLst>
-        </pc:spChg>
-        <pc:spChg chg="mod">
-          <ac:chgData name="antho kalbe" userId="0062575cd9d3a43f" providerId="LiveId" clId="{AB80B25A-7E34-449C-A80A-7D9BDBD5A500}" dt="2023-12-26T15:30:21.888" v="581" actId="14100"/>
-          <ac:spMkLst>
-            <pc:docMk/>
-            <pc:sldMk cId="822015644" sldId="262"/>
-            <ac:spMk id="26" creationId="{36C75B9B-9F1D-AA20-5830-24DD78A55C01}"/>
-          </ac:spMkLst>
-        </pc:spChg>
-        <pc:spChg chg="mod">
-          <ac:chgData name="antho kalbe" userId="0062575cd9d3a43f" providerId="LiveId" clId="{AB80B25A-7E34-449C-A80A-7D9BDBD5A500}" dt="2023-12-26T15:30:09.965" v="579" actId="571"/>
-          <ac:spMkLst>
-            <pc:docMk/>
-            <pc:sldMk cId="822015644" sldId="262"/>
-            <ac:spMk id="27" creationId="{7653E2C0-08D2-C56F-A068-4E62957746B3}"/>
-          </ac:spMkLst>
-        </pc:spChg>
-        <pc:spChg chg="mod">
-          <ac:chgData name="antho kalbe" userId="0062575cd9d3a43f" providerId="LiveId" clId="{AB80B25A-7E34-449C-A80A-7D9BDBD5A500}" dt="2023-12-26T15:30:09.965" v="579" actId="571"/>
-          <ac:spMkLst>
-            <pc:docMk/>
-            <pc:sldMk cId="822015644" sldId="262"/>
-            <ac:spMk id="28" creationId="{A6F7D38E-7AC2-D380-A446-7CE5F7CBE1C3}"/>
-          </ac:spMkLst>
-        </pc:spChg>
-        <pc:spChg chg="mod">
-          <ac:chgData name="antho kalbe" userId="0062575cd9d3a43f" providerId="LiveId" clId="{AB80B25A-7E34-449C-A80A-7D9BDBD5A500}" dt="2023-12-26T15:30:09.965" v="579" actId="571"/>
-          <ac:spMkLst>
-            <pc:docMk/>
-            <pc:sldMk cId="822015644" sldId="262"/>
-            <ac:spMk id="29" creationId="{ADB8281C-5DBE-31C4-9AFE-93965A653D43}"/>
-          </ac:spMkLst>
-        </pc:spChg>
-        <pc:spChg chg="mod">
-          <ac:chgData name="antho kalbe" userId="0062575cd9d3a43f" providerId="LiveId" clId="{AB80B25A-7E34-449C-A80A-7D9BDBD5A500}" dt="2023-12-26T15:30:09.965" v="579" actId="571"/>
-          <ac:spMkLst>
-            <pc:docMk/>
-            <pc:sldMk cId="822015644" sldId="262"/>
-            <ac:spMk id="30" creationId="{D4D3CCD8-7191-EFB0-D7BC-5EB3942BCF05}"/>
-          </ac:spMkLst>
-        </pc:spChg>
-        <pc:spChg chg="add mod">
-          <ac:chgData name="antho kalbe" userId="0062575cd9d3a43f" providerId="LiveId" clId="{AB80B25A-7E34-449C-A80A-7D9BDBD5A500}" dt="2023-12-26T15:35:24.256" v="620" actId="1076"/>
-          <ac:spMkLst>
-            <pc:docMk/>
-            <pc:sldMk cId="822015644" sldId="262"/>
-            <ac:spMk id="31" creationId="{53EEFF53-6312-BAB0-DE52-AEED17F36F9A}"/>
-          </ac:spMkLst>
-        </pc:spChg>
-        <pc:grpChg chg="add del mod ord">
-          <ac:chgData name="antho kalbe" userId="0062575cd9d3a43f" providerId="LiveId" clId="{AB80B25A-7E34-449C-A80A-7D9BDBD5A500}" dt="2023-12-26T15:28:37.423" v="575" actId="478"/>
-          <ac:grpSpMkLst>
-            <pc:docMk/>
-            <pc:sldMk cId="822015644" sldId="262"/>
-            <ac:grpSpMk id="7" creationId="{40DD4CAC-BF0F-D214-FF37-AB31CEAE18AE}"/>
-          </ac:grpSpMkLst>
-        </pc:grpChg>
-        <pc:grpChg chg="add del mod">
-          <ac:chgData name="antho kalbe" userId="0062575cd9d3a43f" providerId="LiveId" clId="{AB80B25A-7E34-449C-A80A-7D9BDBD5A500}" dt="2023-12-26T15:28:35.633" v="574"/>
-          <ac:grpSpMkLst>
-            <pc:docMk/>
-            <pc:sldMk cId="822015644" sldId="262"/>
-            <ac:grpSpMk id="13" creationId="{F3B134DC-FF37-7EF9-EE5E-6985538FC9E8}"/>
-          </ac:grpSpMkLst>
-        </pc:grpChg>
-        <pc:grpChg chg="add mod">
-          <ac:chgData name="antho kalbe" userId="0062575cd9d3a43f" providerId="LiveId" clId="{AB80B25A-7E34-449C-A80A-7D9BDBD5A500}" dt="2023-12-26T15:35:16.954" v="618" actId="1076"/>
-          <ac:grpSpMkLst>
-            <pc:docMk/>
-            <pc:sldMk cId="822015644" sldId="262"/>
-            <ac:grpSpMk id="25" creationId="{FF0825A0-CF64-13A9-0420-B12BC5B4C4E4}"/>
-          </ac:grpSpMkLst>
-        </pc:grpChg>
-      </pc:sldChg>
-      <pc:sldChg chg="addSp delSp modSp add mod ord">
-        <pc:chgData name="antho kalbe" userId="0062575cd9d3a43f" providerId="LiveId" clId="{AB80B25A-7E34-449C-A80A-7D9BDBD5A500}" dt="2024-01-02T09:32:51.198" v="1329" actId="14100"/>
-        <pc:sldMkLst>
-          <pc:docMk/>
-          <pc:sldMk cId="2785922369" sldId="263"/>
-        </pc:sldMkLst>
-        <pc:spChg chg="mod">
-          <ac:chgData name="antho kalbe" userId="0062575cd9d3a43f" providerId="LiveId" clId="{AB80B25A-7E34-449C-A80A-7D9BDBD5A500}" dt="2023-12-26T15:33:29.537" v="601" actId="14100"/>
-          <ac:spMkLst>
-            <pc:docMk/>
-            <pc:sldMk cId="2785922369" sldId="263"/>
-            <ac:spMk id="16" creationId="{D7212756-B812-EF30-D93F-E096A71CF07D}"/>
-          </ac:spMkLst>
-        </pc:spChg>
-        <pc:spChg chg="mod">
-          <ac:chgData name="antho kalbe" userId="0062575cd9d3a43f" providerId="LiveId" clId="{AB80B25A-7E34-449C-A80A-7D9BDBD5A500}" dt="2024-01-02T09:32:28.076" v="1322" actId="14100"/>
-          <ac:spMkLst>
-            <pc:docMk/>
-            <pc:sldMk cId="2785922369" sldId="263"/>
-            <ac:spMk id="17" creationId="{AA745235-3F47-7F54-98B3-01DC4C8F685A}"/>
-          </ac:spMkLst>
-        </pc:spChg>
-        <pc:spChg chg="mod">
-          <ac:chgData name="antho kalbe" userId="0062575cd9d3a43f" providerId="LiveId" clId="{AB80B25A-7E34-449C-A80A-7D9BDBD5A500}" dt="2024-01-02T09:32:51.198" v="1329" actId="14100"/>
-          <ac:spMkLst>
-            <pc:docMk/>
-            <pc:sldMk cId="2785922369" sldId="263"/>
-            <ac:spMk id="18" creationId="{4EC73F3B-E62B-1070-8BD3-DF372FCA0CAA}"/>
-          </ac:spMkLst>
-        </pc:spChg>
-        <pc:spChg chg="mod">
-          <ac:chgData name="antho kalbe" userId="0062575cd9d3a43f" providerId="LiveId" clId="{AB80B25A-7E34-449C-A80A-7D9BDBD5A500}" dt="2023-12-26T15:38:46.536" v="805" actId="20577"/>
-          <ac:spMkLst>
-            <pc:docMk/>
-            <pc:sldMk cId="2785922369" sldId="263"/>
-            <ac:spMk id="22" creationId="{6B365D12-2AF5-AD81-4753-DD261966C39D}"/>
-          </ac:spMkLst>
-        </pc:spChg>
-        <pc:spChg chg="add del mod">
-          <ac:chgData name="antho kalbe" userId="0062575cd9d3a43f" providerId="LiveId" clId="{AB80B25A-7E34-449C-A80A-7D9BDBD5A500}" dt="2023-12-26T15:34:33.882" v="612" actId="1076"/>
-          <ac:spMkLst>
-            <pc:docMk/>
-            <pc:sldMk cId="2785922369" sldId="263"/>
-            <ac:spMk id="23" creationId="{5A8B0A5B-AFA3-A693-8C10-CB382FD28B47}"/>
-          </ac:spMkLst>
-        </pc:spChg>
-      </pc:sldChg>
-      <pc:sldChg chg="addSp delSp modSp add mod">
-        <pc:chgData name="antho kalbe" userId="0062575cd9d3a43f" providerId="LiveId" clId="{AB80B25A-7E34-449C-A80A-7D9BDBD5A500}" dt="2024-01-02T09:33:09.275" v="1334" actId="14100"/>
-        <pc:sldMkLst>
-          <pc:docMk/>
-          <pc:sldMk cId="1772243536" sldId="264"/>
-        </pc:sldMkLst>
-        <pc:spChg chg="add mod">
-          <ac:chgData name="antho kalbe" userId="0062575cd9d3a43f" providerId="LiveId" clId="{AB80B25A-7E34-449C-A80A-7D9BDBD5A500}" dt="2023-12-26T15:39:11.518" v="845" actId="20577"/>
-          <ac:spMkLst>
-            <pc:docMk/>
-            <pc:sldMk cId="1772243536" sldId="264"/>
-            <ac:spMk id="2" creationId="{62CA5152-5CA9-002F-7E26-100563C24FA4}"/>
-          </ac:spMkLst>
-        </pc:spChg>
-        <pc:spChg chg="mod">
-          <ac:chgData name="antho kalbe" userId="0062575cd9d3a43f" providerId="LiveId" clId="{AB80B25A-7E34-449C-A80A-7D9BDBD5A500}" dt="2024-01-02T09:33:09.275" v="1334" actId="14100"/>
-          <ac:spMkLst>
-            <pc:docMk/>
-            <pc:sldMk cId="1772243536" sldId="264"/>
-            <ac:spMk id="17" creationId="{AA745235-3F47-7F54-98B3-01DC4C8F685A}"/>
-          </ac:spMkLst>
-        </pc:spChg>
-        <pc:spChg chg="mod">
-          <ac:chgData name="antho kalbe" userId="0062575cd9d3a43f" providerId="LiveId" clId="{AB80B25A-7E34-449C-A80A-7D9BDBD5A500}" dt="2023-12-26T15:37:44" v="777" actId="14100"/>
-          <ac:spMkLst>
-            <pc:docMk/>
-            <pc:sldMk cId="1772243536" sldId="264"/>
-            <ac:spMk id="18" creationId="{4EC73F3B-E62B-1070-8BD3-DF372FCA0CAA}"/>
-          </ac:spMkLst>
-        </pc:spChg>
-        <pc:spChg chg="mod">
-          <ac:chgData name="antho kalbe" userId="0062575cd9d3a43f" providerId="LiveId" clId="{AB80B25A-7E34-449C-A80A-7D9BDBD5A500}" dt="2024-01-02T09:33:01.805" v="1331" actId="14100"/>
-          <ac:spMkLst>
-            <pc:docMk/>
-            <pc:sldMk cId="1772243536" sldId="264"/>
-            <ac:spMk id="19" creationId="{53A5911C-502A-7671-9A5B-09AEED9B0E1C}"/>
-          </ac:spMkLst>
-        </pc:spChg>
-        <pc:spChg chg="del">
-          <ac:chgData name="antho kalbe" userId="0062575cd9d3a43f" providerId="LiveId" clId="{AB80B25A-7E34-449C-A80A-7D9BDBD5A500}" dt="2023-12-26T15:38:52.737" v="806" actId="478"/>
-          <ac:spMkLst>
-            <pc:docMk/>
-            <pc:sldMk cId="1772243536" sldId="264"/>
-            <ac:spMk id="22" creationId="{6B365D12-2AF5-AD81-4753-DD261966C39D}"/>
-          </ac:spMkLst>
-        </pc:spChg>
-        <pc:spChg chg="mod">
-          <ac:chgData name="antho kalbe" userId="0062575cd9d3a43f" providerId="LiveId" clId="{AB80B25A-7E34-449C-A80A-7D9BDBD5A500}" dt="2023-12-26T15:39:57.443" v="854" actId="20577"/>
-          <ac:spMkLst>
-            <pc:docMk/>
-            <pc:sldMk cId="1772243536" sldId="264"/>
-            <ac:spMk id="23" creationId="{5A8B0A5B-AFA3-A693-8C10-CB382FD28B47}"/>
-          </ac:spMkLst>
-        </pc:spChg>
-      </pc:sldChg>
-      <pc:sldChg chg="modSp add mod ord">
-        <pc:chgData name="antho kalbe" userId="0062575cd9d3a43f" providerId="LiveId" clId="{AB80B25A-7E34-449C-A80A-7D9BDBD5A500}" dt="2024-01-02T09:33:45.020" v="1345" actId="14100"/>
-        <pc:sldMkLst>
-          <pc:docMk/>
-          <pc:sldMk cId="230664221" sldId="265"/>
-        </pc:sldMkLst>
-        <pc:spChg chg="mod">
-          <ac:chgData name="antho kalbe" userId="0062575cd9d3a43f" providerId="LiveId" clId="{AB80B25A-7E34-449C-A80A-7D9BDBD5A500}" dt="2023-12-26T15:42:49.125" v="955" actId="14100"/>
-          <ac:spMkLst>
-            <pc:docMk/>
-            <pc:sldMk cId="230664221" sldId="265"/>
-            <ac:spMk id="17" creationId="{AA745235-3F47-7F54-98B3-01DC4C8F685A}"/>
-          </ac:spMkLst>
-        </pc:spChg>
-        <pc:spChg chg="mod">
-          <ac:chgData name="antho kalbe" userId="0062575cd9d3a43f" providerId="LiveId" clId="{AB80B25A-7E34-449C-A80A-7D9BDBD5A500}" dt="2023-12-26T15:41:56.681" v="915" actId="14100"/>
-          <ac:spMkLst>
-            <pc:docMk/>
-            <pc:sldMk cId="230664221" sldId="265"/>
-            <ac:spMk id="18" creationId="{4EC73F3B-E62B-1070-8BD3-DF372FCA0CAA}"/>
-          </ac:spMkLst>
-        </pc:spChg>
-        <pc:spChg chg="mod">
-          <ac:chgData name="antho kalbe" userId="0062575cd9d3a43f" providerId="LiveId" clId="{AB80B25A-7E34-449C-A80A-7D9BDBD5A500}" dt="2024-01-02T09:33:45.020" v="1345" actId="14100"/>
-          <ac:spMkLst>
-            <pc:docMk/>
-            <pc:sldMk cId="230664221" sldId="265"/>
-            <ac:spMk id="19" creationId="{53A5911C-502A-7671-9A5B-09AEED9B0E1C}"/>
-          </ac:spMkLst>
-        </pc:spChg>
-        <pc:spChg chg="mod">
-          <ac:chgData name="antho kalbe" userId="0062575cd9d3a43f" providerId="LiveId" clId="{AB80B25A-7E34-449C-A80A-7D9BDBD5A500}" dt="2024-01-02T09:33:28.196" v="1340" actId="14100"/>
-          <ac:spMkLst>
-            <pc:docMk/>
-            <pc:sldMk cId="230664221" sldId="265"/>
-            <ac:spMk id="20" creationId="{0082D39A-8116-AAFC-519F-0DF3078F8EEE}"/>
-          </ac:spMkLst>
-        </pc:spChg>
-        <pc:spChg chg="mod">
-          <ac:chgData name="antho kalbe" userId="0062575cd9d3a43f" providerId="LiveId" clId="{AB80B25A-7E34-449C-A80A-7D9BDBD5A500}" dt="2023-12-26T15:43:44.359" v="983" actId="14100"/>
-          <ac:spMkLst>
-            <pc:docMk/>
-            <pc:sldMk cId="230664221" sldId="265"/>
-            <ac:spMk id="22" creationId="{6B365D12-2AF5-AD81-4753-DD261966C39D}"/>
-          </ac:spMkLst>
-        </pc:spChg>
-        <pc:spChg chg="mod">
-          <ac:chgData name="antho kalbe" userId="0062575cd9d3a43f" providerId="LiveId" clId="{AB80B25A-7E34-449C-A80A-7D9BDBD5A500}" dt="2023-12-26T15:42:54.073" v="956" actId="14100"/>
-          <ac:spMkLst>
-            <pc:docMk/>
-            <pc:sldMk cId="230664221" sldId="265"/>
-            <ac:spMk id="23" creationId="{5A8B0A5B-AFA3-A693-8C10-CB382FD28B47}"/>
-          </ac:spMkLst>
-        </pc:spChg>
-        <pc:grpChg chg="mod">
-          <ac:chgData name="antho kalbe" userId="0062575cd9d3a43f" providerId="LiveId" clId="{AB80B25A-7E34-449C-A80A-7D9BDBD5A500}" dt="2024-01-02T09:33:39.971" v="1344" actId="1076"/>
-          <ac:grpSpMkLst>
-            <pc:docMk/>
-            <pc:sldMk cId="230664221" sldId="265"/>
-            <ac:grpSpMk id="4" creationId="{DBC8CBD1-D1C2-0DEF-47A8-D2F166F84BF1}"/>
-          </ac:grpSpMkLst>
-        </pc:grpChg>
-      </pc:sldChg>
-      <pc:sldChg chg="modSp add mod ord">
-        <pc:chgData name="antho kalbe" userId="0062575cd9d3a43f" providerId="LiveId" clId="{AB80B25A-7E34-449C-A80A-7D9BDBD5A500}" dt="2024-01-02T09:32:26.988" v="1319" actId="14100"/>
-        <pc:sldMkLst>
-          <pc:docMk/>
-          <pc:sldMk cId="1878956140" sldId="266"/>
-        </pc:sldMkLst>
-        <pc:spChg chg="mod">
-          <ac:chgData name="antho kalbe" userId="0062575cd9d3a43f" providerId="LiveId" clId="{AB80B25A-7E34-449C-A80A-7D9BDBD5A500}" dt="2024-01-02T09:31:06.519" v="1284" actId="14100"/>
-          <ac:spMkLst>
-            <pc:docMk/>
-            <pc:sldMk cId="1878956140" sldId="266"/>
-            <ac:spMk id="18" creationId="{4EC73F3B-E62B-1070-8BD3-DF372FCA0CAA}"/>
-          </ac:spMkLst>
-        </pc:spChg>
-        <pc:spChg chg="mod">
-          <ac:chgData name="antho kalbe" userId="0062575cd9d3a43f" providerId="LiveId" clId="{AB80B25A-7E34-449C-A80A-7D9BDBD5A500}" dt="2024-01-02T09:10:43.620" v="991" actId="14100"/>
-          <ac:spMkLst>
-            <pc:docMk/>
-            <pc:sldMk cId="1878956140" sldId="266"/>
-            <ac:spMk id="19" creationId="{53A5911C-502A-7671-9A5B-09AEED9B0E1C}"/>
-          </ac:spMkLst>
-        </pc:spChg>
-        <pc:spChg chg="mod">
-          <ac:chgData name="antho kalbe" userId="0062575cd9d3a43f" providerId="LiveId" clId="{AB80B25A-7E34-449C-A80A-7D9BDBD5A500}" dt="2024-01-02T09:32:26.988" v="1319" actId="14100"/>
-          <ac:spMkLst>
-            <pc:docMk/>
-            <pc:sldMk cId="1878956140" sldId="266"/>
-            <ac:spMk id="20" creationId="{0082D39A-8116-AAFC-519F-0DF3078F8EEE}"/>
-          </ac:spMkLst>
-        </pc:spChg>
-        <pc:spChg chg="mod">
-          <ac:chgData name="antho kalbe" userId="0062575cd9d3a43f" providerId="LiveId" clId="{AB80B25A-7E34-449C-A80A-7D9BDBD5A500}" dt="2024-01-02T09:11:12.741" v="1030" actId="14100"/>
-          <ac:spMkLst>
-            <pc:docMk/>
-            <pc:sldMk cId="1878956140" sldId="266"/>
-            <ac:spMk id="22" creationId="{6B365D12-2AF5-AD81-4753-DD261966C39D}"/>
-          </ac:spMkLst>
-        </pc:spChg>
-        <pc:spChg chg="mod">
-          <ac:chgData name="antho kalbe" userId="0062575cd9d3a43f" providerId="LiveId" clId="{AB80B25A-7E34-449C-A80A-7D9BDBD5A500}" dt="2024-01-02T09:30:29.763" v="1282" actId="2711"/>
-          <ac:spMkLst>
-            <pc:docMk/>
-            <pc:sldMk cId="1878956140" sldId="266"/>
-            <ac:spMk id="23" creationId="{5A8B0A5B-AFA3-A693-8C10-CB382FD28B47}"/>
-          </ac:spMkLst>
-        </pc:spChg>
-      </pc:sldChg>
-      <pc:sldChg chg="add del">
-        <pc:chgData name="antho kalbe" userId="0062575cd9d3a43f" providerId="LiveId" clId="{AB80B25A-7E34-449C-A80A-7D9BDBD5A500}" dt="2024-01-02T08:56:49.650" v="984" actId="47"/>
-        <pc:sldMkLst>
-          <pc:docMk/>
-          <pc:sldMk cId="2281138228" sldId="266"/>
-        </pc:sldMkLst>
-      </pc:sldChg>
-    </pc:docChg>
-  </pc:docChgLst>
-</pc:chgInfo>
+<file path=ppt/notesSlides/notesSlide1.xml><?xml version="1.0" encoding="utf-8"?>
+<p:notes xmlns:a="http://schemas.openxmlformats.org/drawingml/2006/main" xmlns:r="http://schemas.openxmlformats.org/officeDocument/2006/relationships" xmlns:p="http://schemas.openxmlformats.org/presentationml/2006/main" xmlns:m="http://schemas.openxmlformats.org/officeDocument/2006/math" xmlns:w="http://schemas.openxmlformats.org/wordprocessingml/2006/main">
+  <p:cSld name="">
+    <p:spTree>
+      <p:nvGrpSpPr>
+        <p:cNvPr id="1" name=""/>
+        <p:cNvGrpSpPr/>
+        <p:nvPr/>
+      </p:nvGrpSpPr>
+      <p:grpSpPr bwMode="auto">
+        <a:xfrm>
+          <a:off x="0" y="0"/>
+          <a:ext cx="0" cy="0"/>
+          <a:chOff x="0" y="0"/>
+          <a:chExt cx="0" cy="0"/>
+        </a:xfrm>
+      </p:grpSpPr>
+      <p:sp>
+        <p:nvSpPr>
+          <p:cNvPr id="2" name="Slide Image Placeholder 1"/>
+          <p:cNvSpPr>
+            <a:spLocks noChangeAspect="1" noGrp="1" noRot="1"/>
+          </p:cNvSpPr>
+          <p:nvPr>
+            <p:ph type="sldImg"/>
+          </p:nvPr>
+        </p:nvSpPr>
+        <p:spPr bwMode="auto"/>
+      </p:sp>
+      <p:sp>
+        <p:nvSpPr>
+          <p:cNvPr id="3" name="Notes Placeholder 2"/>
+          <p:cNvSpPr>
+            <a:spLocks noGrp="1"/>
+          </p:cNvSpPr>
+          <p:nvPr>
+            <p:ph type="body" idx="1"/>
+          </p:nvPr>
+        </p:nvSpPr>
+        <p:spPr bwMode="auto"/>
+        <p:txBody>
+          <a:bodyPr/>
+          <a:lstStyle/>
+          <a:p>
+            <a:pPr>
+              <a:defRPr/>
+            </a:pPr>
+            <a:endParaRPr/>
+          </a:p>
+        </p:txBody>
+      </p:sp>
+      <p:sp>
+        <p:nvSpPr>
+          <p:cNvPr id="4" name="Slide Number Placeholder 3"/>
+          <p:cNvSpPr>
+            <a:spLocks noGrp="1"/>
+          </p:cNvSpPr>
+          <p:nvPr>
+            <p:ph type="sldNum" sz="quarter" idx="10"/>
+          </p:nvPr>
+        </p:nvSpPr>
+        <p:spPr bwMode="auto"/>
+        <p:txBody>
+          <a:bodyPr/>
+          <a:lstStyle/>
+          <a:p>
+            <a:pPr>
+              <a:defRPr/>
+            </a:pPr>
+            <a:fld id="{FA891687-67D6-FDE0-EC44-18D04C6AF3B7}" type="slidenum">
+              <a:rPr/>
+              <a:t/>
+            </a:fld>
+            <a:endParaRPr/>
+          </a:p>
+        </p:txBody>
+      </p:sp>
+    </p:spTree>
+  </p:cSld>
+</p:notes>
+</file>
+
+<file path=ppt/notesSlides/notesSlide2.xml><?xml version="1.0" encoding="utf-8"?>
+<p:notes xmlns:a="http://schemas.openxmlformats.org/drawingml/2006/main" xmlns:r="http://schemas.openxmlformats.org/officeDocument/2006/relationships" xmlns:p="http://schemas.openxmlformats.org/presentationml/2006/main" xmlns:m="http://schemas.openxmlformats.org/officeDocument/2006/math" xmlns:w="http://schemas.openxmlformats.org/wordprocessingml/2006/main">
+  <p:cSld name="">
+    <p:spTree>
+      <p:nvGrpSpPr>
+        <p:cNvPr id="1" name=""/>
+        <p:cNvGrpSpPr/>
+        <p:nvPr/>
+      </p:nvGrpSpPr>
+      <p:grpSpPr bwMode="auto">
+        <a:xfrm>
+          <a:off x="0" y="0"/>
+          <a:ext cx="0" cy="0"/>
+          <a:chOff x="0" y="0"/>
+          <a:chExt cx="0" cy="0"/>
+        </a:xfrm>
+      </p:grpSpPr>
+      <p:sp>
+        <p:nvSpPr>
+          <p:cNvPr id="2" name="Slide Image Placeholder 1"/>
+          <p:cNvSpPr>
+            <a:spLocks noChangeAspect="1" noGrp="1" noRot="1"/>
+          </p:cNvSpPr>
+          <p:nvPr>
+            <p:ph type="sldImg"/>
+          </p:nvPr>
+        </p:nvSpPr>
+        <p:spPr bwMode="auto"/>
+      </p:sp>
+      <p:sp>
+        <p:nvSpPr>
+          <p:cNvPr id="3" name="Notes Placeholder 2"/>
+          <p:cNvSpPr>
+            <a:spLocks noGrp="1"/>
+          </p:cNvSpPr>
+          <p:nvPr>
+            <p:ph type="body" idx="1"/>
+          </p:nvPr>
+        </p:nvSpPr>
+        <p:spPr bwMode="auto"/>
+        <p:txBody>
+          <a:bodyPr/>
+          <a:lstStyle/>
+          <a:p>
+            <a:pPr>
+              <a:defRPr/>
+            </a:pPr>
+            <a:endParaRPr/>
+          </a:p>
+        </p:txBody>
+      </p:sp>
+      <p:sp>
+        <p:nvSpPr>
+          <p:cNvPr id="4" name="Slide Number Placeholder 3"/>
+          <p:cNvSpPr>
+            <a:spLocks noGrp="1"/>
+          </p:cNvSpPr>
+          <p:nvPr>
+            <p:ph type="sldNum" sz="quarter" idx="10"/>
+          </p:nvPr>
+        </p:nvSpPr>
+        <p:spPr bwMode="auto"/>
+        <p:txBody>
+          <a:bodyPr/>
+          <a:lstStyle/>
+          <a:p>
+            <a:pPr>
+              <a:defRPr/>
+            </a:pPr>
+            <a:fld id="{1D1A5280-7624-F7E3-EEF5-41A462F41B2B}" type="slidenum">
+              <a:rPr/>
+              <a:t/>
+            </a:fld>
+            <a:endParaRPr/>
+          </a:p>
+        </p:txBody>
+      </p:sp>
+    </p:spTree>
+  </p:cSld>
+</p:notes>
+</file>
+
+<file path=ppt/notesSlides/notesSlide3.xml><?xml version="1.0" encoding="utf-8"?>
+<p:notes xmlns:a="http://schemas.openxmlformats.org/drawingml/2006/main" xmlns:r="http://schemas.openxmlformats.org/officeDocument/2006/relationships" xmlns:p="http://schemas.openxmlformats.org/presentationml/2006/main" xmlns:m="http://schemas.openxmlformats.org/officeDocument/2006/math" xmlns:w="http://schemas.openxmlformats.org/wordprocessingml/2006/main">
+  <p:cSld name="">
+    <p:spTree>
+      <p:nvGrpSpPr>
+        <p:cNvPr id="1" name=""/>
+        <p:cNvGrpSpPr/>
+        <p:nvPr/>
+      </p:nvGrpSpPr>
+      <p:grpSpPr bwMode="auto">
+        <a:xfrm>
+          <a:off x="0" y="0"/>
+          <a:ext cx="0" cy="0"/>
+          <a:chOff x="0" y="0"/>
+          <a:chExt cx="0" cy="0"/>
+        </a:xfrm>
+      </p:grpSpPr>
+      <p:sp>
+        <p:nvSpPr>
+          <p:cNvPr id="2" name="Slide Image Placeholder 1"/>
+          <p:cNvSpPr>
+            <a:spLocks noChangeAspect="1" noGrp="1" noRot="1"/>
+          </p:cNvSpPr>
+          <p:nvPr>
+            <p:ph type="sldImg"/>
+          </p:nvPr>
+        </p:nvSpPr>
+        <p:spPr bwMode="auto"/>
+      </p:sp>
+      <p:sp>
+        <p:nvSpPr>
+          <p:cNvPr id="3" name="Notes Placeholder 2"/>
+          <p:cNvSpPr>
+            <a:spLocks noGrp="1"/>
+          </p:cNvSpPr>
+          <p:nvPr>
+            <p:ph type="body" idx="1"/>
+          </p:nvPr>
+        </p:nvSpPr>
+        <p:spPr bwMode="auto"/>
+        <p:txBody>
+          <a:bodyPr/>
+          <a:lstStyle/>
+          <a:p>
+            <a:pPr>
+              <a:defRPr/>
+            </a:pPr>
+            <a:endParaRPr/>
+          </a:p>
+        </p:txBody>
+      </p:sp>
+      <p:sp>
+        <p:nvSpPr>
+          <p:cNvPr id="4" name="Slide Number Placeholder 3"/>
+          <p:cNvSpPr>
+            <a:spLocks noGrp="1"/>
+          </p:cNvSpPr>
+          <p:nvPr>
+            <p:ph type="sldNum" sz="quarter" idx="10"/>
+          </p:nvPr>
+        </p:nvSpPr>
+        <p:spPr bwMode="auto"/>
+        <p:txBody>
+          <a:bodyPr/>
+          <a:lstStyle/>
+          <a:p>
+            <a:pPr>
+              <a:defRPr/>
+            </a:pPr>
+            <a:fld id="{FD927645-7773-723C-1F13-F1DE31BC2CAF}" type="slidenum">
+              <a:rPr/>
+              <a:t/>
+            </a:fld>
+            <a:endParaRPr/>
+          </a:p>
+        </p:txBody>
+      </p:sp>
+    </p:spTree>
+  </p:cSld>
+</p:notes>
+</file>
+
+<file path=ppt/notesSlides/notesSlide4.xml><?xml version="1.0" encoding="utf-8"?>
+<p:notes xmlns:a="http://schemas.openxmlformats.org/drawingml/2006/main" xmlns:r="http://schemas.openxmlformats.org/officeDocument/2006/relationships" xmlns:p="http://schemas.openxmlformats.org/presentationml/2006/main" xmlns:m="http://schemas.openxmlformats.org/officeDocument/2006/math" xmlns:w="http://schemas.openxmlformats.org/wordprocessingml/2006/main">
+  <p:cSld name="">
+    <p:spTree>
+      <p:nvGrpSpPr>
+        <p:cNvPr id="1" name=""/>
+        <p:cNvGrpSpPr/>
+        <p:nvPr/>
+      </p:nvGrpSpPr>
+      <p:grpSpPr bwMode="auto">
+        <a:xfrm>
+          <a:off x="0" y="0"/>
+          <a:ext cx="0" cy="0"/>
+          <a:chOff x="0" y="0"/>
+          <a:chExt cx="0" cy="0"/>
+        </a:xfrm>
+      </p:grpSpPr>
+      <p:sp>
+        <p:nvSpPr>
+          <p:cNvPr id="2" name="Slide Image Placeholder 1"/>
+          <p:cNvSpPr>
+            <a:spLocks noChangeAspect="1" noGrp="1" noRot="1"/>
+          </p:cNvSpPr>
+          <p:nvPr>
+            <p:ph type="sldImg"/>
+          </p:nvPr>
+        </p:nvSpPr>
+        <p:spPr bwMode="auto"/>
+      </p:sp>
+      <p:sp>
+        <p:nvSpPr>
+          <p:cNvPr id="3" name="Notes Placeholder 2"/>
+          <p:cNvSpPr>
+            <a:spLocks noGrp="1"/>
+          </p:cNvSpPr>
+          <p:nvPr>
+            <p:ph type="body" idx="1"/>
+          </p:nvPr>
+        </p:nvSpPr>
+        <p:spPr bwMode="auto"/>
+        <p:txBody>
+          <a:bodyPr/>
+          <a:lstStyle/>
+          <a:p>
+            <a:pPr>
+              <a:defRPr/>
+            </a:pPr>
+            <a:endParaRPr/>
+          </a:p>
+        </p:txBody>
+      </p:sp>
+      <p:sp>
+        <p:nvSpPr>
+          <p:cNvPr id="4" name="Slide Number Placeholder 3"/>
+          <p:cNvSpPr>
+            <a:spLocks noGrp="1"/>
+          </p:cNvSpPr>
+          <p:nvPr>
+            <p:ph type="sldNum" sz="quarter" idx="10"/>
+          </p:nvPr>
+        </p:nvSpPr>
+        <p:spPr bwMode="auto"/>
+        <p:txBody>
+          <a:bodyPr/>
+          <a:lstStyle/>
+          <a:p>
+            <a:pPr>
+              <a:defRPr/>
+            </a:pPr>
+            <a:fld id="{6CC71A97-C2B0-016B-0643-D6D5953B84E0}" type="slidenum">
+              <a:rPr/>
+              <a:t/>
+            </a:fld>
+            <a:endParaRPr/>
+          </a:p>
+        </p:txBody>
+      </p:sp>
+    </p:spTree>
+  </p:cSld>
+</p:notes>
+</file>
+
+<file path=ppt/notesSlides/notesSlide5.xml><?xml version="1.0" encoding="utf-8"?>
+<p:notes xmlns:a="http://schemas.openxmlformats.org/drawingml/2006/main" xmlns:r="http://schemas.openxmlformats.org/officeDocument/2006/relationships" xmlns:p="http://schemas.openxmlformats.org/presentationml/2006/main" xmlns:m="http://schemas.openxmlformats.org/officeDocument/2006/math" xmlns:w="http://schemas.openxmlformats.org/wordprocessingml/2006/main">
+  <p:cSld name="">
+    <p:spTree>
+      <p:nvGrpSpPr>
+        <p:cNvPr id="1" name=""/>
+        <p:cNvGrpSpPr/>
+        <p:nvPr/>
+      </p:nvGrpSpPr>
+      <p:grpSpPr bwMode="auto">
+        <a:xfrm>
+          <a:off x="0" y="0"/>
+          <a:ext cx="0" cy="0"/>
+          <a:chOff x="0" y="0"/>
+          <a:chExt cx="0" cy="0"/>
+        </a:xfrm>
+      </p:grpSpPr>
+      <p:sp>
+        <p:nvSpPr>
+          <p:cNvPr id="2" name="Slide Image Placeholder 1"/>
+          <p:cNvSpPr>
+            <a:spLocks noChangeAspect="1" noGrp="1" noRot="1"/>
+          </p:cNvSpPr>
+          <p:nvPr>
+            <p:ph type="sldImg"/>
+          </p:nvPr>
+        </p:nvSpPr>
+        <p:spPr bwMode="auto"/>
+      </p:sp>
+      <p:sp>
+        <p:nvSpPr>
+          <p:cNvPr id="3" name="Notes Placeholder 2"/>
+          <p:cNvSpPr>
+            <a:spLocks noGrp="1"/>
+          </p:cNvSpPr>
+          <p:nvPr>
+            <p:ph type="body" idx="1"/>
+          </p:nvPr>
+        </p:nvSpPr>
+        <p:spPr bwMode="auto"/>
+        <p:txBody>
+          <a:bodyPr/>
+          <a:lstStyle/>
+          <a:p>
+            <a:pPr>
+              <a:defRPr/>
+            </a:pPr>
+            <a:endParaRPr/>
+          </a:p>
+        </p:txBody>
+      </p:sp>
+      <p:sp>
+        <p:nvSpPr>
+          <p:cNvPr id="4" name="Slide Number Placeholder 3"/>
+          <p:cNvSpPr>
+            <a:spLocks noGrp="1"/>
+          </p:cNvSpPr>
+          <p:nvPr>
+            <p:ph type="sldNum" sz="quarter" idx="10"/>
+          </p:nvPr>
+        </p:nvSpPr>
+        <p:spPr bwMode="auto"/>
+        <p:txBody>
+          <a:bodyPr/>
+          <a:lstStyle/>
+          <a:p>
+            <a:pPr>
+              <a:defRPr/>
+            </a:pPr>
+            <a:fld id="{BBF8E11E-DA0D-CA02-BD54-E3B79AF454BF}" type="slidenum">
+              <a:rPr/>
+              <a:t/>
+            </a:fld>
+            <a:endParaRPr/>
+          </a:p>
+        </p:txBody>
+      </p:sp>
+    </p:spTree>
+  </p:cSld>
+</p:notes>
 </file>
 
 <file path=ppt/slideLayouts/slideLayout1.xml><?xml version="1.0" encoding="utf-8"?>
-<p:sldLayout xmlns:a="http://schemas.openxmlformats.org/drawingml/2006/main" xmlns:r="http://schemas.openxmlformats.org/officeDocument/2006/relationships" xmlns:p="http://schemas.openxmlformats.org/presentationml/2006/main" type="title" preserve="1">
+<p:sldLayout xmlns:a="http://schemas.openxmlformats.org/drawingml/2006/main" xmlns:r="http://schemas.openxmlformats.org/officeDocument/2006/relationships" xmlns:p="http://schemas.openxmlformats.org/presentationml/2006/main" xmlns:m="http://schemas.openxmlformats.org/officeDocument/2006/math" xmlns:w="http://schemas.openxmlformats.org/wordprocessingml/2006/main" matchingName="" preserve="1" showMasterPhAnim="0" type="title" userDrawn="1">
   <p:cSld name="Diapositive de titre">
     <p:spTree>
       <p:nvGrpSpPr>
@@ -977,7 +853,7 @@
         <p:cNvGrpSpPr/>
         <p:nvPr/>
       </p:nvGrpSpPr>
-      <p:grpSpPr>
+      <p:grpSpPr bwMode="auto">
         <a:xfrm>
           <a:off x="0" y="0"/>
           <a:ext cx="0" cy="0"/>
@@ -987,13 +863,7 @@
       </p:grpSpPr>
       <p:sp>
         <p:nvSpPr>
-          <p:cNvPr id="2" name="Titre 1">
-            <a:extLst>
-              <a:ext uri="{FF2B5EF4-FFF2-40B4-BE49-F238E27FC236}">
-                <a16:creationId xmlns:a16="http://schemas.microsoft.com/office/drawing/2014/main" id="{D179E444-3EE9-24A7-EAB8-D95B9FDF8ABA}"/>
-              </a:ext>
-            </a:extLst>
-          </p:cNvPr>
+          <p:cNvPr id="2" name="Titre 1"/>
           <p:cNvSpPr>
             <a:spLocks noGrp="1"/>
           </p:cNvSpPr>
@@ -1001,7 +871,7 @@
             <p:ph type="ctrTitle"/>
           </p:nvPr>
         </p:nvSpPr>
-        <p:spPr>
+        <p:spPr bwMode="auto">
           <a:xfrm>
             <a:off x="1524000" y="1122363"/>
             <a:ext cx="9144000" cy="2387600"/>
@@ -1015,22 +885,20 @@
             </a:lvl1pPr>
           </a:lstStyle>
           <a:p>
+            <a:pPr>
+              <a:defRPr/>
+            </a:pPr>
             <a:r>
               <a:rPr lang="fr-FR"/>
               <a:t>Modifiez le style du titre</a:t>
             </a:r>
-          </a:p>
-        </p:txBody>
-      </p:sp>
-      <p:sp>
-        <p:nvSpPr>
-          <p:cNvPr id="3" name="Sous-titre 2">
-            <a:extLst>
-              <a:ext uri="{FF2B5EF4-FFF2-40B4-BE49-F238E27FC236}">
-                <a16:creationId xmlns:a16="http://schemas.microsoft.com/office/drawing/2014/main" id="{95DB091B-0A12-902E-71EF-027257DAEB33}"/>
-              </a:ext>
-            </a:extLst>
-          </p:cNvPr>
+            <a:endParaRPr/>
+          </a:p>
+        </p:txBody>
+      </p:sp>
+      <p:sp>
+        <p:nvSpPr>
+          <p:cNvPr id="3" name="Sous-titre 2"/>
           <p:cNvSpPr>
             <a:spLocks noGrp="1"/>
           </p:cNvSpPr>
@@ -1038,7 +906,7 @@
             <p:ph type="subTitle" idx="1"/>
           </p:nvPr>
         </p:nvSpPr>
-        <p:spPr>
+        <p:spPr bwMode="auto">
           <a:xfrm>
             <a:off x="1524000" y="3602038"/>
             <a:ext cx="9144000" cy="1655762"/>
@@ -1085,22 +953,20 @@
             </a:lvl9pPr>
           </a:lstStyle>
           <a:p>
+            <a:pPr>
+              <a:defRPr/>
+            </a:pPr>
             <a:r>
               <a:rPr lang="fr-FR"/>
               <a:t>Modifiez le style des sous-titres du masque</a:t>
             </a:r>
-          </a:p>
-        </p:txBody>
-      </p:sp>
-      <p:sp>
-        <p:nvSpPr>
-          <p:cNvPr id="4" name="Espace réservé de la date 3">
-            <a:extLst>
-              <a:ext uri="{FF2B5EF4-FFF2-40B4-BE49-F238E27FC236}">
-                <a16:creationId xmlns:a16="http://schemas.microsoft.com/office/drawing/2014/main" id="{52F6B0A2-9077-F1FD-C21C-3233F6B335CC}"/>
-              </a:ext>
-            </a:extLst>
-          </p:cNvPr>
+            <a:endParaRPr/>
+          </a:p>
+        </p:txBody>
+      </p:sp>
+      <p:sp>
+        <p:nvSpPr>
+          <p:cNvPr id="4" name="Espace réservé de la date 3"/>
           <p:cNvSpPr>
             <a:spLocks noGrp="1"/>
           </p:cNvSpPr>
@@ -1108,13 +974,16 @@
             <p:ph type="dt" sz="half" idx="10"/>
           </p:nvPr>
         </p:nvSpPr>
-        <p:spPr/>
+        <p:spPr bwMode="auto"/>
         <p:txBody>
           <a:bodyPr/>
           <a:lstStyle/>
           <a:p>
+            <a:pPr>
+              <a:defRPr/>
+            </a:pPr>
             <a:fld id="{FBF29669-1EEB-4296-8C69-FBA90EBDC97B}" type="datetimeFigureOut">
-              <a:rPr lang="fr-FR" smtClean="0"/>
+              <a:rPr lang="fr-FR"/>
               <a:t>11/01/2024</a:t>
             </a:fld>
             <a:endParaRPr lang="fr-FR"/>
@@ -1123,13 +992,7 @@
       </p:sp>
       <p:sp>
         <p:nvSpPr>
-          <p:cNvPr id="5" name="Espace réservé du pied de page 4">
-            <a:extLst>
-              <a:ext uri="{FF2B5EF4-FFF2-40B4-BE49-F238E27FC236}">
-                <a16:creationId xmlns:a16="http://schemas.microsoft.com/office/drawing/2014/main" id="{978D6616-9BAB-4FEC-D690-DA4C62761C2B}"/>
-              </a:ext>
-            </a:extLst>
-          </p:cNvPr>
+          <p:cNvPr id="5" name="Espace réservé du pied de page 4"/>
           <p:cNvSpPr>
             <a:spLocks noGrp="1"/>
           </p:cNvSpPr>
@@ -1137,24 +1000,21 @@
             <p:ph type="ftr" sz="quarter" idx="11"/>
           </p:nvPr>
         </p:nvSpPr>
-        <p:spPr/>
+        <p:spPr bwMode="auto"/>
         <p:txBody>
           <a:bodyPr/>
           <a:lstStyle/>
           <a:p>
+            <a:pPr>
+              <a:defRPr/>
+            </a:pPr>
             <a:endParaRPr lang="fr-FR"/>
           </a:p>
         </p:txBody>
       </p:sp>
       <p:sp>
         <p:nvSpPr>
-          <p:cNvPr id="6" name="Espace réservé du numéro de diapositive 5">
-            <a:extLst>
-              <a:ext uri="{FF2B5EF4-FFF2-40B4-BE49-F238E27FC236}">
-                <a16:creationId xmlns:a16="http://schemas.microsoft.com/office/drawing/2014/main" id="{27B09DE4-7F6B-A063-F4C1-B0A7B6127B77}"/>
-              </a:ext>
-            </a:extLst>
-          </p:cNvPr>
+          <p:cNvPr id="6" name="Espace réservé du numéro de diapositive 5"/>
           <p:cNvSpPr>
             <a:spLocks noGrp="1"/>
           </p:cNvSpPr>
@@ -1162,13 +1022,16 @@
             <p:ph type="sldNum" sz="quarter" idx="12"/>
           </p:nvPr>
         </p:nvSpPr>
-        <p:spPr/>
+        <p:spPr bwMode="auto"/>
         <p:txBody>
           <a:bodyPr/>
           <a:lstStyle/>
           <a:p>
+            <a:pPr>
+              <a:defRPr/>
+            </a:pPr>
             <a:fld id="{8EFF48F3-05C1-42F7-AED3-B1C1DCC6B38D}" type="slidenum">
-              <a:rPr lang="fr-FR" smtClean="0"/>
+              <a:rPr lang="fr-FR"/>
               <a:t>‹N°›</a:t>
             </a:fld>
             <a:endParaRPr lang="fr-FR"/>
@@ -1176,11 +1039,6 @@
         </p:txBody>
       </p:sp>
     </p:spTree>
-    <p:extLst>
-      <p:ext uri="{BB962C8B-B14F-4D97-AF65-F5344CB8AC3E}">
-        <p14:creationId xmlns:p14="http://schemas.microsoft.com/office/powerpoint/2010/main" val="1002235792"/>
-      </p:ext>
-    </p:extLst>
   </p:cSld>
   <p:clrMapOvr>
     <a:masterClrMapping/>
@@ -1189,7 +1047,7 @@
 </file>
 
 <file path=ppt/slideLayouts/slideLayout10.xml><?xml version="1.0" encoding="utf-8"?>
-<p:sldLayout xmlns:a="http://schemas.openxmlformats.org/drawingml/2006/main" xmlns:r="http://schemas.openxmlformats.org/officeDocument/2006/relationships" xmlns:p="http://schemas.openxmlformats.org/presentationml/2006/main" type="vertTx" preserve="1">
+<p:sldLayout xmlns:a="http://schemas.openxmlformats.org/drawingml/2006/main" xmlns:r="http://schemas.openxmlformats.org/officeDocument/2006/relationships" xmlns:p="http://schemas.openxmlformats.org/presentationml/2006/main" xmlns:m="http://schemas.openxmlformats.org/officeDocument/2006/math" xmlns:w="http://schemas.openxmlformats.org/wordprocessingml/2006/main" matchingName="" preserve="1" showMasterPhAnim="0" type="vertTx" userDrawn="1">
   <p:cSld name="Titre et texte vertical">
     <p:spTree>
       <p:nvGrpSpPr>
@@ -1197,7 +1055,7 @@
         <p:cNvGrpSpPr/>
         <p:nvPr/>
       </p:nvGrpSpPr>
-      <p:grpSpPr>
+      <p:grpSpPr bwMode="auto">
         <a:xfrm>
           <a:off x="0" y="0"/>
           <a:ext cx="0" cy="0"/>
@@ -1207,13 +1065,7 @@
       </p:grpSpPr>
       <p:sp>
         <p:nvSpPr>
-          <p:cNvPr id="2" name="Titre 1">
-            <a:extLst>
-              <a:ext uri="{FF2B5EF4-FFF2-40B4-BE49-F238E27FC236}">
-                <a16:creationId xmlns:a16="http://schemas.microsoft.com/office/drawing/2014/main" id="{1A2E68C1-8452-7CFA-8D6A-F45D3EC17C72}"/>
-              </a:ext>
-            </a:extLst>
-          </p:cNvPr>
+          <p:cNvPr id="2" name="Titre 1"/>
           <p:cNvSpPr>
             <a:spLocks noGrp="1"/>
           </p:cNvSpPr>
@@ -1221,27 +1073,25 @@
             <p:ph type="title"/>
           </p:nvPr>
         </p:nvSpPr>
-        <p:spPr/>
+        <p:spPr bwMode="auto"/>
         <p:txBody>
           <a:bodyPr/>
           <a:lstStyle/>
           <a:p>
+            <a:pPr>
+              <a:defRPr/>
+            </a:pPr>
             <a:r>
               <a:rPr lang="fr-FR"/>
               <a:t>Modifiez le style du titre</a:t>
             </a:r>
-          </a:p>
-        </p:txBody>
-      </p:sp>
-      <p:sp>
-        <p:nvSpPr>
-          <p:cNvPr id="3" name="Espace réservé du texte vertical 2">
-            <a:extLst>
-              <a:ext uri="{FF2B5EF4-FFF2-40B4-BE49-F238E27FC236}">
-                <a16:creationId xmlns:a16="http://schemas.microsoft.com/office/drawing/2014/main" id="{72A9C11C-C2AE-3EC0-C7CF-001CA59B0AB2}"/>
-              </a:ext>
-            </a:extLst>
-          </p:cNvPr>
+            <a:endParaRPr/>
+          </a:p>
+        </p:txBody>
+      </p:sp>
+      <p:sp>
+        <p:nvSpPr>
+          <p:cNvPr id="3" name="Espace réservé du texte vertical 2"/>
           <p:cNvSpPr>
             <a:spLocks noGrp="1"/>
           </p:cNvSpPr>
@@ -1249,56 +1099,65 @@
             <p:ph type="body" orient="vert" idx="1"/>
           </p:nvPr>
         </p:nvSpPr>
-        <p:spPr/>
+        <p:spPr bwMode="auto"/>
         <p:txBody>
           <a:bodyPr vert="eaVert"/>
           <a:lstStyle/>
           <a:p>
-            <a:pPr lvl="0"/>
+            <a:pPr lvl="0">
+              <a:defRPr/>
+            </a:pPr>
             <a:r>
               <a:rPr lang="fr-FR"/>
               <a:t>Cliquez pour modifier les styles du texte du masque</a:t>
             </a:r>
-          </a:p>
-          <a:p>
-            <a:pPr lvl="1"/>
+            <a:endParaRPr/>
+          </a:p>
+          <a:p>
+            <a:pPr lvl="1">
+              <a:defRPr/>
+            </a:pPr>
             <a:r>
               <a:rPr lang="fr-FR"/>
               <a:t>Deuxième niveau</a:t>
             </a:r>
-          </a:p>
-          <a:p>
-            <a:pPr lvl="2"/>
+            <a:endParaRPr/>
+          </a:p>
+          <a:p>
+            <a:pPr lvl="2">
+              <a:defRPr/>
+            </a:pPr>
             <a:r>
               <a:rPr lang="fr-FR"/>
               <a:t>Troisième niveau</a:t>
             </a:r>
-          </a:p>
-          <a:p>
-            <a:pPr lvl="3"/>
+            <a:endParaRPr/>
+          </a:p>
+          <a:p>
+            <a:pPr lvl="3">
+              <a:defRPr/>
+            </a:pPr>
             <a:r>
               <a:rPr lang="fr-FR"/>
               <a:t>Quatrième niveau</a:t>
             </a:r>
-          </a:p>
-          <a:p>
-            <a:pPr lvl="4"/>
+            <a:endParaRPr/>
+          </a:p>
+          <a:p>
+            <a:pPr lvl="4">
+              <a:defRPr/>
+            </a:pPr>
             <a:r>
               <a:rPr lang="fr-FR"/>
               <a:t>Cinquième niveau</a:t>
             </a:r>
-          </a:p>
-        </p:txBody>
-      </p:sp>
-      <p:sp>
-        <p:nvSpPr>
-          <p:cNvPr id="4" name="Espace réservé de la date 3">
-            <a:extLst>
-              <a:ext uri="{FF2B5EF4-FFF2-40B4-BE49-F238E27FC236}">
-                <a16:creationId xmlns:a16="http://schemas.microsoft.com/office/drawing/2014/main" id="{60101041-D938-769F-ED7B-5F4505CECECE}"/>
-              </a:ext>
-            </a:extLst>
-          </p:cNvPr>
+            <a:endParaRPr/>
+          </a:p>
+        </p:txBody>
+      </p:sp>
+      <p:sp>
+        <p:nvSpPr>
+          <p:cNvPr id="4" name="Espace réservé de la date 3"/>
           <p:cNvSpPr>
             <a:spLocks noGrp="1"/>
           </p:cNvSpPr>
@@ -1306,13 +1165,16 @@
             <p:ph type="dt" sz="half" idx="10"/>
           </p:nvPr>
         </p:nvSpPr>
-        <p:spPr/>
+        <p:spPr bwMode="auto"/>
         <p:txBody>
           <a:bodyPr/>
           <a:lstStyle/>
           <a:p>
+            <a:pPr>
+              <a:defRPr/>
+            </a:pPr>
             <a:fld id="{FBF29669-1EEB-4296-8C69-FBA90EBDC97B}" type="datetimeFigureOut">
-              <a:rPr lang="fr-FR" smtClean="0"/>
+              <a:rPr lang="fr-FR"/>
               <a:t>11/01/2024</a:t>
             </a:fld>
             <a:endParaRPr lang="fr-FR"/>
@@ -1321,13 +1183,7 @@
       </p:sp>
       <p:sp>
         <p:nvSpPr>
-          <p:cNvPr id="5" name="Espace réservé du pied de page 4">
-            <a:extLst>
-              <a:ext uri="{FF2B5EF4-FFF2-40B4-BE49-F238E27FC236}">
-                <a16:creationId xmlns:a16="http://schemas.microsoft.com/office/drawing/2014/main" id="{8548D8C9-CEC5-358C-9C39-4FBAE3097FAA}"/>
-              </a:ext>
-            </a:extLst>
-          </p:cNvPr>
+          <p:cNvPr id="5" name="Espace réservé du pied de page 4"/>
           <p:cNvSpPr>
             <a:spLocks noGrp="1"/>
           </p:cNvSpPr>
@@ -1335,24 +1191,21 @@
             <p:ph type="ftr" sz="quarter" idx="11"/>
           </p:nvPr>
         </p:nvSpPr>
-        <p:spPr/>
+        <p:spPr bwMode="auto"/>
         <p:txBody>
           <a:bodyPr/>
           <a:lstStyle/>
           <a:p>
+            <a:pPr>
+              <a:defRPr/>
+            </a:pPr>
             <a:endParaRPr lang="fr-FR"/>
           </a:p>
         </p:txBody>
       </p:sp>
       <p:sp>
         <p:nvSpPr>
-          <p:cNvPr id="6" name="Espace réservé du numéro de diapositive 5">
-            <a:extLst>
-              <a:ext uri="{FF2B5EF4-FFF2-40B4-BE49-F238E27FC236}">
-                <a16:creationId xmlns:a16="http://schemas.microsoft.com/office/drawing/2014/main" id="{56BA44A3-EA78-1FBB-9A0F-93305529F73E}"/>
-              </a:ext>
-            </a:extLst>
-          </p:cNvPr>
+          <p:cNvPr id="6" name="Espace réservé du numéro de diapositive 5"/>
           <p:cNvSpPr>
             <a:spLocks noGrp="1"/>
           </p:cNvSpPr>
@@ -1360,13 +1213,16 @@
             <p:ph type="sldNum" sz="quarter" idx="12"/>
           </p:nvPr>
         </p:nvSpPr>
-        <p:spPr/>
+        <p:spPr bwMode="auto"/>
         <p:txBody>
           <a:bodyPr/>
           <a:lstStyle/>
           <a:p>
+            <a:pPr>
+              <a:defRPr/>
+            </a:pPr>
             <a:fld id="{8EFF48F3-05C1-42F7-AED3-B1C1DCC6B38D}" type="slidenum">
-              <a:rPr lang="fr-FR" smtClean="0"/>
+              <a:rPr lang="fr-FR"/>
               <a:t>‹N°›</a:t>
             </a:fld>
             <a:endParaRPr lang="fr-FR"/>
@@ -1374,11 +1230,6 @@
         </p:txBody>
       </p:sp>
     </p:spTree>
-    <p:extLst>
-      <p:ext uri="{BB962C8B-B14F-4D97-AF65-F5344CB8AC3E}">
-        <p14:creationId xmlns:p14="http://schemas.microsoft.com/office/powerpoint/2010/main" val="2143471577"/>
-      </p:ext>
-    </p:extLst>
   </p:cSld>
   <p:clrMapOvr>
     <a:masterClrMapping/>
@@ -1387,7 +1238,7 @@
 </file>
 
 <file path=ppt/slideLayouts/slideLayout11.xml><?xml version="1.0" encoding="utf-8"?>
-<p:sldLayout xmlns:a="http://schemas.openxmlformats.org/drawingml/2006/main" xmlns:r="http://schemas.openxmlformats.org/officeDocument/2006/relationships" xmlns:p="http://schemas.openxmlformats.org/presentationml/2006/main" type="vertTitleAndTx" preserve="1">
+<p:sldLayout xmlns:a="http://schemas.openxmlformats.org/drawingml/2006/main" xmlns:r="http://schemas.openxmlformats.org/officeDocument/2006/relationships" xmlns:p="http://schemas.openxmlformats.org/presentationml/2006/main" xmlns:m="http://schemas.openxmlformats.org/officeDocument/2006/math" xmlns:w="http://schemas.openxmlformats.org/wordprocessingml/2006/main" matchingName="" preserve="1" showMasterPhAnim="0" type="vertTitleAndTx" userDrawn="1">
   <p:cSld name="Titre vertical et texte">
     <p:spTree>
       <p:nvGrpSpPr>
@@ -1395,7 +1246,7 @@
         <p:cNvGrpSpPr/>
         <p:nvPr/>
       </p:nvGrpSpPr>
-      <p:grpSpPr>
+      <p:grpSpPr bwMode="auto">
         <a:xfrm>
           <a:off x="0" y="0"/>
           <a:ext cx="0" cy="0"/>
@@ -1405,13 +1256,7 @@
       </p:grpSpPr>
       <p:sp>
         <p:nvSpPr>
-          <p:cNvPr id="2" name="Titre vertical 1">
-            <a:extLst>
-              <a:ext uri="{FF2B5EF4-FFF2-40B4-BE49-F238E27FC236}">
-                <a16:creationId xmlns:a16="http://schemas.microsoft.com/office/drawing/2014/main" id="{65893119-5539-344B-6212-B5CB3972256E}"/>
-              </a:ext>
-            </a:extLst>
-          </p:cNvPr>
+          <p:cNvPr id="2" name="Titre vertical 1"/>
           <p:cNvSpPr>
             <a:spLocks noGrp="1"/>
           </p:cNvSpPr>
@@ -1419,7 +1264,7 @@
             <p:ph type="title" orient="vert"/>
           </p:nvPr>
         </p:nvSpPr>
-        <p:spPr>
+        <p:spPr bwMode="auto">
           <a:xfrm>
             <a:off x="8724900" y="365125"/>
             <a:ext cx="2628900" cy="5811838"/>
@@ -1429,22 +1274,20 @@
           <a:bodyPr vert="eaVert"/>
           <a:lstStyle/>
           <a:p>
+            <a:pPr>
+              <a:defRPr/>
+            </a:pPr>
             <a:r>
               <a:rPr lang="fr-FR"/>
               <a:t>Modifiez le style du titre</a:t>
             </a:r>
-          </a:p>
-        </p:txBody>
-      </p:sp>
-      <p:sp>
-        <p:nvSpPr>
-          <p:cNvPr id="3" name="Espace réservé du texte vertical 2">
-            <a:extLst>
-              <a:ext uri="{FF2B5EF4-FFF2-40B4-BE49-F238E27FC236}">
-                <a16:creationId xmlns:a16="http://schemas.microsoft.com/office/drawing/2014/main" id="{CA6C0886-65F0-5B73-6434-7C07C6A6D866}"/>
-              </a:ext>
-            </a:extLst>
-          </p:cNvPr>
+            <a:endParaRPr/>
+          </a:p>
+        </p:txBody>
+      </p:sp>
+      <p:sp>
+        <p:nvSpPr>
+          <p:cNvPr id="3" name="Espace réservé du texte vertical 2"/>
           <p:cNvSpPr>
             <a:spLocks noGrp="1"/>
           </p:cNvSpPr>
@@ -1452,7 +1295,7 @@
             <p:ph type="body" orient="vert" idx="1"/>
           </p:nvPr>
         </p:nvSpPr>
-        <p:spPr>
+        <p:spPr bwMode="auto">
           <a:xfrm>
             <a:off x="838200" y="365125"/>
             <a:ext cx="7734300" cy="5811838"/>
@@ -1462,51 +1305,60 @@
           <a:bodyPr vert="eaVert"/>
           <a:lstStyle/>
           <a:p>
-            <a:pPr lvl="0"/>
+            <a:pPr lvl="0">
+              <a:defRPr/>
+            </a:pPr>
             <a:r>
               <a:rPr lang="fr-FR"/>
               <a:t>Cliquez pour modifier les styles du texte du masque</a:t>
             </a:r>
-          </a:p>
-          <a:p>
-            <a:pPr lvl="1"/>
+            <a:endParaRPr/>
+          </a:p>
+          <a:p>
+            <a:pPr lvl="1">
+              <a:defRPr/>
+            </a:pPr>
             <a:r>
               <a:rPr lang="fr-FR"/>
               <a:t>Deuxième niveau</a:t>
             </a:r>
-          </a:p>
-          <a:p>
-            <a:pPr lvl="2"/>
+            <a:endParaRPr/>
+          </a:p>
+          <a:p>
+            <a:pPr lvl="2">
+              <a:defRPr/>
+            </a:pPr>
             <a:r>
               <a:rPr lang="fr-FR"/>
               <a:t>Troisième niveau</a:t>
             </a:r>
-          </a:p>
-          <a:p>
-            <a:pPr lvl="3"/>
+            <a:endParaRPr/>
+          </a:p>
+          <a:p>
+            <a:pPr lvl="3">
+              <a:defRPr/>
+            </a:pPr>
             <a:r>
               <a:rPr lang="fr-FR"/>
               <a:t>Quatrième niveau</a:t>
             </a:r>
-          </a:p>
-          <a:p>
-            <a:pPr lvl="4"/>
+            <a:endParaRPr/>
+          </a:p>
+          <a:p>
+            <a:pPr lvl="4">
+              <a:defRPr/>
+            </a:pPr>
             <a:r>
               <a:rPr lang="fr-FR"/>
               <a:t>Cinquième niveau</a:t>
             </a:r>
-          </a:p>
-        </p:txBody>
-      </p:sp>
-      <p:sp>
-        <p:nvSpPr>
-          <p:cNvPr id="4" name="Espace réservé de la date 3">
-            <a:extLst>
-              <a:ext uri="{FF2B5EF4-FFF2-40B4-BE49-F238E27FC236}">
-                <a16:creationId xmlns:a16="http://schemas.microsoft.com/office/drawing/2014/main" id="{FCB4643C-0377-0866-B5F3-8C0FF49A5CD7}"/>
-              </a:ext>
-            </a:extLst>
-          </p:cNvPr>
+            <a:endParaRPr/>
+          </a:p>
+        </p:txBody>
+      </p:sp>
+      <p:sp>
+        <p:nvSpPr>
+          <p:cNvPr id="4" name="Espace réservé de la date 3"/>
           <p:cNvSpPr>
             <a:spLocks noGrp="1"/>
           </p:cNvSpPr>
@@ -1514,13 +1366,16 @@
             <p:ph type="dt" sz="half" idx="10"/>
           </p:nvPr>
         </p:nvSpPr>
-        <p:spPr/>
+        <p:spPr bwMode="auto"/>
         <p:txBody>
           <a:bodyPr/>
           <a:lstStyle/>
           <a:p>
+            <a:pPr>
+              <a:defRPr/>
+            </a:pPr>
             <a:fld id="{FBF29669-1EEB-4296-8C69-FBA90EBDC97B}" type="datetimeFigureOut">
-              <a:rPr lang="fr-FR" smtClean="0"/>
+              <a:rPr lang="fr-FR"/>
               <a:t>11/01/2024</a:t>
             </a:fld>
             <a:endParaRPr lang="fr-FR"/>
@@ -1529,13 +1384,7 @@
       </p:sp>
       <p:sp>
         <p:nvSpPr>
-          <p:cNvPr id="5" name="Espace réservé du pied de page 4">
-            <a:extLst>
-              <a:ext uri="{FF2B5EF4-FFF2-40B4-BE49-F238E27FC236}">
-                <a16:creationId xmlns:a16="http://schemas.microsoft.com/office/drawing/2014/main" id="{1C0797D8-8152-E091-EB43-650D828A384B}"/>
-              </a:ext>
-            </a:extLst>
-          </p:cNvPr>
+          <p:cNvPr id="5" name="Espace réservé du pied de page 4"/>
           <p:cNvSpPr>
             <a:spLocks noGrp="1"/>
           </p:cNvSpPr>
@@ -1543,24 +1392,21 @@
             <p:ph type="ftr" sz="quarter" idx="11"/>
           </p:nvPr>
         </p:nvSpPr>
-        <p:spPr/>
+        <p:spPr bwMode="auto"/>
         <p:txBody>
           <a:bodyPr/>
           <a:lstStyle/>
           <a:p>
+            <a:pPr>
+              <a:defRPr/>
+            </a:pPr>
             <a:endParaRPr lang="fr-FR"/>
           </a:p>
         </p:txBody>
       </p:sp>
       <p:sp>
         <p:nvSpPr>
-          <p:cNvPr id="6" name="Espace réservé du numéro de diapositive 5">
-            <a:extLst>
-              <a:ext uri="{FF2B5EF4-FFF2-40B4-BE49-F238E27FC236}">
-                <a16:creationId xmlns:a16="http://schemas.microsoft.com/office/drawing/2014/main" id="{117FE131-1B02-C0A2-D853-1C3B9F71961F}"/>
-              </a:ext>
-            </a:extLst>
-          </p:cNvPr>
+          <p:cNvPr id="6" name="Espace réservé du numéro de diapositive 5"/>
           <p:cNvSpPr>
             <a:spLocks noGrp="1"/>
           </p:cNvSpPr>
@@ -1568,13 +1414,16 @@
             <p:ph type="sldNum" sz="quarter" idx="12"/>
           </p:nvPr>
         </p:nvSpPr>
-        <p:spPr/>
+        <p:spPr bwMode="auto"/>
         <p:txBody>
           <a:bodyPr/>
           <a:lstStyle/>
           <a:p>
+            <a:pPr>
+              <a:defRPr/>
+            </a:pPr>
             <a:fld id="{8EFF48F3-05C1-42F7-AED3-B1C1DCC6B38D}" type="slidenum">
-              <a:rPr lang="fr-FR" smtClean="0"/>
+              <a:rPr lang="fr-FR"/>
               <a:t>‹N°›</a:t>
             </a:fld>
             <a:endParaRPr lang="fr-FR"/>
@@ -1582,11 +1431,6 @@
         </p:txBody>
       </p:sp>
     </p:spTree>
-    <p:extLst>
-      <p:ext uri="{BB962C8B-B14F-4D97-AF65-F5344CB8AC3E}">
-        <p14:creationId xmlns:p14="http://schemas.microsoft.com/office/powerpoint/2010/main" val="2548284582"/>
-      </p:ext>
-    </p:extLst>
   </p:cSld>
   <p:clrMapOvr>
     <a:masterClrMapping/>
@@ -1595,7 +1439,7 @@
 </file>
 
 <file path=ppt/slideLayouts/slideLayout2.xml><?xml version="1.0" encoding="utf-8"?>
-<p:sldLayout xmlns:a="http://schemas.openxmlformats.org/drawingml/2006/main" xmlns:r="http://schemas.openxmlformats.org/officeDocument/2006/relationships" xmlns:p="http://schemas.openxmlformats.org/presentationml/2006/main" type="obj" preserve="1">
+<p:sldLayout xmlns:a="http://schemas.openxmlformats.org/drawingml/2006/main" xmlns:r="http://schemas.openxmlformats.org/officeDocument/2006/relationships" xmlns:p="http://schemas.openxmlformats.org/presentationml/2006/main" xmlns:m="http://schemas.openxmlformats.org/officeDocument/2006/math" xmlns:w="http://schemas.openxmlformats.org/wordprocessingml/2006/main" matchingName="" preserve="1" showMasterPhAnim="0" type="obj" userDrawn="1">
   <p:cSld name="Titre et contenu">
     <p:spTree>
       <p:nvGrpSpPr>
@@ -1603,7 +1447,7 @@
         <p:cNvGrpSpPr/>
         <p:nvPr/>
       </p:nvGrpSpPr>
-      <p:grpSpPr>
+      <p:grpSpPr bwMode="auto">
         <a:xfrm>
           <a:off x="0" y="0"/>
           <a:ext cx="0" cy="0"/>
@@ -1613,13 +1457,7 @@
       </p:grpSpPr>
       <p:sp>
         <p:nvSpPr>
-          <p:cNvPr id="2" name="Titre 1">
-            <a:extLst>
-              <a:ext uri="{FF2B5EF4-FFF2-40B4-BE49-F238E27FC236}">
-                <a16:creationId xmlns:a16="http://schemas.microsoft.com/office/drawing/2014/main" id="{740DDEDA-FEC1-F08B-2E03-D07CBAA13285}"/>
-              </a:ext>
-            </a:extLst>
-          </p:cNvPr>
+          <p:cNvPr id="2" name="Titre 1"/>
           <p:cNvSpPr>
             <a:spLocks noGrp="1"/>
           </p:cNvSpPr>
@@ -1627,27 +1465,25 @@
             <p:ph type="title"/>
           </p:nvPr>
         </p:nvSpPr>
-        <p:spPr/>
+        <p:spPr bwMode="auto"/>
         <p:txBody>
           <a:bodyPr/>
           <a:lstStyle/>
           <a:p>
+            <a:pPr>
+              <a:defRPr/>
+            </a:pPr>
             <a:r>
               <a:rPr lang="fr-FR"/>
               <a:t>Modifiez le style du titre</a:t>
             </a:r>
-          </a:p>
-        </p:txBody>
-      </p:sp>
-      <p:sp>
-        <p:nvSpPr>
-          <p:cNvPr id="3" name="Espace réservé du contenu 2">
-            <a:extLst>
-              <a:ext uri="{FF2B5EF4-FFF2-40B4-BE49-F238E27FC236}">
-                <a16:creationId xmlns:a16="http://schemas.microsoft.com/office/drawing/2014/main" id="{5CE9B6D2-E85D-00C7-B1BD-B5A55CDA7A4B}"/>
-              </a:ext>
-            </a:extLst>
-          </p:cNvPr>
+            <a:endParaRPr/>
+          </a:p>
+        </p:txBody>
+      </p:sp>
+      <p:sp>
+        <p:nvSpPr>
+          <p:cNvPr id="3" name="Espace réservé du contenu 2"/>
           <p:cNvSpPr>
             <a:spLocks noGrp="1"/>
           </p:cNvSpPr>
@@ -1655,56 +1491,65 @@
             <p:ph idx="1"/>
           </p:nvPr>
         </p:nvSpPr>
-        <p:spPr/>
+        <p:spPr bwMode="auto"/>
         <p:txBody>
           <a:bodyPr/>
           <a:lstStyle/>
           <a:p>
-            <a:pPr lvl="0"/>
+            <a:pPr lvl="0">
+              <a:defRPr/>
+            </a:pPr>
             <a:r>
               <a:rPr lang="fr-FR"/>
               <a:t>Cliquez pour modifier les styles du texte du masque</a:t>
             </a:r>
-          </a:p>
-          <a:p>
-            <a:pPr lvl="1"/>
+            <a:endParaRPr/>
+          </a:p>
+          <a:p>
+            <a:pPr lvl="1">
+              <a:defRPr/>
+            </a:pPr>
             <a:r>
               <a:rPr lang="fr-FR"/>
               <a:t>Deuxième niveau</a:t>
             </a:r>
-          </a:p>
-          <a:p>
-            <a:pPr lvl="2"/>
+            <a:endParaRPr/>
+          </a:p>
+          <a:p>
+            <a:pPr lvl="2">
+              <a:defRPr/>
+            </a:pPr>
             <a:r>
               <a:rPr lang="fr-FR"/>
               <a:t>Troisième niveau</a:t>
             </a:r>
-          </a:p>
-          <a:p>
-            <a:pPr lvl="3"/>
+            <a:endParaRPr/>
+          </a:p>
+          <a:p>
+            <a:pPr lvl="3">
+              <a:defRPr/>
+            </a:pPr>
             <a:r>
               <a:rPr lang="fr-FR"/>
               <a:t>Quatrième niveau</a:t>
             </a:r>
-          </a:p>
-          <a:p>
-            <a:pPr lvl="4"/>
+            <a:endParaRPr/>
+          </a:p>
+          <a:p>
+            <a:pPr lvl="4">
+              <a:defRPr/>
+            </a:pPr>
             <a:r>
               <a:rPr lang="fr-FR"/>
               <a:t>Cinquième niveau</a:t>
             </a:r>
-          </a:p>
-        </p:txBody>
-      </p:sp>
-      <p:sp>
-        <p:nvSpPr>
-          <p:cNvPr id="4" name="Espace réservé de la date 3">
-            <a:extLst>
-              <a:ext uri="{FF2B5EF4-FFF2-40B4-BE49-F238E27FC236}">
-                <a16:creationId xmlns:a16="http://schemas.microsoft.com/office/drawing/2014/main" id="{BDB2B275-8ED0-8D97-3873-1C485AA7E430}"/>
-              </a:ext>
-            </a:extLst>
-          </p:cNvPr>
+            <a:endParaRPr/>
+          </a:p>
+        </p:txBody>
+      </p:sp>
+      <p:sp>
+        <p:nvSpPr>
+          <p:cNvPr id="4" name="Espace réservé de la date 3"/>
           <p:cNvSpPr>
             <a:spLocks noGrp="1"/>
           </p:cNvSpPr>
@@ -1712,13 +1557,16 @@
             <p:ph type="dt" sz="half" idx="10"/>
           </p:nvPr>
         </p:nvSpPr>
-        <p:spPr/>
+        <p:spPr bwMode="auto"/>
         <p:txBody>
           <a:bodyPr/>
           <a:lstStyle/>
           <a:p>
+            <a:pPr>
+              <a:defRPr/>
+            </a:pPr>
             <a:fld id="{FBF29669-1EEB-4296-8C69-FBA90EBDC97B}" type="datetimeFigureOut">
-              <a:rPr lang="fr-FR" smtClean="0"/>
+              <a:rPr lang="fr-FR"/>
               <a:t>11/01/2024</a:t>
             </a:fld>
             <a:endParaRPr lang="fr-FR"/>
@@ -1727,13 +1575,7 @@
       </p:sp>
       <p:sp>
         <p:nvSpPr>
-          <p:cNvPr id="5" name="Espace réservé du pied de page 4">
-            <a:extLst>
-              <a:ext uri="{FF2B5EF4-FFF2-40B4-BE49-F238E27FC236}">
-                <a16:creationId xmlns:a16="http://schemas.microsoft.com/office/drawing/2014/main" id="{EF6A273F-5115-6B2B-B1DB-6C034B34A7CF}"/>
-              </a:ext>
-            </a:extLst>
-          </p:cNvPr>
+          <p:cNvPr id="5" name="Espace réservé du pied de page 4"/>
           <p:cNvSpPr>
             <a:spLocks noGrp="1"/>
           </p:cNvSpPr>
@@ -1741,24 +1583,21 @@
             <p:ph type="ftr" sz="quarter" idx="11"/>
           </p:nvPr>
         </p:nvSpPr>
-        <p:spPr/>
+        <p:spPr bwMode="auto"/>
         <p:txBody>
           <a:bodyPr/>
           <a:lstStyle/>
           <a:p>
+            <a:pPr>
+              <a:defRPr/>
+            </a:pPr>
             <a:endParaRPr lang="fr-FR"/>
           </a:p>
         </p:txBody>
       </p:sp>
       <p:sp>
         <p:nvSpPr>
-          <p:cNvPr id="6" name="Espace réservé du numéro de diapositive 5">
-            <a:extLst>
-              <a:ext uri="{FF2B5EF4-FFF2-40B4-BE49-F238E27FC236}">
-                <a16:creationId xmlns:a16="http://schemas.microsoft.com/office/drawing/2014/main" id="{4F45F401-9CB1-0E71-64FC-DEBE4C978568}"/>
-              </a:ext>
-            </a:extLst>
-          </p:cNvPr>
+          <p:cNvPr id="6" name="Espace réservé du numéro de diapositive 5"/>
           <p:cNvSpPr>
             <a:spLocks noGrp="1"/>
           </p:cNvSpPr>
@@ -1766,13 +1605,16 @@
             <p:ph type="sldNum" sz="quarter" idx="12"/>
           </p:nvPr>
         </p:nvSpPr>
-        <p:spPr/>
+        <p:spPr bwMode="auto"/>
         <p:txBody>
           <a:bodyPr/>
           <a:lstStyle/>
           <a:p>
+            <a:pPr>
+              <a:defRPr/>
+            </a:pPr>
             <a:fld id="{8EFF48F3-05C1-42F7-AED3-B1C1DCC6B38D}" type="slidenum">
-              <a:rPr lang="fr-FR" smtClean="0"/>
+              <a:rPr lang="fr-FR"/>
               <a:t>‹N°›</a:t>
             </a:fld>
             <a:endParaRPr lang="fr-FR"/>
@@ -1780,11 +1622,6 @@
         </p:txBody>
       </p:sp>
     </p:spTree>
-    <p:extLst>
-      <p:ext uri="{BB962C8B-B14F-4D97-AF65-F5344CB8AC3E}">
-        <p14:creationId xmlns:p14="http://schemas.microsoft.com/office/powerpoint/2010/main" val="794697959"/>
-      </p:ext>
-    </p:extLst>
   </p:cSld>
   <p:clrMapOvr>
     <a:masterClrMapping/>
@@ -1793,7 +1630,7 @@
 </file>
 
 <file path=ppt/slideLayouts/slideLayout3.xml><?xml version="1.0" encoding="utf-8"?>
-<p:sldLayout xmlns:a="http://schemas.openxmlformats.org/drawingml/2006/main" xmlns:r="http://schemas.openxmlformats.org/officeDocument/2006/relationships" xmlns:p="http://schemas.openxmlformats.org/presentationml/2006/main" type="secHead" preserve="1">
+<p:sldLayout xmlns:a="http://schemas.openxmlformats.org/drawingml/2006/main" xmlns:r="http://schemas.openxmlformats.org/officeDocument/2006/relationships" xmlns:p="http://schemas.openxmlformats.org/presentationml/2006/main" xmlns:m="http://schemas.openxmlformats.org/officeDocument/2006/math" xmlns:w="http://schemas.openxmlformats.org/wordprocessingml/2006/main" matchingName="" preserve="1" showMasterPhAnim="0" type="secHead" userDrawn="1">
   <p:cSld name="Titre de section">
     <p:spTree>
       <p:nvGrpSpPr>
@@ -1801,7 +1638,7 @@
         <p:cNvGrpSpPr/>
         <p:nvPr/>
       </p:nvGrpSpPr>
-      <p:grpSpPr>
+      <p:grpSpPr bwMode="auto">
         <a:xfrm>
           <a:off x="0" y="0"/>
           <a:ext cx="0" cy="0"/>
@@ -1811,13 +1648,7 @@
       </p:grpSpPr>
       <p:sp>
         <p:nvSpPr>
-          <p:cNvPr id="2" name="Titre 1">
-            <a:extLst>
-              <a:ext uri="{FF2B5EF4-FFF2-40B4-BE49-F238E27FC236}">
-                <a16:creationId xmlns:a16="http://schemas.microsoft.com/office/drawing/2014/main" id="{DD24F9F6-D474-9D3A-F530-EAB4CAA6DA30}"/>
-              </a:ext>
-            </a:extLst>
-          </p:cNvPr>
+          <p:cNvPr id="2" name="Titre 1"/>
           <p:cNvSpPr>
             <a:spLocks noGrp="1"/>
           </p:cNvSpPr>
@@ -1825,7 +1656,7 @@
             <p:ph type="title"/>
           </p:nvPr>
         </p:nvSpPr>
-        <p:spPr>
+        <p:spPr bwMode="auto">
           <a:xfrm>
             <a:off x="831850" y="1709738"/>
             <a:ext cx="10515600" cy="2852737"/>
@@ -1839,22 +1670,20 @@
             </a:lvl1pPr>
           </a:lstStyle>
           <a:p>
+            <a:pPr>
+              <a:defRPr/>
+            </a:pPr>
             <a:r>
               <a:rPr lang="fr-FR"/>
               <a:t>Modifiez le style du titre</a:t>
             </a:r>
-          </a:p>
-        </p:txBody>
-      </p:sp>
-      <p:sp>
-        <p:nvSpPr>
-          <p:cNvPr id="3" name="Espace réservé du texte 2">
-            <a:extLst>
-              <a:ext uri="{FF2B5EF4-FFF2-40B4-BE49-F238E27FC236}">
-                <a16:creationId xmlns:a16="http://schemas.microsoft.com/office/drawing/2014/main" id="{59C153D4-189C-4297-0258-172A87CA0F00}"/>
-              </a:ext>
-            </a:extLst>
-          </p:cNvPr>
+            <a:endParaRPr/>
+          </a:p>
+        </p:txBody>
+      </p:sp>
+      <p:sp>
+        <p:nvSpPr>
+          <p:cNvPr id="3" name="Espace réservé du texte 2"/>
           <p:cNvSpPr>
             <a:spLocks noGrp="1"/>
           </p:cNvSpPr>
@@ -1862,7 +1691,7 @@
             <p:ph type="body" idx="1"/>
           </p:nvPr>
         </p:nvSpPr>
-        <p:spPr>
+        <p:spPr bwMode="auto">
           <a:xfrm>
             <a:off x="831850" y="4589463"/>
             <a:ext cx="10515600" cy="1500187"/>
@@ -1963,23 +1792,20 @@
             </a:lvl9pPr>
           </a:lstStyle>
           <a:p>
-            <a:pPr lvl="0"/>
+            <a:pPr lvl="0">
+              <a:defRPr/>
+            </a:pPr>
             <a:r>
               <a:rPr lang="fr-FR"/>
               <a:t>Cliquez pour modifier les styles du texte du masque</a:t>
             </a:r>
-          </a:p>
-        </p:txBody>
-      </p:sp>
-      <p:sp>
-        <p:nvSpPr>
-          <p:cNvPr id="4" name="Espace réservé de la date 3">
-            <a:extLst>
-              <a:ext uri="{FF2B5EF4-FFF2-40B4-BE49-F238E27FC236}">
-                <a16:creationId xmlns:a16="http://schemas.microsoft.com/office/drawing/2014/main" id="{7C3E2A31-26DA-7C1B-ACD1-3710D10CC004}"/>
-              </a:ext>
-            </a:extLst>
-          </p:cNvPr>
+            <a:endParaRPr/>
+          </a:p>
+        </p:txBody>
+      </p:sp>
+      <p:sp>
+        <p:nvSpPr>
+          <p:cNvPr id="4" name="Espace réservé de la date 3"/>
           <p:cNvSpPr>
             <a:spLocks noGrp="1"/>
           </p:cNvSpPr>
@@ -1987,13 +1813,16 @@
             <p:ph type="dt" sz="half" idx="10"/>
           </p:nvPr>
         </p:nvSpPr>
-        <p:spPr/>
+        <p:spPr bwMode="auto"/>
         <p:txBody>
           <a:bodyPr/>
           <a:lstStyle/>
           <a:p>
+            <a:pPr>
+              <a:defRPr/>
+            </a:pPr>
             <a:fld id="{FBF29669-1EEB-4296-8C69-FBA90EBDC97B}" type="datetimeFigureOut">
-              <a:rPr lang="fr-FR" smtClean="0"/>
+              <a:rPr lang="fr-FR"/>
               <a:t>11/01/2024</a:t>
             </a:fld>
             <a:endParaRPr lang="fr-FR"/>
@@ -2002,13 +1831,7 @@
       </p:sp>
       <p:sp>
         <p:nvSpPr>
-          <p:cNvPr id="5" name="Espace réservé du pied de page 4">
-            <a:extLst>
-              <a:ext uri="{FF2B5EF4-FFF2-40B4-BE49-F238E27FC236}">
-                <a16:creationId xmlns:a16="http://schemas.microsoft.com/office/drawing/2014/main" id="{95BC147B-A5C8-68A0-84A8-B10006119E10}"/>
-              </a:ext>
-            </a:extLst>
-          </p:cNvPr>
+          <p:cNvPr id="5" name="Espace réservé du pied de page 4"/>
           <p:cNvSpPr>
             <a:spLocks noGrp="1"/>
           </p:cNvSpPr>
@@ -2016,24 +1839,21 @@
             <p:ph type="ftr" sz="quarter" idx="11"/>
           </p:nvPr>
         </p:nvSpPr>
-        <p:spPr/>
+        <p:spPr bwMode="auto"/>
         <p:txBody>
           <a:bodyPr/>
           <a:lstStyle/>
           <a:p>
+            <a:pPr>
+              <a:defRPr/>
+            </a:pPr>
             <a:endParaRPr lang="fr-FR"/>
           </a:p>
         </p:txBody>
       </p:sp>
       <p:sp>
         <p:nvSpPr>
-          <p:cNvPr id="6" name="Espace réservé du numéro de diapositive 5">
-            <a:extLst>
-              <a:ext uri="{FF2B5EF4-FFF2-40B4-BE49-F238E27FC236}">
-                <a16:creationId xmlns:a16="http://schemas.microsoft.com/office/drawing/2014/main" id="{8BEE0C5B-6C2B-D6A0-D89D-86B3C19DB7A3}"/>
-              </a:ext>
-            </a:extLst>
-          </p:cNvPr>
+          <p:cNvPr id="6" name="Espace réservé du numéro de diapositive 5"/>
           <p:cNvSpPr>
             <a:spLocks noGrp="1"/>
           </p:cNvSpPr>
@@ -2041,13 +1861,16 @@
             <p:ph type="sldNum" sz="quarter" idx="12"/>
           </p:nvPr>
         </p:nvSpPr>
-        <p:spPr/>
+        <p:spPr bwMode="auto"/>
         <p:txBody>
           <a:bodyPr/>
           <a:lstStyle/>
           <a:p>
+            <a:pPr>
+              <a:defRPr/>
+            </a:pPr>
             <a:fld id="{8EFF48F3-05C1-42F7-AED3-B1C1DCC6B38D}" type="slidenum">
-              <a:rPr lang="fr-FR" smtClean="0"/>
+              <a:rPr lang="fr-FR"/>
               <a:t>‹N°›</a:t>
             </a:fld>
             <a:endParaRPr lang="fr-FR"/>
@@ -2055,11 +1878,6 @@
         </p:txBody>
       </p:sp>
     </p:spTree>
-    <p:extLst>
-      <p:ext uri="{BB962C8B-B14F-4D97-AF65-F5344CB8AC3E}">
-        <p14:creationId xmlns:p14="http://schemas.microsoft.com/office/powerpoint/2010/main" val="3093288960"/>
-      </p:ext>
-    </p:extLst>
   </p:cSld>
   <p:clrMapOvr>
     <a:masterClrMapping/>
@@ -2068,7 +1886,7 @@
 </file>
 
 <file path=ppt/slideLayouts/slideLayout4.xml><?xml version="1.0" encoding="utf-8"?>
-<p:sldLayout xmlns:a="http://schemas.openxmlformats.org/drawingml/2006/main" xmlns:r="http://schemas.openxmlformats.org/officeDocument/2006/relationships" xmlns:p="http://schemas.openxmlformats.org/presentationml/2006/main" type="twoObj" preserve="1">
+<p:sldLayout xmlns:a="http://schemas.openxmlformats.org/drawingml/2006/main" xmlns:r="http://schemas.openxmlformats.org/officeDocument/2006/relationships" xmlns:p="http://schemas.openxmlformats.org/presentationml/2006/main" xmlns:m="http://schemas.openxmlformats.org/officeDocument/2006/math" xmlns:w="http://schemas.openxmlformats.org/wordprocessingml/2006/main" matchingName="" preserve="1" showMasterPhAnim="0" type="twoObj" userDrawn="1">
   <p:cSld name="Deux contenus">
     <p:spTree>
       <p:nvGrpSpPr>
@@ -2076,7 +1894,7 @@
         <p:cNvGrpSpPr/>
         <p:nvPr/>
       </p:nvGrpSpPr>
-      <p:grpSpPr>
+      <p:grpSpPr bwMode="auto">
         <a:xfrm>
           <a:off x="0" y="0"/>
           <a:ext cx="0" cy="0"/>
@@ -2086,13 +1904,7 @@
       </p:grpSpPr>
       <p:sp>
         <p:nvSpPr>
-          <p:cNvPr id="2" name="Titre 1">
-            <a:extLst>
-              <a:ext uri="{FF2B5EF4-FFF2-40B4-BE49-F238E27FC236}">
-                <a16:creationId xmlns:a16="http://schemas.microsoft.com/office/drawing/2014/main" id="{3A11D3E3-5737-AE3B-DA12-6D677810C42B}"/>
-              </a:ext>
-            </a:extLst>
-          </p:cNvPr>
+          <p:cNvPr id="2" name="Titre 1"/>
           <p:cNvSpPr>
             <a:spLocks noGrp="1"/>
           </p:cNvSpPr>
@@ -2100,27 +1912,25 @@
             <p:ph type="title"/>
           </p:nvPr>
         </p:nvSpPr>
-        <p:spPr/>
+        <p:spPr bwMode="auto"/>
         <p:txBody>
           <a:bodyPr/>
           <a:lstStyle/>
           <a:p>
+            <a:pPr>
+              <a:defRPr/>
+            </a:pPr>
             <a:r>
               <a:rPr lang="fr-FR"/>
               <a:t>Modifiez le style du titre</a:t>
             </a:r>
-          </a:p>
-        </p:txBody>
-      </p:sp>
-      <p:sp>
-        <p:nvSpPr>
-          <p:cNvPr id="3" name="Espace réservé du contenu 2">
-            <a:extLst>
-              <a:ext uri="{FF2B5EF4-FFF2-40B4-BE49-F238E27FC236}">
-                <a16:creationId xmlns:a16="http://schemas.microsoft.com/office/drawing/2014/main" id="{C33C8030-861C-2A8A-E173-42E7C7CDEF6C}"/>
-              </a:ext>
-            </a:extLst>
-          </p:cNvPr>
+            <a:endParaRPr/>
+          </a:p>
+        </p:txBody>
+      </p:sp>
+      <p:sp>
+        <p:nvSpPr>
+          <p:cNvPr id="3" name="Espace réservé du contenu 2"/>
           <p:cNvSpPr>
             <a:spLocks noGrp="1"/>
           </p:cNvSpPr>
@@ -2128,7 +1938,7 @@
             <p:ph sz="half" idx="1"/>
           </p:nvPr>
         </p:nvSpPr>
-        <p:spPr>
+        <p:spPr bwMode="auto">
           <a:xfrm>
             <a:off x="838200" y="1825625"/>
             <a:ext cx="5181600" cy="4351338"/>
@@ -2138,51 +1948,60 @@
           <a:bodyPr/>
           <a:lstStyle/>
           <a:p>
-            <a:pPr lvl="0"/>
+            <a:pPr lvl="0">
+              <a:defRPr/>
+            </a:pPr>
             <a:r>
               <a:rPr lang="fr-FR"/>
               <a:t>Cliquez pour modifier les styles du texte du masque</a:t>
             </a:r>
-          </a:p>
-          <a:p>
-            <a:pPr lvl="1"/>
+            <a:endParaRPr/>
+          </a:p>
+          <a:p>
+            <a:pPr lvl="1">
+              <a:defRPr/>
+            </a:pPr>
             <a:r>
               <a:rPr lang="fr-FR"/>
               <a:t>Deuxième niveau</a:t>
             </a:r>
-          </a:p>
-          <a:p>
-            <a:pPr lvl="2"/>
+            <a:endParaRPr/>
+          </a:p>
+          <a:p>
+            <a:pPr lvl="2">
+              <a:defRPr/>
+            </a:pPr>
             <a:r>
               <a:rPr lang="fr-FR"/>
               <a:t>Troisième niveau</a:t>
             </a:r>
-          </a:p>
-          <a:p>
-            <a:pPr lvl="3"/>
+            <a:endParaRPr/>
+          </a:p>
+          <a:p>
+            <a:pPr lvl="3">
+              <a:defRPr/>
+            </a:pPr>
             <a:r>
               <a:rPr lang="fr-FR"/>
               <a:t>Quatrième niveau</a:t>
             </a:r>
-          </a:p>
-          <a:p>
-            <a:pPr lvl="4"/>
+            <a:endParaRPr/>
+          </a:p>
+          <a:p>
+            <a:pPr lvl="4">
+              <a:defRPr/>
+            </a:pPr>
             <a:r>
               <a:rPr lang="fr-FR"/>
               <a:t>Cinquième niveau</a:t>
             </a:r>
-          </a:p>
-        </p:txBody>
-      </p:sp>
-      <p:sp>
-        <p:nvSpPr>
-          <p:cNvPr id="4" name="Espace réservé du contenu 3">
-            <a:extLst>
-              <a:ext uri="{FF2B5EF4-FFF2-40B4-BE49-F238E27FC236}">
-                <a16:creationId xmlns:a16="http://schemas.microsoft.com/office/drawing/2014/main" id="{7D1B9D51-2FBF-4E44-59C5-8CC05366DF3E}"/>
-              </a:ext>
-            </a:extLst>
-          </p:cNvPr>
+            <a:endParaRPr/>
+          </a:p>
+        </p:txBody>
+      </p:sp>
+      <p:sp>
+        <p:nvSpPr>
+          <p:cNvPr id="4" name="Espace réservé du contenu 3"/>
           <p:cNvSpPr>
             <a:spLocks noGrp="1"/>
           </p:cNvSpPr>
@@ -2190,7 +2009,7 @@
             <p:ph sz="half" idx="2"/>
           </p:nvPr>
         </p:nvSpPr>
-        <p:spPr>
+        <p:spPr bwMode="auto">
           <a:xfrm>
             <a:off x="6172200" y="1825625"/>
             <a:ext cx="5181600" cy="4351338"/>
@@ -2200,51 +2019,60 @@
           <a:bodyPr/>
           <a:lstStyle/>
           <a:p>
-            <a:pPr lvl="0"/>
+            <a:pPr lvl="0">
+              <a:defRPr/>
+            </a:pPr>
             <a:r>
               <a:rPr lang="fr-FR"/>
               <a:t>Cliquez pour modifier les styles du texte du masque</a:t>
             </a:r>
-          </a:p>
-          <a:p>
-            <a:pPr lvl="1"/>
+            <a:endParaRPr/>
+          </a:p>
+          <a:p>
+            <a:pPr lvl="1">
+              <a:defRPr/>
+            </a:pPr>
             <a:r>
               <a:rPr lang="fr-FR"/>
               <a:t>Deuxième niveau</a:t>
             </a:r>
-          </a:p>
-          <a:p>
-            <a:pPr lvl="2"/>
+            <a:endParaRPr/>
+          </a:p>
+          <a:p>
+            <a:pPr lvl="2">
+              <a:defRPr/>
+            </a:pPr>
             <a:r>
               <a:rPr lang="fr-FR"/>
               <a:t>Troisième niveau</a:t>
             </a:r>
-          </a:p>
-          <a:p>
-            <a:pPr lvl="3"/>
+            <a:endParaRPr/>
+          </a:p>
+          <a:p>
+            <a:pPr lvl="3">
+              <a:defRPr/>
+            </a:pPr>
             <a:r>
               <a:rPr lang="fr-FR"/>
               <a:t>Quatrième niveau</a:t>
             </a:r>
-          </a:p>
-          <a:p>
-            <a:pPr lvl="4"/>
+            <a:endParaRPr/>
+          </a:p>
+          <a:p>
+            <a:pPr lvl="4">
+              <a:defRPr/>
+            </a:pPr>
             <a:r>
               <a:rPr lang="fr-FR"/>
               <a:t>Cinquième niveau</a:t>
             </a:r>
-          </a:p>
-        </p:txBody>
-      </p:sp>
-      <p:sp>
-        <p:nvSpPr>
-          <p:cNvPr id="5" name="Espace réservé de la date 4">
-            <a:extLst>
-              <a:ext uri="{FF2B5EF4-FFF2-40B4-BE49-F238E27FC236}">
-                <a16:creationId xmlns:a16="http://schemas.microsoft.com/office/drawing/2014/main" id="{12D49358-3964-A89C-814A-E9C91ED1112F}"/>
-              </a:ext>
-            </a:extLst>
-          </p:cNvPr>
+            <a:endParaRPr/>
+          </a:p>
+        </p:txBody>
+      </p:sp>
+      <p:sp>
+        <p:nvSpPr>
+          <p:cNvPr id="5" name="Espace réservé de la date 4"/>
           <p:cNvSpPr>
             <a:spLocks noGrp="1"/>
           </p:cNvSpPr>
@@ -2252,13 +2080,16 @@
             <p:ph type="dt" sz="half" idx="10"/>
           </p:nvPr>
         </p:nvSpPr>
-        <p:spPr/>
+        <p:spPr bwMode="auto"/>
         <p:txBody>
           <a:bodyPr/>
           <a:lstStyle/>
           <a:p>
+            <a:pPr>
+              <a:defRPr/>
+            </a:pPr>
             <a:fld id="{FBF29669-1EEB-4296-8C69-FBA90EBDC97B}" type="datetimeFigureOut">
-              <a:rPr lang="fr-FR" smtClean="0"/>
+              <a:rPr lang="fr-FR"/>
               <a:t>11/01/2024</a:t>
             </a:fld>
             <a:endParaRPr lang="fr-FR"/>
@@ -2267,13 +2098,7 @@
       </p:sp>
       <p:sp>
         <p:nvSpPr>
-          <p:cNvPr id="6" name="Espace réservé du pied de page 5">
-            <a:extLst>
-              <a:ext uri="{FF2B5EF4-FFF2-40B4-BE49-F238E27FC236}">
-                <a16:creationId xmlns:a16="http://schemas.microsoft.com/office/drawing/2014/main" id="{4F873FAE-C44B-7BC8-539B-AA0B48C6F0FE}"/>
-              </a:ext>
-            </a:extLst>
-          </p:cNvPr>
+          <p:cNvPr id="6" name="Espace réservé du pied de page 5"/>
           <p:cNvSpPr>
             <a:spLocks noGrp="1"/>
           </p:cNvSpPr>
@@ -2281,24 +2106,21 @@
             <p:ph type="ftr" sz="quarter" idx="11"/>
           </p:nvPr>
         </p:nvSpPr>
-        <p:spPr/>
+        <p:spPr bwMode="auto"/>
         <p:txBody>
           <a:bodyPr/>
           <a:lstStyle/>
           <a:p>
+            <a:pPr>
+              <a:defRPr/>
+            </a:pPr>
             <a:endParaRPr lang="fr-FR"/>
           </a:p>
         </p:txBody>
       </p:sp>
       <p:sp>
         <p:nvSpPr>
-          <p:cNvPr id="7" name="Espace réservé du numéro de diapositive 6">
-            <a:extLst>
-              <a:ext uri="{FF2B5EF4-FFF2-40B4-BE49-F238E27FC236}">
-                <a16:creationId xmlns:a16="http://schemas.microsoft.com/office/drawing/2014/main" id="{D3DD0E28-DB8C-1681-FEEB-BA23D3DF35CB}"/>
-              </a:ext>
-            </a:extLst>
-          </p:cNvPr>
+          <p:cNvPr id="7" name="Espace réservé du numéro de diapositive 6"/>
           <p:cNvSpPr>
             <a:spLocks noGrp="1"/>
           </p:cNvSpPr>
@@ -2306,13 +2128,16 @@
             <p:ph type="sldNum" sz="quarter" idx="12"/>
           </p:nvPr>
         </p:nvSpPr>
-        <p:spPr/>
+        <p:spPr bwMode="auto"/>
         <p:txBody>
           <a:bodyPr/>
           <a:lstStyle/>
           <a:p>
+            <a:pPr>
+              <a:defRPr/>
+            </a:pPr>
             <a:fld id="{8EFF48F3-05C1-42F7-AED3-B1C1DCC6B38D}" type="slidenum">
-              <a:rPr lang="fr-FR" smtClean="0"/>
+              <a:rPr lang="fr-FR"/>
               <a:t>‹N°›</a:t>
             </a:fld>
             <a:endParaRPr lang="fr-FR"/>
@@ -2320,11 +2145,6 @@
         </p:txBody>
       </p:sp>
     </p:spTree>
-    <p:extLst>
-      <p:ext uri="{BB962C8B-B14F-4D97-AF65-F5344CB8AC3E}">
-        <p14:creationId xmlns:p14="http://schemas.microsoft.com/office/powerpoint/2010/main" val="715955385"/>
-      </p:ext>
-    </p:extLst>
   </p:cSld>
   <p:clrMapOvr>
     <a:masterClrMapping/>
@@ -2333,7 +2153,7 @@
 </file>
 
 <file path=ppt/slideLayouts/slideLayout5.xml><?xml version="1.0" encoding="utf-8"?>
-<p:sldLayout xmlns:a="http://schemas.openxmlformats.org/drawingml/2006/main" xmlns:r="http://schemas.openxmlformats.org/officeDocument/2006/relationships" xmlns:p="http://schemas.openxmlformats.org/presentationml/2006/main" type="twoTxTwoObj" preserve="1">
+<p:sldLayout xmlns:a="http://schemas.openxmlformats.org/drawingml/2006/main" xmlns:r="http://schemas.openxmlformats.org/officeDocument/2006/relationships" xmlns:p="http://schemas.openxmlformats.org/presentationml/2006/main" xmlns:m="http://schemas.openxmlformats.org/officeDocument/2006/math" xmlns:w="http://schemas.openxmlformats.org/wordprocessingml/2006/main" matchingName="" preserve="1" showMasterPhAnim="0" type="twoTxTwoObj" userDrawn="1">
   <p:cSld name="Comparaison">
     <p:spTree>
       <p:nvGrpSpPr>
@@ -2341,7 +2161,7 @@
         <p:cNvGrpSpPr/>
         <p:nvPr/>
       </p:nvGrpSpPr>
-      <p:grpSpPr>
+      <p:grpSpPr bwMode="auto">
         <a:xfrm>
           <a:off x="0" y="0"/>
           <a:ext cx="0" cy="0"/>
@@ -2351,13 +2171,7 @@
       </p:grpSpPr>
       <p:sp>
         <p:nvSpPr>
-          <p:cNvPr id="2" name="Titre 1">
-            <a:extLst>
-              <a:ext uri="{FF2B5EF4-FFF2-40B4-BE49-F238E27FC236}">
-                <a16:creationId xmlns:a16="http://schemas.microsoft.com/office/drawing/2014/main" id="{24B17A6C-7D84-B56B-DF3C-E5C9E259E79C}"/>
-              </a:ext>
-            </a:extLst>
-          </p:cNvPr>
+          <p:cNvPr id="2" name="Titre 1"/>
           <p:cNvSpPr>
             <a:spLocks noGrp="1"/>
           </p:cNvSpPr>
@@ -2365,7 +2179,7 @@
             <p:ph type="title"/>
           </p:nvPr>
         </p:nvSpPr>
-        <p:spPr>
+        <p:spPr bwMode="auto">
           <a:xfrm>
             <a:off x="839788" y="365125"/>
             <a:ext cx="10515600" cy="1325563"/>
@@ -2375,22 +2189,20 @@
           <a:bodyPr/>
           <a:lstStyle/>
           <a:p>
+            <a:pPr>
+              <a:defRPr/>
+            </a:pPr>
             <a:r>
               <a:rPr lang="fr-FR"/>
               <a:t>Modifiez le style du titre</a:t>
             </a:r>
-          </a:p>
-        </p:txBody>
-      </p:sp>
-      <p:sp>
-        <p:nvSpPr>
-          <p:cNvPr id="3" name="Espace réservé du texte 2">
-            <a:extLst>
-              <a:ext uri="{FF2B5EF4-FFF2-40B4-BE49-F238E27FC236}">
-                <a16:creationId xmlns:a16="http://schemas.microsoft.com/office/drawing/2014/main" id="{30321F57-6264-656E-E10C-2272B48F9536}"/>
-              </a:ext>
-            </a:extLst>
-          </p:cNvPr>
+            <a:endParaRPr/>
+          </a:p>
+        </p:txBody>
+      </p:sp>
+      <p:sp>
+        <p:nvSpPr>
+          <p:cNvPr id="3" name="Espace réservé du texte 2"/>
           <p:cNvSpPr>
             <a:spLocks noGrp="1"/>
           </p:cNvSpPr>
@@ -2398,7 +2210,7 @@
             <p:ph type="body" idx="1"/>
           </p:nvPr>
         </p:nvSpPr>
-        <p:spPr>
+        <p:spPr bwMode="auto">
           <a:xfrm>
             <a:off x="839788" y="1681163"/>
             <a:ext cx="5157787" cy="823912"/>
@@ -2445,23 +2257,20 @@
             </a:lvl9pPr>
           </a:lstStyle>
           <a:p>
-            <a:pPr lvl="0"/>
+            <a:pPr lvl="0">
+              <a:defRPr/>
+            </a:pPr>
             <a:r>
               <a:rPr lang="fr-FR"/>
               <a:t>Cliquez pour modifier les styles du texte du masque</a:t>
             </a:r>
-          </a:p>
-        </p:txBody>
-      </p:sp>
-      <p:sp>
-        <p:nvSpPr>
-          <p:cNvPr id="4" name="Espace réservé du contenu 3">
-            <a:extLst>
-              <a:ext uri="{FF2B5EF4-FFF2-40B4-BE49-F238E27FC236}">
-                <a16:creationId xmlns:a16="http://schemas.microsoft.com/office/drawing/2014/main" id="{23DFD814-FB11-33C3-C2BE-4C73A468421A}"/>
-              </a:ext>
-            </a:extLst>
-          </p:cNvPr>
+            <a:endParaRPr/>
+          </a:p>
+        </p:txBody>
+      </p:sp>
+      <p:sp>
+        <p:nvSpPr>
+          <p:cNvPr id="4" name="Espace réservé du contenu 3"/>
           <p:cNvSpPr>
             <a:spLocks noGrp="1"/>
           </p:cNvSpPr>
@@ -2469,9 +2278,9 @@
             <p:ph sz="half" idx="2"/>
           </p:nvPr>
         </p:nvSpPr>
-        <p:spPr>
+        <p:spPr bwMode="auto">
           <a:xfrm>
-            <a:off x="839788" y="2505075"/>
+            <a:off x="839788" y="2505074"/>
             <a:ext cx="5157787" cy="3684588"/>
           </a:xfrm>
         </p:spPr>
@@ -2479,51 +2288,60 @@
           <a:bodyPr/>
           <a:lstStyle/>
           <a:p>
-            <a:pPr lvl="0"/>
+            <a:pPr lvl="0">
+              <a:defRPr/>
+            </a:pPr>
             <a:r>
               <a:rPr lang="fr-FR"/>
               <a:t>Cliquez pour modifier les styles du texte du masque</a:t>
             </a:r>
-          </a:p>
-          <a:p>
-            <a:pPr lvl="1"/>
+            <a:endParaRPr/>
+          </a:p>
+          <a:p>
+            <a:pPr lvl="1">
+              <a:defRPr/>
+            </a:pPr>
             <a:r>
               <a:rPr lang="fr-FR"/>
               <a:t>Deuxième niveau</a:t>
             </a:r>
-          </a:p>
-          <a:p>
-            <a:pPr lvl="2"/>
+            <a:endParaRPr/>
+          </a:p>
+          <a:p>
+            <a:pPr lvl="2">
+              <a:defRPr/>
+            </a:pPr>
             <a:r>
               <a:rPr lang="fr-FR"/>
               <a:t>Troisième niveau</a:t>
             </a:r>
-          </a:p>
-          <a:p>
-            <a:pPr lvl="3"/>
+            <a:endParaRPr/>
+          </a:p>
+          <a:p>
+            <a:pPr lvl="3">
+              <a:defRPr/>
+            </a:pPr>
             <a:r>
               <a:rPr lang="fr-FR"/>
               <a:t>Quatrième niveau</a:t>
             </a:r>
-          </a:p>
-          <a:p>
-            <a:pPr lvl="4"/>
+            <a:endParaRPr/>
+          </a:p>
+          <a:p>
+            <a:pPr lvl="4">
+              <a:defRPr/>
+            </a:pPr>
             <a:r>
               <a:rPr lang="fr-FR"/>
               <a:t>Cinquième niveau</a:t>
             </a:r>
-          </a:p>
-        </p:txBody>
-      </p:sp>
-      <p:sp>
-        <p:nvSpPr>
-          <p:cNvPr id="5" name="Espace réservé du texte 4">
-            <a:extLst>
-              <a:ext uri="{FF2B5EF4-FFF2-40B4-BE49-F238E27FC236}">
-                <a16:creationId xmlns:a16="http://schemas.microsoft.com/office/drawing/2014/main" id="{013FB244-AE2E-31A1-85A9-AE6BCA4011EA}"/>
-              </a:ext>
-            </a:extLst>
-          </p:cNvPr>
+            <a:endParaRPr/>
+          </a:p>
+        </p:txBody>
+      </p:sp>
+      <p:sp>
+        <p:nvSpPr>
+          <p:cNvPr id="5" name="Espace réservé du texte 4"/>
           <p:cNvSpPr>
             <a:spLocks noGrp="1"/>
           </p:cNvSpPr>
@@ -2531,7 +2349,7 @@
             <p:ph type="body" sz="quarter" idx="3"/>
           </p:nvPr>
         </p:nvSpPr>
-        <p:spPr>
+        <p:spPr bwMode="auto">
           <a:xfrm>
             <a:off x="6172200" y="1681163"/>
             <a:ext cx="5183188" cy="823912"/>
@@ -2578,23 +2396,20 @@
             </a:lvl9pPr>
           </a:lstStyle>
           <a:p>
-            <a:pPr lvl="0"/>
+            <a:pPr lvl="0">
+              <a:defRPr/>
+            </a:pPr>
             <a:r>
               <a:rPr lang="fr-FR"/>
               <a:t>Cliquez pour modifier les styles du texte du masque</a:t>
             </a:r>
-          </a:p>
-        </p:txBody>
-      </p:sp>
-      <p:sp>
-        <p:nvSpPr>
-          <p:cNvPr id="6" name="Espace réservé du contenu 5">
-            <a:extLst>
-              <a:ext uri="{FF2B5EF4-FFF2-40B4-BE49-F238E27FC236}">
-                <a16:creationId xmlns:a16="http://schemas.microsoft.com/office/drawing/2014/main" id="{5B9536A6-82D0-BFC3-4223-380CECF1734D}"/>
-              </a:ext>
-            </a:extLst>
-          </p:cNvPr>
+            <a:endParaRPr/>
+          </a:p>
+        </p:txBody>
+      </p:sp>
+      <p:sp>
+        <p:nvSpPr>
+          <p:cNvPr id="6" name="Espace réservé du contenu 5"/>
           <p:cNvSpPr>
             <a:spLocks noGrp="1"/>
           </p:cNvSpPr>
@@ -2602,9 +2417,9 @@
             <p:ph sz="quarter" idx="4"/>
           </p:nvPr>
         </p:nvSpPr>
-        <p:spPr>
+        <p:spPr bwMode="auto">
           <a:xfrm>
-            <a:off x="6172200" y="2505075"/>
+            <a:off x="6172200" y="2505074"/>
             <a:ext cx="5183188" cy="3684588"/>
           </a:xfrm>
         </p:spPr>
@@ -2612,51 +2427,60 @@
           <a:bodyPr/>
           <a:lstStyle/>
           <a:p>
-            <a:pPr lvl="0"/>
+            <a:pPr lvl="0">
+              <a:defRPr/>
+            </a:pPr>
             <a:r>
               <a:rPr lang="fr-FR"/>
               <a:t>Cliquez pour modifier les styles du texte du masque</a:t>
             </a:r>
-          </a:p>
-          <a:p>
-            <a:pPr lvl="1"/>
+            <a:endParaRPr/>
+          </a:p>
+          <a:p>
+            <a:pPr lvl="1">
+              <a:defRPr/>
+            </a:pPr>
             <a:r>
               <a:rPr lang="fr-FR"/>
               <a:t>Deuxième niveau</a:t>
             </a:r>
-          </a:p>
-          <a:p>
-            <a:pPr lvl="2"/>
+            <a:endParaRPr/>
+          </a:p>
+          <a:p>
+            <a:pPr lvl="2">
+              <a:defRPr/>
+            </a:pPr>
             <a:r>
               <a:rPr lang="fr-FR"/>
               <a:t>Troisième niveau</a:t>
             </a:r>
-          </a:p>
-          <a:p>
-            <a:pPr lvl="3"/>
+            <a:endParaRPr/>
+          </a:p>
+          <a:p>
+            <a:pPr lvl="3">
+              <a:defRPr/>
+            </a:pPr>
             <a:r>
               <a:rPr lang="fr-FR"/>
               <a:t>Quatrième niveau</a:t>
             </a:r>
-          </a:p>
-          <a:p>
-            <a:pPr lvl="4"/>
+            <a:endParaRPr/>
+          </a:p>
+          <a:p>
+            <a:pPr lvl="4">
+              <a:defRPr/>
+            </a:pPr>
             <a:r>
               <a:rPr lang="fr-FR"/>
               <a:t>Cinquième niveau</a:t>
             </a:r>
-          </a:p>
-        </p:txBody>
-      </p:sp>
-      <p:sp>
-        <p:nvSpPr>
-          <p:cNvPr id="7" name="Espace réservé de la date 6">
-            <a:extLst>
-              <a:ext uri="{FF2B5EF4-FFF2-40B4-BE49-F238E27FC236}">
-                <a16:creationId xmlns:a16="http://schemas.microsoft.com/office/drawing/2014/main" id="{1471806A-CF6B-FF5A-FE1E-6EE11D492D6B}"/>
-              </a:ext>
-            </a:extLst>
-          </p:cNvPr>
+            <a:endParaRPr/>
+          </a:p>
+        </p:txBody>
+      </p:sp>
+      <p:sp>
+        <p:nvSpPr>
+          <p:cNvPr id="7" name="Espace réservé de la date 6"/>
           <p:cNvSpPr>
             <a:spLocks noGrp="1"/>
           </p:cNvSpPr>
@@ -2664,13 +2488,16 @@
             <p:ph type="dt" sz="half" idx="10"/>
           </p:nvPr>
         </p:nvSpPr>
-        <p:spPr/>
+        <p:spPr bwMode="auto"/>
         <p:txBody>
           <a:bodyPr/>
           <a:lstStyle/>
           <a:p>
+            <a:pPr>
+              <a:defRPr/>
+            </a:pPr>
             <a:fld id="{FBF29669-1EEB-4296-8C69-FBA90EBDC97B}" type="datetimeFigureOut">
-              <a:rPr lang="fr-FR" smtClean="0"/>
+              <a:rPr lang="fr-FR"/>
               <a:t>11/01/2024</a:t>
             </a:fld>
             <a:endParaRPr lang="fr-FR"/>
@@ -2679,13 +2506,7 @@
       </p:sp>
       <p:sp>
         <p:nvSpPr>
-          <p:cNvPr id="8" name="Espace réservé du pied de page 7">
-            <a:extLst>
-              <a:ext uri="{FF2B5EF4-FFF2-40B4-BE49-F238E27FC236}">
-                <a16:creationId xmlns:a16="http://schemas.microsoft.com/office/drawing/2014/main" id="{C5BD83A9-C332-AA4F-33DC-E30D6D933712}"/>
-              </a:ext>
-            </a:extLst>
-          </p:cNvPr>
+          <p:cNvPr id="8" name="Espace réservé du pied de page 7"/>
           <p:cNvSpPr>
             <a:spLocks noGrp="1"/>
           </p:cNvSpPr>
@@ -2693,24 +2514,21 @@
             <p:ph type="ftr" sz="quarter" idx="11"/>
           </p:nvPr>
         </p:nvSpPr>
-        <p:spPr/>
+        <p:spPr bwMode="auto"/>
         <p:txBody>
           <a:bodyPr/>
           <a:lstStyle/>
           <a:p>
+            <a:pPr>
+              <a:defRPr/>
+            </a:pPr>
             <a:endParaRPr lang="fr-FR"/>
           </a:p>
         </p:txBody>
       </p:sp>
       <p:sp>
         <p:nvSpPr>
-          <p:cNvPr id="9" name="Espace réservé du numéro de diapositive 8">
-            <a:extLst>
-              <a:ext uri="{FF2B5EF4-FFF2-40B4-BE49-F238E27FC236}">
-                <a16:creationId xmlns:a16="http://schemas.microsoft.com/office/drawing/2014/main" id="{51532040-3908-312C-154D-5CB7A8EDDCBC}"/>
-              </a:ext>
-            </a:extLst>
-          </p:cNvPr>
+          <p:cNvPr id="9" name="Espace réservé du numéro de diapositive 8"/>
           <p:cNvSpPr>
             <a:spLocks noGrp="1"/>
           </p:cNvSpPr>
@@ -2718,13 +2536,16 @@
             <p:ph type="sldNum" sz="quarter" idx="12"/>
           </p:nvPr>
         </p:nvSpPr>
-        <p:spPr/>
+        <p:spPr bwMode="auto"/>
         <p:txBody>
           <a:bodyPr/>
           <a:lstStyle/>
           <a:p>
+            <a:pPr>
+              <a:defRPr/>
+            </a:pPr>
             <a:fld id="{8EFF48F3-05C1-42F7-AED3-B1C1DCC6B38D}" type="slidenum">
-              <a:rPr lang="fr-FR" smtClean="0"/>
+              <a:rPr lang="fr-FR"/>
               <a:t>‹N°›</a:t>
             </a:fld>
             <a:endParaRPr lang="fr-FR"/>
@@ -2732,11 +2553,6 @@
         </p:txBody>
       </p:sp>
     </p:spTree>
-    <p:extLst>
-      <p:ext uri="{BB962C8B-B14F-4D97-AF65-F5344CB8AC3E}">
-        <p14:creationId xmlns:p14="http://schemas.microsoft.com/office/powerpoint/2010/main" val="2043192786"/>
-      </p:ext>
-    </p:extLst>
   </p:cSld>
   <p:clrMapOvr>
     <a:masterClrMapping/>
@@ -2745,7 +2561,7 @@
 </file>
 
 <file path=ppt/slideLayouts/slideLayout6.xml><?xml version="1.0" encoding="utf-8"?>
-<p:sldLayout xmlns:a="http://schemas.openxmlformats.org/drawingml/2006/main" xmlns:r="http://schemas.openxmlformats.org/officeDocument/2006/relationships" xmlns:p="http://schemas.openxmlformats.org/presentationml/2006/main" type="titleOnly" preserve="1">
+<p:sldLayout xmlns:a="http://schemas.openxmlformats.org/drawingml/2006/main" xmlns:r="http://schemas.openxmlformats.org/officeDocument/2006/relationships" xmlns:p="http://schemas.openxmlformats.org/presentationml/2006/main" xmlns:m="http://schemas.openxmlformats.org/officeDocument/2006/math" xmlns:w="http://schemas.openxmlformats.org/wordprocessingml/2006/main" matchingName="" preserve="1" showMasterPhAnim="0" type="titleOnly" userDrawn="1">
   <p:cSld name="Titre seul">
     <p:spTree>
       <p:nvGrpSpPr>
@@ -2753,7 +2569,7 @@
         <p:cNvGrpSpPr/>
         <p:nvPr/>
       </p:nvGrpSpPr>
-      <p:grpSpPr>
+      <p:grpSpPr bwMode="auto">
         <a:xfrm>
           <a:off x="0" y="0"/>
           <a:ext cx="0" cy="0"/>
@@ -2763,13 +2579,7 @@
       </p:grpSpPr>
       <p:sp>
         <p:nvSpPr>
-          <p:cNvPr id="2" name="Titre 1">
-            <a:extLst>
-              <a:ext uri="{FF2B5EF4-FFF2-40B4-BE49-F238E27FC236}">
-                <a16:creationId xmlns:a16="http://schemas.microsoft.com/office/drawing/2014/main" id="{0AB17043-118A-F615-18A9-81A3BF735141}"/>
-              </a:ext>
-            </a:extLst>
-          </p:cNvPr>
+          <p:cNvPr id="2" name="Titre 1"/>
           <p:cNvSpPr>
             <a:spLocks noGrp="1"/>
           </p:cNvSpPr>
@@ -2777,27 +2587,25 @@
             <p:ph type="title"/>
           </p:nvPr>
         </p:nvSpPr>
-        <p:spPr/>
+        <p:spPr bwMode="auto"/>
         <p:txBody>
           <a:bodyPr/>
           <a:lstStyle/>
           <a:p>
+            <a:pPr>
+              <a:defRPr/>
+            </a:pPr>
             <a:r>
               <a:rPr lang="fr-FR"/>
               <a:t>Modifiez le style du titre</a:t>
             </a:r>
-          </a:p>
-        </p:txBody>
-      </p:sp>
-      <p:sp>
-        <p:nvSpPr>
-          <p:cNvPr id="3" name="Espace réservé de la date 2">
-            <a:extLst>
-              <a:ext uri="{FF2B5EF4-FFF2-40B4-BE49-F238E27FC236}">
-                <a16:creationId xmlns:a16="http://schemas.microsoft.com/office/drawing/2014/main" id="{46228628-2D12-C0D7-3F8B-C7B1EFFF2F0C}"/>
-              </a:ext>
-            </a:extLst>
-          </p:cNvPr>
+            <a:endParaRPr/>
+          </a:p>
+        </p:txBody>
+      </p:sp>
+      <p:sp>
+        <p:nvSpPr>
+          <p:cNvPr id="3" name="Espace réservé de la date 2"/>
           <p:cNvSpPr>
             <a:spLocks noGrp="1"/>
           </p:cNvSpPr>
@@ -2805,13 +2613,16 @@
             <p:ph type="dt" sz="half" idx="10"/>
           </p:nvPr>
         </p:nvSpPr>
-        <p:spPr/>
+        <p:spPr bwMode="auto"/>
         <p:txBody>
           <a:bodyPr/>
           <a:lstStyle/>
           <a:p>
+            <a:pPr>
+              <a:defRPr/>
+            </a:pPr>
             <a:fld id="{FBF29669-1EEB-4296-8C69-FBA90EBDC97B}" type="datetimeFigureOut">
-              <a:rPr lang="fr-FR" smtClean="0"/>
+              <a:rPr lang="fr-FR"/>
               <a:t>11/01/2024</a:t>
             </a:fld>
             <a:endParaRPr lang="fr-FR"/>
@@ -2820,13 +2631,7 @@
       </p:sp>
       <p:sp>
         <p:nvSpPr>
-          <p:cNvPr id="4" name="Espace réservé du pied de page 3">
-            <a:extLst>
-              <a:ext uri="{FF2B5EF4-FFF2-40B4-BE49-F238E27FC236}">
-                <a16:creationId xmlns:a16="http://schemas.microsoft.com/office/drawing/2014/main" id="{FDA90FAA-AFAD-1595-DBDD-67E0D8CB8FA4}"/>
-              </a:ext>
-            </a:extLst>
-          </p:cNvPr>
+          <p:cNvPr id="4" name="Espace réservé du pied de page 3"/>
           <p:cNvSpPr>
             <a:spLocks noGrp="1"/>
           </p:cNvSpPr>
@@ -2834,24 +2639,21 @@
             <p:ph type="ftr" sz="quarter" idx="11"/>
           </p:nvPr>
         </p:nvSpPr>
-        <p:spPr/>
+        <p:spPr bwMode="auto"/>
         <p:txBody>
           <a:bodyPr/>
           <a:lstStyle/>
           <a:p>
+            <a:pPr>
+              <a:defRPr/>
+            </a:pPr>
             <a:endParaRPr lang="fr-FR"/>
           </a:p>
         </p:txBody>
       </p:sp>
       <p:sp>
         <p:nvSpPr>
-          <p:cNvPr id="5" name="Espace réservé du numéro de diapositive 4">
-            <a:extLst>
-              <a:ext uri="{FF2B5EF4-FFF2-40B4-BE49-F238E27FC236}">
-                <a16:creationId xmlns:a16="http://schemas.microsoft.com/office/drawing/2014/main" id="{092FAE19-693B-6FA2-2046-D4281C6E28E8}"/>
-              </a:ext>
-            </a:extLst>
-          </p:cNvPr>
+          <p:cNvPr id="5" name="Espace réservé du numéro de diapositive 4"/>
           <p:cNvSpPr>
             <a:spLocks noGrp="1"/>
           </p:cNvSpPr>
@@ -2859,13 +2661,16 @@
             <p:ph type="sldNum" sz="quarter" idx="12"/>
           </p:nvPr>
         </p:nvSpPr>
-        <p:spPr/>
+        <p:spPr bwMode="auto"/>
         <p:txBody>
           <a:bodyPr/>
           <a:lstStyle/>
           <a:p>
+            <a:pPr>
+              <a:defRPr/>
+            </a:pPr>
             <a:fld id="{8EFF48F3-05C1-42F7-AED3-B1C1DCC6B38D}" type="slidenum">
-              <a:rPr lang="fr-FR" smtClean="0"/>
+              <a:rPr lang="fr-FR"/>
               <a:t>‹N°›</a:t>
             </a:fld>
             <a:endParaRPr lang="fr-FR"/>
@@ -2873,11 +2678,6 @@
         </p:txBody>
       </p:sp>
     </p:spTree>
-    <p:extLst>
-      <p:ext uri="{BB962C8B-B14F-4D97-AF65-F5344CB8AC3E}">
-        <p14:creationId xmlns:p14="http://schemas.microsoft.com/office/powerpoint/2010/main" val="1283237434"/>
-      </p:ext>
-    </p:extLst>
   </p:cSld>
   <p:clrMapOvr>
     <a:masterClrMapping/>
@@ -2886,7 +2686,7 @@
 </file>
 
 <file path=ppt/slideLayouts/slideLayout7.xml><?xml version="1.0" encoding="utf-8"?>
-<p:sldLayout xmlns:a="http://schemas.openxmlformats.org/drawingml/2006/main" xmlns:r="http://schemas.openxmlformats.org/officeDocument/2006/relationships" xmlns:p="http://schemas.openxmlformats.org/presentationml/2006/main" type="blank" preserve="1">
+<p:sldLayout xmlns:a="http://schemas.openxmlformats.org/drawingml/2006/main" xmlns:r="http://schemas.openxmlformats.org/officeDocument/2006/relationships" xmlns:p="http://schemas.openxmlformats.org/presentationml/2006/main" xmlns:m="http://schemas.openxmlformats.org/officeDocument/2006/math" xmlns:w="http://schemas.openxmlformats.org/wordprocessingml/2006/main" matchingName="" preserve="1" showMasterPhAnim="0" type="blank" userDrawn="1">
   <p:cSld name="Vide">
     <p:spTree>
       <p:nvGrpSpPr>
@@ -2894,7 +2694,7 @@
         <p:cNvGrpSpPr/>
         <p:nvPr/>
       </p:nvGrpSpPr>
-      <p:grpSpPr>
+      <p:grpSpPr bwMode="auto">
         <a:xfrm>
           <a:off x="0" y="0"/>
           <a:ext cx="0" cy="0"/>
@@ -2904,13 +2704,7 @@
       </p:grpSpPr>
       <p:sp>
         <p:nvSpPr>
-          <p:cNvPr id="2" name="Espace réservé de la date 1">
-            <a:extLst>
-              <a:ext uri="{FF2B5EF4-FFF2-40B4-BE49-F238E27FC236}">
-                <a16:creationId xmlns:a16="http://schemas.microsoft.com/office/drawing/2014/main" id="{6ED8293D-9B0F-6391-90FA-B26457FECB6E}"/>
-              </a:ext>
-            </a:extLst>
-          </p:cNvPr>
+          <p:cNvPr id="2" name="Espace réservé de la date 1"/>
           <p:cNvSpPr>
             <a:spLocks noGrp="1"/>
           </p:cNvSpPr>
@@ -2918,13 +2712,16 @@
             <p:ph type="dt" sz="half" idx="10"/>
           </p:nvPr>
         </p:nvSpPr>
-        <p:spPr/>
+        <p:spPr bwMode="auto"/>
         <p:txBody>
           <a:bodyPr/>
           <a:lstStyle/>
           <a:p>
+            <a:pPr>
+              <a:defRPr/>
+            </a:pPr>
             <a:fld id="{FBF29669-1EEB-4296-8C69-FBA90EBDC97B}" type="datetimeFigureOut">
-              <a:rPr lang="fr-FR" smtClean="0"/>
+              <a:rPr lang="fr-FR"/>
               <a:t>11/01/2024</a:t>
             </a:fld>
             <a:endParaRPr lang="fr-FR"/>
@@ -2933,13 +2730,7 @@
       </p:sp>
       <p:sp>
         <p:nvSpPr>
-          <p:cNvPr id="3" name="Espace réservé du pied de page 2">
-            <a:extLst>
-              <a:ext uri="{FF2B5EF4-FFF2-40B4-BE49-F238E27FC236}">
-                <a16:creationId xmlns:a16="http://schemas.microsoft.com/office/drawing/2014/main" id="{A8EB25B0-970A-E608-8767-29054A985170}"/>
-              </a:ext>
-            </a:extLst>
-          </p:cNvPr>
+          <p:cNvPr id="3" name="Espace réservé du pied de page 2"/>
           <p:cNvSpPr>
             <a:spLocks noGrp="1"/>
           </p:cNvSpPr>
@@ -2947,24 +2738,21 @@
             <p:ph type="ftr" sz="quarter" idx="11"/>
           </p:nvPr>
         </p:nvSpPr>
-        <p:spPr/>
+        <p:spPr bwMode="auto"/>
         <p:txBody>
           <a:bodyPr/>
           <a:lstStyle/>
           <a:p>
+            <a:pPr>
+              <a:defRPr/>
+            </a:pPr>
             <a:endParaRPr lang="fr-FR"/>
           </a:p>
         </p:txBody>
       </p:sp>
       <p:sp>
         <p:nvSpPr>
-          <p:cNvPr id="4" name="Espace réservé du numéro de diapositive 3">
-            <a:extLst>
-              <a:ext uri="{FF2B5EF4-FFF2-40B4-BE49-F238E27FC236}">
-                <a16:creationId xmlns:a16="http://schemas.microsoft.com/office/drawing/2014/main" id="{428F9D8B-80F9-9D60-96A8-AD08C4E45DED}"/>
-              </a:ext>
-            </a:extLst>
-          </p:cNvPr>
+          <p:cNvPr id="4" name="Espace réservé du numéro de diapositive 3"/>
           <p:cNvSpPr>
             <a:spLocks noGrp="1"/>
           </p:cNvSpPr>
@@ -2972,13 +2760,16 @@
             <p:ph type="sldNum" sz="quarter" idx="12"/>
           </p:nvPr>
         </p:nvSpPr>
-        <p:spPr/>
+        <p:spPr bwMode="auto"/>
         <p:txBody>
           <a:bodyPr/>
           <a:lstStyle/>
           <a:p>
+            <a:pPr>
+              <a:defRPr/>
+            </a:pPr>
             <a:fld id="{8EFF48F3-05C1-42F7-AED3-B1C1DCC6B38D}" type="slidenum">
-              <a:rPr lang="fr-FR" smtClean="0"/>
+              <a:rPr lang="fr-FR"/>
               <a:t>‹N°›</a:t>
             </a:fld>
             <a:endParaRPr lang="fr-FR"/>
@@ -2986,11 +2777,6 @@
         </p:txBody>
       </p:sp>
     </p:spTree>
-    <p:extLst>
-      <p:ext uri="{BB962C8B-B14F-4D97-AF65-F5344CB8AC3E}">
-        <p14:creationId xmlns:p14="http://schemas.microsoft.com/office/powerpoint/2010/main" val="3756259550"/>
-      </p:ext>
-    </p:extLst>
   </p:cSld>
   <p:clrMapOvr>
     <a:masterClrMapping/>
@@ -2999,7 +2785,7 @@
 </file>
 
 <file path=ppt/slideLayouts/slideLayout8.xml><?xml version="1.0" encoding="utf-8"?>
-<p:sldLayout xmlns:a="http://schemas.openxmlformats.org/drawingml/2006/main" xmlns:r="http://schemas.openxmlformats.org/officeDocument/2006/relationships" xmlns:p="http://schemas.openxmlformats.org/presentationml/2006/main" type="objTx" preserve="1">
+<p:sldLayout xmlns:a="http://schemas.openxmlformats.org/drawingml/2006/main" xmlns:r="http://schemas.openxmlformats.org/officeDocument/2006/relationships" xmlns:p="http://schemas.openxmlformats.org/presentationml/2006/main" xmlns:m="http://schemas.openxmlformats.org/officeDocument/2006/math" xmlns:w="http://schemas.openxmlformats.org/wordprocessingml/2006/main" matchingName="" preserve="1" showMasterPhAnim="0" type="objTx" userDrawn="1">
   <p:cSld name="Contenu avec légende">
     <p:spTree>
       <p:nvGrpSpPr>
@@ -3007,7 +2793,7 @@
         <p:cNvGrpSpPr/>
         <p:nvPr/>
       </p:nvGrpSpPr>
-      <p:grpSpPr>
+      <p:grpSpPr bwMode="auto">
         <a:xfrm>
           <a:off x="0" y="0"/>
           <a:ext cx="0" cy="0"/>
@@ -3017,13 +2803,7 @@
       </p:grpSpPr>
       <p:sp>
         <p:nvSpPr>
-          <p:cNvPr id="2" name="Titre 1">
-            <a:extLst>
-              <a:ext uri="{FF2B5EF4-FFF2-40B4-BE49-F238E27FC236}">
-                <a16:creationId xmlns:a16="http://schemas.microsoft.com/office/drawing/2014/main" id="{E7DCD76A-4702-0950-5A4F-D7F0258BC959}"/>
-              </a:ext>
-            </a:extLst>
-          </p:cNvPr>
+          <p:cNvPr id="2" name="Titre 1"/>
           <p:cNvSpPr>
             <a:spLocks noGrp="1"/>
           </p:cNvSpPr>
@@ -3031,7 +2811,7 @@
             <p:ph type="title"/>
           </p:nvPr>
         </p:nvSpPr>
-        <p:spPr>
+        <p:spPr bwMode="auto">
           <a:xfrm>
             <a:off x="839788" y="457200"/>
             <a:ext cx="3932237" cy="1600200"/>
@@ -3045,22 +2825,20 @@
             </a:lvl1pPr>
           </a:lstStyle>
           <a:p>
+            <a:pPr>
+              <a:defRPr/>
+            </a:pPr>
             <a:r>
               <a:rPr lang="fr-FR"/>
               <a:t>Modifiez le style du titre</a:t>
             </a:r>
-          </a:p>
-        </p:txBody>
-      </p:sp>
-      <p:sp>
-        <p:nvSpPr>
-          <p:cNvPr id="3" name="Espace réservé du contenu 2">
-            <a:extLst>
-              <a:ext uri="{FF2B5EF4-FFF2-40B4-BE49-F238E27FC236}">
-                <a16:creationId xmlns:a16="http://schemas.microsoft.com/office/drawing/2014/main" id="{F4CBBC60-0B23-C949-E768-4BCE0CAAC913}"/>
-              </a:ext>
-            </a:extLst>
-          </p:cNvPr>
+            <a:endParaRPr/>
+          </a:p>
+        </p:txBody>
+      </p:sp>
+      <p:sp>
+        <p:nvSpPr>
+          <p:cNvPr id="3" name="Espace réservé du contenu 2"/>
           <p:cNvSpPr>
             <a:spLocks noGrp="1"/>
           </p:cNvSpPr>
@@ -3068,7 +2846,7 @@
             <p:ph idx="1"/>
           </p:nvPr>
         </p:nvSpPr>
-        <p:spPr>
+        <p:spPr bwMode="auto">
           <a:xfrm>
             <a:off x="5183188" y="987425"/>
             <a:ext cx="6172200" cy="4873625"/>
@@ -3106,51 +2884,60 @@
             </a:lvl9pPr>
           </a:lstStyle>
           <a:p>
-            <a:pPr lvl="0"/>
+            <a:pPr lvl="0">
+              <a:defRPr/>
+            </a:pPr>
             <a:r>
               <a:rPr lang="fr-FR"/>
               <a:t>Cliquez pour modifier les styles du texte du masque</a:t>
             </a:r>
-          </a:p>
-          <a:p>
-            <a:pPr lvl="1"/>
+            <a:endParaRPr/>
+          </a:p>
+          <a:p>
+            <a:pPr lvl="1">
+              <a:defRPr/>
+            </a:pPr>
             <a:r>
               <a:rPr lang="fr-FR"/>
               <a:t>Deuxième niveau</a:t>
             </a:r>
-          </a:p>
-          <a:p>
-            <a:pPr lvl="2"/>
+            <a:endParaRPr/>
+          </a:p>
+          <a:p>
+            <a:pPr lvl="2">
+              <a:defRPr/>
+            </a:pPr>
             <a:r>
               <a:rPr lang="fr-FR"/>
               <a:t>Troisième niveau</a:t>
             </a:r>
-          </a:p>
-          <a:p>
-            <a:pPr lvl="3"/>
+            <a:endParaRPr/>
+          </a:p>
+          <a:p>
+            <a:pPr lvl="3">
+              <a:defRPr/>
+            </a:pPr>
             <a:r>
               <a:rPr lang="fr-FR"/>
               <a:t>Quatrième niveau</a:t>
             </a:r>
-          </a:p>
-          <a:p>
-            <a:pPr lvl="4"/>
+            <a:endParaRPr/>
+          </a:p>
+          <a:p>
+            <a:pPr lvl="4">
+              <a:defRPr/>
+            </a:pPr>
             <a:r>
               <a:rPr lang="fr-FR"/>
               <a:t>Cinquième niveau</a:t>
             </a:r>
-          </a:p>
-        </p:txBody>
-      </p:sp>
-      <p:sp>
-        <p:nvSpPr>
-          <p:cNvPr id="4" name="Espace réservé du texte 3">
-            <a:extLst>
-              <a:ext uri="{FF2B5EF4-FFF2-40B4-BE49-F238E27FC236}">
-                <a16:creationId xmlns:a16="http://schemas.microsoft.com/office/drawing/2014/main" id="{807FC19B-ADD8-BDA8-6903-D7ABEF231C45}"/>
-              </a:ext>
-            </a:extLst>
-          </p:cNvPr>
+            <a:endParaRPr/>
+          </a:p>
+        </p:txBody>
+      </p:sp>
+      <p:sp>
+        <p:nvSpPr>
+          <p:cNvPr id="4" name="Espace réservé du texte 3"/>
           <p:cNvSpPr>
             <a:spLocks noGrp="1"/>
           </p:cNvSpPr>
@@ -3158,7 +2945,7 @@
             <p:ph type="body" sz="half" idx="2"/>
           </p:nvPr>
         </p:nvSpPr>
-        <p:spPr>
+        <p:spPr bwMode="auto">
           <a:xfrm>
             <a:off x="839788" y="2057400"/>
             <a:ext cx="3932237" cy="3811588"/>
@@ -3205,23 +2992,20 @@
             </a:lvl9pPr>
           </a:lstStyle>
           <a:p>
-            <a:pPr lvl="0"/>
+            <a:pPr lvl="0">
+              <a:defRPr/>
+            </a:pPr>
             <a:r>
               <a:rPr lang="fr-FR"/>
               <a:t>Cliquez pour modifier les styles du texte du masque</a:t>
             </a:r>
-          </a:p>
-        </p:txBody>
-      </p:sp>
-      <p:sp>
-        <p:nvSpPr>
-          <p:cNvPr id="5" name="Espace réservé de la date 4">
-            <a:extLst>
-              <a:ext uri="{FF2B5EF4-FFF2-40B4-BE49-F238E27FC236}">
-                <a16:creationId xmlns:a16="http://schemas.microsoft.com/office/drawing/2014/main" id="{753490A0-EB12-4FC6-F945-B33C0FD7B6A8}"/>
-              </a:ext>
-            </a:extLst>
-          </p:cNvPr>
+            <a:endParaRPr/>
+          </a:p>
+        </p:txBody>
+      </p:sp>
+      <p:sp>
+        <p:nvSpPr>
+          <p:cNvPr id="5" name="Espace réservé de la date 4"/>
           <p:cNvSpPr>
             <a:spLocks noGrp="1"/>
           </p:cNvSpPr>
@@ -3229,13 +3013,16 @@
             <p:ph type="dt" sz="half" idx="10"/>
           </p:nvPr>
         </p:nvSpPr>
-        <p:spPr/>
+        <p:spPr bwMode="auto"/>
         <p:txBody>
           <a:bodyPr/>
           <a:lstStyle/>
           <a:p>
+            <a:pPr>
+              <a:defRPr/>
+            </a:pPr>
             <a:fld id="{FBF29669-1EEB-4296-8C69-FBA90EBDC97B}" type="datetimeFigureOut">
-              <a:rPr lang="fr-FR" smtClean="0"/>
+              <a:rPr lang="fr-FR"/>
               <a:t>11/01/2024</a:t>
             </a:fld>
             <a:endParaRPr lang="fr-FR"/>
@@ -3244,13 +3031,7 @@
       </p:sp>
       <p:sp>
         <p:nvSpPr>
-          <p:cNvPr id="6" name="Espace réservé du pied de page 5">
-            <a:extLst>
-              <a:ext uri="{FF2B5EF4-FFF2-40B4-BE49-F238E27FC236}">
-                <a16:creationId xmlns:a16="http://schemas.microsoft.com/office/drawing/2014/main" id="{F69A6E9D-7DB3-47E7-BB09-69F7CE0D64BE}"/>
-              </a:ext>
-            </a:extLst>
-          </p:cNvPr>
+          <p:cNvPr id="6" name="Espace réservé du pied de page 5"/>
           <p:cNvSpPr>
             <a:spLocks noGrp="1"/>
           </p:cNvSpPr>
@@ -3258,24 +3039,21 @@
             <p:ph type="ftr" sz="quarter" idx="11"/>
           </p:nvPr>
         </p:nvSpPr>
-        <p:spPr/>
+        <p:spPr bwMode="auto"/>
         <p:txBody>
           <a:bodyPr/>
           <a:lstStyle/>
           <a:p>
+            <a:pPr>
+              <a:defRPr/>
+            </a:pPr>
             <a:endParaRPr lang="fr-FR"/>
           </a:p>
         </p:txBody>
       </p:sp>
       <p:sp>
         <p:nvSpPr>
-          <p:cNvPr id="7" name="Espace réservé du numéro de diapositive 6">
-            <a:extLst>
-              <a:ext uri="{FF2B5EF4-FFF2-40B4-BE49-F238E27FC236}">
-                <a16:creationId xmlns:a16="http://schemas.microsoft.com/office/drawing/2014/main" id="{65F01286-602A-0E6C-C260-273F4F04D854}"/>
-              </a:ext>
-            </a:extLst>
-          </p:cNvPr>
+          <p:cNvPr id="7" name="Espace réservé du numéro de diapositive 6"/>
           <p:cNvSpPr>
             <a:spLocks noGrp="1"/>
           </p:cNvSpPr>
@@ -3283,13 +3061,16 @@
             <p:ph type="sldNum" sz="quarter" idx="12"/>
           </p:nvPr>
         </p:nvSpPr>
-        <p:spPr/>
+        <p:spPr bwMode="auto"/>
         <p:txBody>
           <a:bodyPr/>
           <a:lstStyle/>
           <a:p>
+            <a:pPr>
+              <a:defRPr/>
+            </a:pPr>
             <a:fld id="{8EFF48F3-05C1-42F7-AED3-B1C1DCC6B38D}" type="slidenum">
-              <a:rPr lang="fr-FR" smtClean="0"/>
+              <a:rPr lang="fr-FR"/>
               <a:t>‹N°›</a:t>
             </a:fld>
             <a:endParaRPr lang="fr-FR"/>
@@ -3297,11 +3078,6 @@
         </p:txBody>
       </p:sp>
     </p:spTree>
-    <p:extLst>
-      <p:ext uri="{BB962C8B-B14F-4D97-AF65-F5344CB8AC3E}">
-        <p14:creationId xmlns:p14="http://schemas.microsoft.com/office/powerpoint/2010/main" val="190622271"/>
-      </p:ext>
-    </p:extLst>
   </p:cSld>
   <p:clrMapOvr>
     <a:masterClrMapping/>
@@ -3310,7 +3086,7 @@
 </file>
 
 <file path=ppt/slideLayouts/slideLayout9.xml><?xml version="1.0" encoding="utf-8"?>
-<p:sldLayout xmlns:a="http://schemas.openxmlformats.org/drawingml/2006/main" xmlns:r="http://schemas.openxmlformats.org/officeDocument/2006/relationships" xmlns:p="http://schemas.openxmlformats.org/presentationml/2006/main" type="picTx" preserve="1">
+<p:sldLayout xmlns:a="http://schemas.openxmlformats.org/drawingml/2006/main" xmlns:r="http://schemas.openxmlformats.org/officeDocument/2006/relationships" xmlns:p="http://schemas.openxmlformats.org/presentationml/2006/main" xmlns:m="http://schemas.openxmlformats.org/officeDocument/2006/math" xmlns:w="http://schemas.openxmlformats.org/wordprocessingml/2006/main" matchingName="" preserve="1" showMasterPhAnim="0" type="picTx" userDrawn="1">
   <p:cSld name="Image avec légende">
     <p:spTree>
       <p:nvGrpSpPr>
@@ -3318,7 +3094,7 @@
         <p:cNvGrpSpPr/>
         <p:nvPr/>
       </p:nvGrpSpPr>
-      <p:grpSpPr>
+      <p:grpSpPr bwMode="auto">
         <a:xfrm>
           <a:off x="0" y="0"/>
           <a:ext cx="0" cy="0"/>
@@ -3328,13 +3104,7 @@
       </p:grpSpPr>
       <p:sp>
         <p:nvSpPr>
-          <p:cNvPr id="2" name="Titre 1">
-            <a:extLst>
-              <a:ext uri="{FF2B5EF4-FFF2-40B4-BE49-F238E27FC236}">
-                <a16:creationId xmlns:a16="http://schemas.microsoft.com/office/drawing/2014/main" id="{29A4AB79-0F69-F68B-F3F2-32F00D6F5A14}"/>
-              </a:ext>
-            </a:extLst>
-          </p:cNvPr>
+          <p:cNvPr id="2" name="Titre 1"/>
           <p:cNvSpPr>
             <a:spLocks noGrp="1"/>
           </p:cNvSpPr>
@@ -3342,7 +3112,7 @@
             <p:ph type="title"/>
           </p:nvPr>
         </p:nvSpPr>
-        <p:spPr>
+        <p:spPr bwMode="auto">
           <a:xfrm>
             <a:off x="839788" y="457200"/>
             <a:ext cx="3932237" cy="1600200"/>
@@ -3356,22 +3126,20 @@
             </a:lvl1pPr>
           </a:lstStyle>
           <a:p>
+            <a:pPr>
+              <a:defRPr/>
+            </a:pPr>
             <a:r>
               <a:rPr lang="fr-FR"/>
               <a:t>Modifiez le style du titre</a:t>
             </a:r>
-          </a:p>
-        </p:txBody>
-      </p:sp>
-      <p:sp>
-        <p:nvSpPr>
-          <p:cNvPr id="3" name="Espace réservé pour une image  2">
-            <a:extLst>
-              <a:ext uri="{FF2B5EF4-FFF2-40B4-BE49-F238E27FC236}">
-                <a16:creationId xmlns:a16="http://schemas.microsoft.com/office/drawing/2014/main" id="{27B50C6C-32F3-3D62-1BB6-B8DE4DE2442A}"/>
-              </a:ext>
-            </a:extLst>
-          </p:cNvPr>
+            <a:endParaRPr/>
+          </a:p>
+        </p:txBody>
+      </p:sp>
+      <p:sp>
+        <p:nvSpPr>
+          <p:cNvPr id="3" name="Espace réservé pour une image  2"/>
           <p:cNvSpPr>
             <a:spLocks noGrp="1"/>
           </p:cNvSpPr>
@@ -3379,7 +3147,7 @@
             <p:ph type="pic" idx="1"/>
           </p:nvPr>
         </p:nvSpPr>
-        <p:spPr>
+        <p:spPr bwMode="auto">
           <a:xfrm>
             <a:off x="5183188" y="987425"/>
             <a:ext cx="6172200" cy="4873625"/>
@@ -3426,19 +3194,16 @@
             </a:lvl9pPr>
           </a:lstStyle>
           <a:p>
+            <a:pPr>
+              <a:defRPr/>
+            </a:pPr>
             <a:endParaRPr lang="fr-FR"/>
           </a:p>
         </p:txBody>
       </p:sp>
       <p:sp>
         <p:nvSpPr>
-          <p:cNvPr id="4" name="Espace réservé du texte 3">
-            <a:extLst>
-              <a:ext uri="{FF2B5EF4-FFF2-40B4-BE49-F238E27FC236}">
-                <a16:creationId xmlns:a16="http://schemas.microsoft.com/office/drawing/2014/main" id="{A80AA331-864A-0858-D6FB-C87960B854A4}"/>
-              </a:ext>
-            </a:extLst>
-          </p:cNvPr>
+          <p:cNvPr id="4" name="Espace réservé du texte 3"/>
           <p:cNvSpPr>
             <a:spLocks noGrp="1"/>
           </p:cNvSpPr>
@@ -3446,7 +3211,7 @@
             <p:ph type="body" sz="half" idx="2"/>
           </p:nvPr>
         </p:nvSpPr>
-        <p:spPr>
+        <p:spPr bwMode="auto">
           <a:xfrm>
             <a:off x="839788" y="2057400"/>
             <a:ext cx="3932237" cy="3811588"/>
@@ -3493,23 +3258,20 @@
             </a:lvl9pPr>
           </a:lstStyle>
           <a:p>
-            <a:pPr lvl="0"/>
+            <a:pPr lvl="0">
+              <a:defRPr/>
+            </a:pPr>
             <a:r>
               <a:rPr lang="fr-FR"/>
               <a:t>Cliquez pour modifier les styles du texte du masque</a:t>
             </a:r>
-          </a:p>
-        </p:txBody>
-      </p:sp>
-      <p:sp>
-        <p:nvSpPr>
-          <p:cNvPr id="5" name="Espace réservé de la date 4">
-            <a:extLst>
-              <a:ext uri="{FF2B5EF4-FFF2-40B4-BE49-F238E27FC236}">
-                <a16:creationId xmlns:a16="http://schemas.microsoft.com/office/drawing/2014/main" id="{EB901B30-32FF-C270-1C37-F778F2F52CD2}"/>
-              </a:ext>
-            </a:extLst>
-          </p:cNvPr>
+            <a:endParaRPr/>
+          </a:p>
+        </p:txBody>
+      </p:sp>
+      <p:sp>
+        <p:nvSpPr>
+          <p:cNvPr id="5" name="Espace réservé de la date 4"/>
           <p:cNvSpPr>
             <a:spLocks noGrp="1"/>
           </p:cNvSpPr>
@@ -3517,13 +3279,16 @@
             <p:ph type="dt" sz="half" idx="10"/>
           </p:nvPr>
         </p:nvSpPr>
-        <p:spPr/>
+        <p:spPr bwMode="auto"/>
         <p:txBody>
           <a:bodyPr/>
           <a:lstStyle/>
           <a:p>
+            <a:pPr>
+              <a:defRPr/>
+            </a:pPr>
             <a:fld id="{FBF29669-1EEB-4296-8C69-FBA90EBDC97B}" type="datetimeFigureOut">
-              <a:rPr lang="fr-FR" smtClean="0"/>
+              <a:rPr lang="fr-FR"/>
               <a:t>11/01/2024</a:t>
             </a:fld>
             <a:endParaRPr lang="fr-FR"/>
@@ -3532,13 +3297,7 @@
       </p:sp>
       <p:sp>
         <p:nvSpPr>
-          <p:cNvPr id="6" name="Espace réservé du pied de page 5">
-            <a:extLst>
-              <a:ext uri="{FF2B5EF4-FFF2-40B4-BE49-F238E27FC236}">
-                <a16:creationId xmlns:a16="http://schemas.microsoft.com/office/drawing/2014/main" id="{74678552-9439-7076-3EF1-F02F47E02710}"/>
-              </a:ext>
-            </a:extLst>
-          </p:cNvPr>
+          <p:cNvPr id="6" name="Espace réservé du pied de page 5"/>
           <p:cNvSpPr>
             <a:spLocks noGrp="1"/>
           </p:cNvSpPr>
@@ -3546,24 +3305,21 @@
             <p:ph type="ftr" sz="quarter" idx="11"/>
           </p:nvPr>
         </p:nvSpPr>
-        <p:spPr/>
+        <p:spPr bwMode="auto"/>
         <p:txBody>
           <a:bodyPr/>
           <a:lstStyle/>
           <a:p>
+            <a:pPr>
+              <a:defRPr/>
+            </a:pPr>
             <a:endParaRPr lang="fr-FR"/>
           </a:p>
         </p:txBody>
       </p:sp>
       <p:sp>
         <p:nvSpPr>
-          <p:cNvPr id="7" name="Espace réservé du numéro de diapositive 6">
-            <a:extLst>
-              <a:ext uri="{FF2B5EF4-FFF2-40B4-BE49-F238E27FC236}">
-                <a16:creationId xmlns:a16="http://schemas.microsoft.com/office/drawing/2014/main" id="{C3A31AEE-7435-59D0-E867-F118BB55EEAC}"/>
-              </a:ext>
-            </a:extLst>
-          </p:cNvPr>
+          <p:cNvPr id="7" name="Espace réservé du numéro de diapositive 6"/>
           <p:cNvSpPr>
             <a:spLocks noGrp="1"/>
           </p:cNvSpPr>
@@ -3571,13 +3327,16 @@
             <p:ph type="sldNum" sz="quarter" idx="12"/>
           </p:nvPr>
         </p:nvSpPr>
-        <p:spPr/>
+        <p:spPr bwMode="auto"/>
         <p:txBody>
           <a:bodyPr/>
           <a:lstStyle/>
           <a:p>
+            <a:pPr>
+              <a:defRPr/>
+            </a:pPr>
             <a:fld id="{8EFF48F3-05C1-42F7-AED3-B1C1DCC6B38D}" type="slidenum">
-              <a:rPr lang="fr-FR" smtClean="0"/>
+              <a:rPr lang="fr-FR"/>
               <a:t>‹N°›</a:t>
             </a:fld>
             <a:endParaRPr lang="fr-FR"/>
@@ -3585,11 +3344,6 @@
         </p:txBody>
       </p:sp>
     </p:spTree>
-    <p:extLst>
-      <p:ext uri="{BB962C8B-B14F-4D97-AF65-F5344CB8AC3E}">
-        <p14:creationId xmlns:p14="http://schemas.microsoft.com/office/powerpoint/2010/main" val="1761407076"/>
-      </p:ext>
-    </p:extLst>
   </p:cSld>
   <p:clrMapOvr>
     <a:masterClrMapping/>
@@ -3598,8 +3352,8 @@
 </file>
 
 <file path=ppt/slideMasters/slideMaster1.xml><?xml version="1.0" encoding="utf-8"?>
-<p:sldMaster xmlns:a="http://schemas.openxmlformats.org/drawingml/2006/main" xmlns:r="http://schemas.openxmlformats.org/officeDocument/2006/relationships" xmlns:p="http://schemas.openxmlformats.org/presentationml/2006/main">
-  <p:cSld>
+<p:sldMaster xmlns:a="http://schemas.openxmlformats.org/drawingml/2006/main" xmlns:r="http://schemas.openxmlformats.org/officeDocument/2006/relationships" xmlns:p="http://schemas.openxmlformats.org/presentationml/2006/main" xmlns:m="http://schemas.openxmlformats.org/officeDocument/2006/math" xmlns:w="http://schemas.openxmlformats.org/wordprocessingml/2006/main" preserve="0">
+  <p:cSld name="">
     <p:bg>
       <p:bgRef idx="1001">
         <a:schemeClr val="bg1"/>
@@ -3611,7 +3365,7 @@
         <p:cNvGrpSpPr/>
         <p:nvPr/>
       </p:nvGrpSpPr>
-      <p:grpSpPr>
+      <p:grpSpPr bwMode="auto">
         <a:xfrm>
           <a:off x="0" y="0"/>
           <a:ext cx="0" cy="0"/>
@@ -3621,13 +3375,7 @@
       </p:grpSpPr>
       <p:sp>
         <p:nvSpPr>
-          <p:cNvPr id="2" name="Espace réservé du titre 1">
-            <a:extLst>
-              <a:ext uri="{FF2B5EF4-FFF2-40B4-BE49-F238E27FC236}">
-                <a16:creationId xmlns:a16="http://schemas.microsoft.com/office/drawing/2014/main" id="{45225788-6C8D-D8D9-EDCE-6E262F82868C}"/>
-              </a:ext>
-            </a:extLst>
-          </p:cNvPr>
+          <p:cNvPr id="2" name="Espace réservé du titre 1"/>
           <p:cNvSpPr>
             <a:spLocks noGrp="1"/>
           </p:cNvSpPr>
@@ -3635,7 +3383,7 @@
             <p:ph type="title"/>
           </p:nvPr>
         </p:nvSpPr>
-        <p:spPr>
+        <p:spPr bwMode="auto">
           <a:xfrm>
             <a:off x="838200" y="365125"/>
             <a:ext cx="10515600" cy="1325563"/>
@@ -3650,22 +3398,20 @@
           </a:bodyPr>
           <a:lstStyle/>
           <a:p>
+            <a:pPr>
+              <a:defRPr/>
+            </a:pPr>
             <a:r>
               <a:rPr lang="fr-FR"/>
               <a:t>Modifiez le style du titre</a:t>
             </a:r>
-          </a:p>
-        </p:txBody>
-      </p:sp>
-      <p:sp>
-        <p:nvSpPr>
-          <p:cNvPr id="3" name="Espace réservé du texte 2">
-            <a:extLst>
-              <a:ext uri="{FF2B5EF4-FFF2-40B4-BE49-F238E27FC236}">
-                <a16:creationId xmlns:a16="http://schemas.microsoft.com/office/drawing/2014/main" id="{ABAD5826-FEDA-FDE0-1B1C-4452914CBADC}"/>
-              </a:ext>
-            </a:extLst>
-          </p:cNvPr>
+            <a:endParaRPr/>
+          </a:p>
+        </p:txBody>
+      </p:sp>
+      <p:sp>
+        <p:nvSpPr>
+          <p:cNvPr id="3" name="Espace réservé du texte 2"/>
           <p:cNvSpPr>
             <a:spLocks noGrp="1"/>
           </p:cNvSpPr>
@@ -3673,7 +3419,7 @@
             <p:ph type="body" idx="1"/>
           </p:nvPr>
         </p:nvSpPr>
-        <p:spPr>
+        <p:spPr bwMode="auto">
           <a:xfrm>
             <a:off x="838200" y="1825625"/>
             <a:ext cx="10515600" cy="4351338"/>
@@ -3688,51 +3434,60 @@
           </a:bodyPr>
           <a:lstStyle/>
           <a:p>
-            <a:pPr lvl="0"/>
+            <a:pPr lvl="0">
+              <a:defRPr/>
+            </a:pPr>
             <a:r>
               <a:rPr lang="fr-FR"/>
               <a:t>Cliquez pour modifier les styles du texte du masque</a:t>
             </a:r>
-          </a:p>
-          <a:p>
-            <a:pPr lvl="1"/>
+            <a:endParaRPr/>
+          </a:p>
+          <a:p>
+            <a:pPr lvl="1">
+              <a:defRPr/>
+            </a:pPr>
             <a:r>
               <a:rPr lang="fr-FR"/>
               <a:t>Deuxième niveau</a:t>
             </a:r>
-          </a:p>
-          <a:p>
-            <a:pPr lvl="2"/>
+            <a:endParaRPr/>
+          </a:p>
+          <a:p>
+            <a:pPr lvl="2">
+              <a:defRPr/>
+            </a:pPr>
             <a:r>
               <a:rPr lang="fr-FR"/>
               <a:t>Troisième niveau</a:t>
             </a:r>
-          </a:p>
-          <a:p>
-            <a:pPr lvl="3"/>
+            <a:endParaRPr/>
+          </a:p>
+          <a:p>
+            <a:pPr lvl="3">
+              <a:defRPr/>
+            </a:pPr>
             <a:r>
               <a:rPr lang="fr-FR"/>
               <a:t>Quatrième niveau</a:t>
             </a:r>
-          </a:p>
-          <a:p>
-            <a:pPr lvl="4"/>
+            <a:endParaRPr/>
+          </a:p>
+          <a:p>
+            <a:pPr lvl="4">
+              <a:defRPr/>
+            </a:pPr>
             <a:r>
               <a:rPr lang="fr-FR"/>
               <a:t>Cinquième niveau</a:t>
             </a:r>
-          </a:p>
-        </p:txBody>
-      </p:sp>
-      <p:sp>
-        <p:nvSpPr>
-          <p:cNvPr id="4" name="Espace réservé de la date 3">
-            <a:extLst>
-              <a:ext uri="{FF2B5EF4-FFF2-40B4-BE49-F238E27FC236}">
-                <a16:creationId xmlns:a16="http://schemas.microsoft.com/office/drawing/2014/main" id="{73DE1C88-F89A-9D54-D64B-783FDBE3901E}"/>
-              </a:ext>
-            </a:extLst>
-          </p:cNvPr>
+            <a:endParaRPr/>
+          </a:p>
+        </p:txBody>
+      </p:sp>
+      <p:sp>
+        <p:nvSpPr>
+          <p:cNvPr id="4" name="Espace réservé de la date 3"/>
           <p:cNvSpPr>
             <a:spLocks noGrp="1"/>
           </p:cNvSpPr>
@@ -3740,7 +3495,7 @@
             <p:ph type="dt" sz="half" idx="2"/>
           </p:nvPr>
         </p:nvSpPr>
-        <p:spPr>
+        <p:spPr bwMode="auto">
           <a:xfrm>
             <a:off x="838200" y="6356350"/>
             <a:ext cx="2743200" cy="365125"/>
@@ -3763,8 +3518,11 @@
             </a:lvl1pPr>
           </a:lstStyle>
           <a:p>
+            <a:pPr>
+              <a:defRPr/>
+            </a:pPr>
             <a:fld id="{FBF29669-1EEB-4296-8C69-FBA90EBDC97B}" type="datetimeFigureOut">
-              <a:rPr lang="fr-FR" smtClean="0"/>
+              <a:rPr lang="fr-FR"/>
               <a:t>11/01/2024</a:t>
             </a:fld>
             <a:endParaRPr lang="fr-FR"/>
@@ -3773,13 +3531,7 @@
       </p:sp>
       <p:sp>
         <p:nvSpPr>
-          <p:cNvPr id="5" name="Espace réservé du pied de page 4">
-            <a:extLst>
-              <a:ext uri="{FF2B5EF4-FFF2-40B4-BE49-F238E27FC236}">
-                <a16:creationId xmlns:a16="http://schemas.microsoft.com/office/drawing/2014/main" id="{5ACD40A4-C135-962F-E0ED-8B4658B5B3CC}"/>
-              </a:ext>
-            </a:extLst>
-          </p:cNvPr>
+          <p:cNvPr id="5" name="Espace réservé du pied de page 4"/>
           <p:cNvSpPr>
             <a:spLocks noGrp="1"/>
           </p:cNvSpPr>
@@ -3787,7 +3539,7 @@
             <p:ph type="ftr" sz="quarter" idx="3"/>
           </p:nvPr>
         </p:nvSpPr>
-        <p:spPr>
+        <p:spPr bwMode="auto">
           <a:xfrm>
             <a:off x="4038600" y="6356350"/>
             <a:ext cx="4114800" cy="365125"/>
@@ -3810,19 +3562,16 @@
             </a:lvl1pPr>
           </a:lstStyle>
           <a:p>
+            <a:pPr>
+              <a:defRPr/>
+            </a:pPr>
             <a:endParaRPr lang="fr-FR"/>
           </a:p>
         </p:txBody>
       </p:sp>
       <p:sp>
         <p:nvSpPr>
-          <p:cNvPr id="6" name="Espace réservé du numéro de diapositive 5">
-            <a:extLst>
-              <a:ext uri="{FF2B5EF4-FFF2-40B4-BE49-F238E27FC236}">
-                <a16:creationId xmlns:a16="http://schemas.microsoft.com/office/drawing/2014/main" id="{D308BC4A-7CCB-5935-F9CB-E82E8640F73E}"/>
-              </a:ext>
-            </a:extLst>
-          </p:cNvPr>
+          <p:cNvPr id="6" name="Espace réservé du numéro de diapositive 5"/>
           <p:cNvSpPr>
             <a:spLocks noGrp="1"/>
           </p:cNvSpPr>
@@ -3830,7 +3579,7 @@
             <p:ph type="sldNum" sz="quarter" idx="4"/>
           </p:nvPr>
         </p:nvSpPr>
-        <p:spPr>
+        <p:spPr bwMode="auto">
           <a:xfrm>
             <a:off x="8610600" y="6356350"/>
             <a:ext cx="2743200" cy="365125"/>
@@ -3853,8 +3602,11 @@
             </a:lvl1pPr>
           </a:lstStyle>
           <a:p>
+            <a:pPr>
+              <a:defRPr/>
+            </a:pPr>
             <a:fld id="{8EFF48F3-05C1-42F7-AED3-B1C1DCC6B38D}" type="slidenum">
-              <a:rPr lang="fr-FR" smtClean="0"/>
+              <a:rPr lang="fr-FR"/>
               <a:t>‹N°›</a:t>
             </a:fld>
             <a:endParaRPr lang="fr-FR"/>
@@ -3862,11 +3614,6 @@
         </p:txBody>
       </p:sp>
     </p:spTree>
-    <p:extLst>
-      <p:ext uri="{BB962C8B-B14F-4D97-AF65-F5344CB8AC3E}">
-        <p14:creationId xmlns:p14="http://schemas.microsoft.com/office/powerpoint/2010/main" val="2497413580"/>
-      </p:ext>
-    </p:extLst>
   </p:cSld>
   <p:clrMap bg1="lt1" tx1="dk1" bg2="lt2" tx2="dk2" accent1="accent1" accent2="accent2" accent3="accent3" accent4="accent4" accent5="accent5" accent6="accent6" hlink="hlink" folHlink="folHlink"/>
   <p:sldLayoutIdLst>
@@ -3884,15 +3631,15 @@
   </p:sldLayoutIdLst>
   <p:txStyles>
     <p:titleStyle>
-      <a:lvl1pPr algn="l" defTabSz="914400" rtl="0" eaLnBrk="1" latinLnBrk="0" hangingPunct="1">
+      <a:lvl1pPr algn="l" defTabSz="914400">
         <a:lnSpc>
           <a:spcPct val="90000"/>
         </a:lnSpc>
         <a:spcBef>
-          <a:spcPct val="0"/>
+          <a:spcPts val="0"/>
         </a:spcBef>
         <a:buNone/>
-        <a:defRPr sz="4400" kern="1200">
+        <a:defRPr sz="4400">
           <a:solidFill>
             <a:schemeClr val="tx1"/>
           </a:solidFill>
@@ -3903,16 +3650,16 @@
       </a:lvl1pPr>
     </p:titleStyle>
     <p:bodyStyle>
-      <a:lvl1pPr marL="228600" indent="-228600" algn="l" defTabSz="914400" rtl="0" eaLnBrk="1" latinLnBrk="0" hangingPunct="1">
+      <a:lvl1pPr marL="228600" indent="-228600" algn="l" defTabSz="914400">
         <a:lnSpc>
           <a:spcPct val="90000"/>
         </a:lnSpc>
         <a:spcBef>
           <a:spcPts val="1000"/>
         </a:spcBef>
-        <a:buFont typeface="Arial" panose="020B0604020202020204" pitchFamily="34" charset="0"/>
+        <a:buFont typeface="Arial"/>
         <a:buChar char="•"/>
-        <a:defRPr sz="2800" kern="1200">
+        <a:defRPr sz="2800">
           <a:solidFill>
             <a:schemeClr val="tx1"/>
           </a:solidFill>
@@ -3921,16 +3668,16 @@
           <a:cs typeface="+mn-cs"/>
         </a:defRPr>
       </a:lvl1pPr>
-      <a:lvl2pPr marL="685800" indent="-228600" algn="l" defTabSz="914400" rtl="0" eaLnBrk="1" latinLnBrk="0" hangingPunct="1">
+      <a:lvl2pPr marL="685800" indent="-228600" algn="l" defTabSz="914400">
         <a:lnSpc>
           <a:spcPct val="90000"/>
         </a:lnSpc>
         <a:spcBef>
           <a:spcPts val="500"/>
         </a:spcBef>
-        <a:buFont typeface="Arial" panose="020B0604020202020204" pitchFamily="34" charset="0"/>
+        <a:buFont typeface="Arial"/>
         <a:buChar char="•"/>
-        <a:defRPr sz="2400" kern="1200">
+        <a:defRPr sz="2400">
           <a:solidFill>
             <a:schemeClr val="tx1"/>
           </a:solidFill>
@@ -3939,16 +3686,16 @@
           <a:cs typeface="+mn-cs"/>
         </a:defRPr>
       </a:lvl2pPr>
-      <a:lvl3pPr marL="1143000" indent="-228600" algn="l" defTabSz="914400" rtl="0" eaLnBrk="1" latinLnBrk="0" hangingPunct="1">
+      <a:lvl3pPr marL="1143000" indent="-228600" algn="l" defTabSz="914400">
         <a:lnSpc>
           <a:spcPct val="90000"/>
         </a:lnSpc>
         <a:spcBef>
           <a:spcPts val="500"/>
         </a:spcBef>
-        <a:buFont typeface="Arial" panose="020B0604020202020204" pitchFamily="34" charset="0"/>
+        <a:buFont typeface="Arial"/>
         <a:buChar char="•"/>
-        <a:defRPr sz="2000" kern="1200">
+        <a:defRPr sz="2000">
           <a:solidFill>
             <a:schemeClr val="tx1"/>
           </a:solidFill>
@@ -3957,16 +3704,16 @@
           <a:cs typeface="+mn-cs"/>
         </a:defRPr>
       </a:lvl3pPr>
-      <a:lvl4pPr marL="1600200" indent="-228600" algn="l" defTabSz="914400" rtl="0" eaLnBrk="1" latinLnBrk="0" hangingPunct="1">
+      <a:lvl4pPr marL="1600200" indent="-228600" algn="l" defTabSz="914400">
         <a:lnSpc>
           <a:spcPct val="90000"/>
         </a:lnSpc>
         <a:spcBef>
           <a:spcPts val="500"/>
         </a:spcBef>
-        <a:buFont typeface="Arial" panose="020B0604020202020204" pitchFamily="34" charset="0"/>
+        <a:buFont typeface="Arial"/>
         <a:buChar char="•"/>
-        <a:defRPr sz="1800" kern="1200">
+        <a:defRPr sz="1800">
           <a:solidFill>
             <a:schemeClr val="tx1"/>
           </a:solidFill>
@@ -3975,16 +3722,16 @@
           <a:cs typeface="+mn-cs"/>
         </a:defRPr>
       </a:lvl4pPr>
-      <a:lvl5pPr marL="2057400" indent="-228600" algn="l" defTabSz="914400" rtl="0" eaLnBrk="1" latinLnBrk="0" hangingPunct="1">
+      <a:lvl5pPr marL="2057400" indent="-228600" algn="l" defTabSz="914400">
         <a:lnSpc>
           <a:spcPct val="90000"/>
         </a:lnSpc>
         <a:spcBef>
           <a:spcPts val="500"/>
         </a:spcBef>
-        <a:buFont typeface="Arial" panose="020B0604020202020204" pitchFamily="34" charset="0"/>
+        <a:buFont typeface="Arial"/>
         <a:buChar char="•"/>
-        <a:defRPr sz="1800" kern="1200">
+        <a:defRPr sz="1800">
           <a:solidFill>
             <a:schemeClr val="tx1"/>
           </a:solidFill>
@@ -3993,16 +3740,16 @@
           <a:cs typeface="+mn-cs"/>
         </a:defRPr>
       </a:lvl5pPr>
-      <a:lvl6pPr marL="2514600" indent="-228600" algn="l" defTabSz="914400" rtl="0" eaLnBrk="1" latinLnBrk="0" hangingPunct="1">
+      <a:lvl6pPr marL="2514600" indent="-228600" algn="l" defTabSz="914400">
         <a:lnSpc>
           <a:spcPct val="90000"/>
         </a:lnSpc>
         <a:spcBef>
           <a:spcPts val="500"/>
         </a:spcBef>
-        <a:buFont typeface="Arial" panose="020B0604020202020204" pitchFamily="34" charset="0"/>
+        <a:buFont typeface="Arial"/>
         <a:buChar char="•"/>
-        <a:defRPr sz="1800" kern="1200">
+        <a:defRPr sz="1800">
           <a:solidFill>
             <a:schemeClr val="tx1"/>
           </a:solidFill>
@@ -4011,16 +3758,16 @@
           <a:cs typeface="+mn-cs"/>
         </a:defRPr>
       </a:lvl6pPr>
-      <a:lvl7pPr marL="2971800" indent="-228600" algn="l" defTabSz="914400" rtl="0" eaLnBrk="1" latinLnBrk="0" hangingPunct="1">
+      <a:lvl7pPr marL="2971800" indent="-228600" algn="l" defTabSz="914400">
         <a:lnSpc>
           <a:spcPct val="90000"/>
         </a:lnSpc>
         <a:spcBef>
           <a:spcPts val="500"/>
         </a:spcBef>
-        <a:buFont typeface="Arial" panose="020B0604020202020204" pitchFamily="34" charset="0"/>
+        <a:buFont typeface="Arial"/>
         <a:buChar char="•"/>
-        <a:defRPr sz="1800" kern="1200">
+        <a:defRPr sz="1800">
           <a:solidFill>
             <a:schemeClr val="tx1"/>
           </a:solidFill>
@@ -4029,16 +3776,16 @@
           <a:cs typeface="+mn-cs"/>
         </a:defRPr>
       </a:lvl7pPr>
-      <a:lvl8pPr marL="3429000" indent="-228600" algn="l" defTabSz="914400" rtl="0" eaLnBrk="1" latinLnBrk="0" hangingPunct="1">
+      <a:lvl8pPr marL="3429000" indent="-228600" algn="l" defTabSz="914400">
         <a:lnSpc>
           <a:spcPct val="90000"/>
         </a:lnSpc>
         <a:spcBef>
           <a:spcPts val="500"/>
         </a:spcBef>
-        <a:buFont typeface="Arial" panose="020B0604020202020204" pitchFamily="34" charset="0"/>
+        <a:buFont typeface="Arial"/>
         <a:buChar char="•"/>
-        <a:defRPr sz="1800" kern="1200">
+        <a:defRPr sz="1800">
           <a:solidFill>
             <a:schemeClr val="tx1"/>
           </a:solidFill>
@@ -4047,16 +3794,16 @@
           <a:cs typeface="+mn-cs"/>
         </a:defRPr>
       </a:lvl8pPr>
-      <a:lvl9pPr marL="3886200" indent="-228600" algn="l" defTabSz="914400" rtl="0" eaLnBrk="1" latinLnBrk="0" hangingPunct="1">
+      <a:lvl9pPr marL="3886200" indent="-228600" algn="l" defTabSz="914400">
         <a:lnSpc>
           <a:spcPct val="90000"/>
         </a:lnSpc>
         <a:spcBef>
           <a:spcPts val="500"/>
         </a:spcBef>
-        <a:buFont typeface="Arial" panose="020B0604020202020204" pitchFamily="34" charset="0"/>
+        <a:buFont typeface="Arial"/>
         <a:buChar char="•"/>
-        <a:defRPr sz="1800" kern="1200">
+        <a:defRPr sz="1800">
           <a:solidFill>
             <a:schemeClr val="tx1"/>
           </a:solidFill>
@@ -4070,8 +3817,8 @@
       <a:defPPr>
         <a:defRPr lang="fr-FR"/>
       </a:defPPr>
-      <a:lvl1pPr marL="0" algn="l" defTabSz="914400" rtl="0" eaLnBrk="1" latinLnBrk="0" hangingPunct="1">
-        <a:defRPr sz="1800" kern="1200">
+      <a:lvl1pPr marL="0" algn="l" defTabSz="914400">
+        <a:defRPr sz="1800">
           <a:solidFill>
             <a:schemeClr val="tx1"/>
           </a:solidFill>
@@ -4080,8 +3827,8 @@
           <a:cs typeface="+mn-cs"/>
         </a:defRPr>
       </a:lvl1pPr>
-      <a:lvl2pPr marL="457200" algn="l" defTabSz="914400" rtl="0" eaLnBrk="1" latinLnBrk="0" hangingPunct="1">
-        <a:defRPr sz="1800" kern="1200">
+      <a:lvl2pPr marL="457200" algn="l" defTabSz="914400">
+        <a:defRPr sz="1800">
           <a:solidFill>
             <a:schemeClr val="tx1"/>
           </a:solidFill>
@@ -4090,8 +3837,8 @@
           <a:cs typeface="+mn-cs"/>
         </a:defRPr>
       </a:lvl2pPr>
-      <a:lvl3pPr marL="914400" algn="l" defTabSz="914400" rtl="0" eaLnBrk="1" latinLnBrk="0" hangingPunct="1">
-        <a:defRPr sz="1800" kern="1200">
+      <a:lvl3pPr marL="914400" algn="l" defTabSz="914400">
+        <a:defRPr sz="1800">
           <a:solidFill>
             <a:schemeClr val="tx1"/>
           </a:solidFill>
@@ -4100,8 +3847,8 @@
           <a:cs typeface="+mn-cs"/>
         </a:defRPr>
       </a:lvl3pPr>
-      <a:lvl4pPr marL="1371600" algn="l" defTabSz="914400" rtl="0" eaLnBrk="1" latinLnBrk="0" hangingPunct="1">
-        <a:defRPr sz="1800" kern="1200">
+      <a:lvl4pPr marL="1371600" algn="l" defTabSz="914400">
+        <a:defRPr sz="1800">
           <a:solidFill>
             <a:schemeClr val="tx1"/>
           </a:solidFill>
@@ -4110,8 +3857,8 @@
           <a:cs typeface="+mn-cs"/>
         </a:defRPr>
       </a:lvl4pPr>
-      <a:lvl5pPr marL="1828800" algn="l" defTabSz="914400" rtl="0" eaLnBrk="1" latinLnBrk="0" hangingPunct="1">
-        <a:defRPr sz="1800" kern="1200">
+      <a:lvl5pPr marL="1828800" algn="l" defTabSz="914400">
+        <a:defRPr sz="1800">
           <a:solidFill>
             <a:schemeClr val="tx1"/>
           </a:solidFill>
@@ -4120,8 +3867,8 @@
           <a:cs typeface="+mn-cs"/>
         </a:defRPr>
       </a:lvl5pPr>
-      <a:lvl6pPr marL="2286000" algn="l" defTabSz="914400" rtl="0" eaLnBrk="1" latinLnBrk="0" hangingPunct="1">
-        <a:defRPr sz="1800" kern="1200">
+      <a:lvl6pPr marL="2286000" algn="l" defTabSz="914400">
+        <a:defRPr sz="1800">
           <a:solidFill>
             <a:schemeClr val="tx1"/>
           </a:solidFill>
@@ -4130,8 +3877,8 @@
           <a:cs typeface="+mn-cs"/>
         </a:defRPr>
       </a:lvl6pPr>
-      <a:lvl7pPr marL="2743200" algn="l" defTabSz="914400" rtl="0" eaLnBrk="1" latinLnBrk="0" hangingPunct="1">
-        <a:defRPr sz="1800" kern="1200">
+      <a:lvl7pPr marL="2743200" algn="l" defTabSz="914400">
+        <a:defRPr sz="1800">
           <a:solidFill>
             <a:schemeClr val="tx1"/>
           </a:solidFill>
@@ -4140,8 +3887,8 @@
           <a:cs typeface="+mn-cs"/>
         </a:defRPr>
       </a:lvl7pPr>
-      <a:lvl8pPr marL="3200400" algn="l" defTabSz="914400" rtl="0" eaLnBrk="1" latinLnBrk="0" hangingPunct="1">
-        <a:defRPr sz="1800" kern="1200">
+      <a:lvl8pPr marL="3200400" algn="l" defTabSz="914400">
+        <a:defRPr sz="1800">
           <a:solidFill>
             <a:schemeClr val="tx1"/>
           </a:solidFill>
@@ -4150,8 +3897,8 @@
           <a:cs typeface="+mn-cs"/>
         </a:defRPr>
       </a:lvl8pPr>
-      <a:lvl9pPr marL="3657600" algn="l" defTabSz="914400" rtl="0" eaLnBrk="1" latinLnBrk="0" hangingPunct="1">
-        <a:defRPr sz="1800" kern="1200">
+      <a:lvl9pPr marL="3657600" algn="l" defTabSz="914400">
+        <a:defRPr sz="1800">
           <a:solidFill>
             <a:schemeClr val="tx1"/>
           </a:solidFill>
@@ -4166,20 +3913,17 @@
 </file>
 
 <file path=ppt/slides/slide1.xml><?xml version="1.0" encoding="utf-8"?>
-<p:sld xmlns:a="http://schemas.openxmlformats.org/drawingml/2006/main" xmlns:r="http://schemas.openxmlformats.org/officeDocument/2006/relationships" xmlns:p="http://schemas.openxmlformats.org/presentationml/2006/main">
-  <p:cSld>
+<p:sld xmlns:a="http://schemas.openxmlformats.org/drawingml/2006/main" xmlns:r="http://schemas.openxmlformats.org/officeDocument/2006/relationships" xmlns:p="http://schemas.openxmlformats.org/presentationml/2006/main" xmlns:m="http://schemas.openxmlformats.org/officeDocument/2006/math" xmlns:w="http://schemas.openxmlformats.org/wordprocessingml/2006/main" showMasterPhAnim="0" show="1">
+  <p:cSld name="">
     <p:bg>
-      <p:bgPr>
-        <a:blipFill dpi="0" rotWithShape="1">
-          <a:blip r:embed="rId2">
+      <p:bgPr shadeToTitle="0">
+        <a:blipFill>
+          <a:blip r:embed="rId3">
             <a:lum/>
           </a:blip>
-          <a:srcRect/>
-          <a:stretch>
-            <a:fillRect t="-10000" b="-10000"/>
-          </a:stretch>
+          <a:srcRect l="0" t="8333" r="0" b="8333"/>
+          <a:stretch/>
         </a:blipFill>
-        <a:effectLst/>
       </p:bgPr>
     </p:bg>
     <p:spTree>
@@ -4188,7 +3932,7 @@
         <p:cNvGrpSpPr/>
         <p:nvPr/>
       </p:nvGrpSpPr>
-      <p:grpSpPr>
+      <p:grpSpPr bwMode="auto">
         <a:xfrm>
           <a:off x="0" y="0"/>
           <a:ext cx="0" cy="0"/>
@@ -4198,17 +3942,11 @@
       </p:grpSpPr>
       <p:sp>
         <p:nvSpPr>
-          <p:cNvPr id="21" name="Rectangle 20">
-            <a:extLst>
-              <a:ext uri="{FF2B5EF4-FFF2-40B4-BE49-F238E27FC236}">
-                <a16:creationId xmlns:a16="http://schemas.microsoft.com/office/drawing/2014/main" id="{886C5363-3C03-D3CC-6B3C-51F19B254C28}"/>
-              </a:ext>
-            </a:extLst>
-          </p:cNvPr>
+          <p:cNvPr id="21" name="Rectangle 20"/>
           <p:cNvSpPr/>
           <p:nvPr/>
         </p:nvSpPr>
-        <p:spPr>
+        <p:spPr bwMode="auto">
           <a:xfrm>
             <a:off x="0" y="0"/>
             <a:ext cx="12192000" cy="6858000"/>
@@ -4216,7 +3954,7 @@
           <a:prstGeom prst="rect">
             <a:avLst/>
           </a:prstGeom>
-          <a:gradFill flip="none" rotWithShape="1">
+          <a:gradFill>
             <a:gsLst>
               <a:gs pos="0">
                 <a:schemeClr val="tx1"/>
@@ -4228,7 +3966,6 @@
               </a:gs>
             </a:gsLst>
             <a:lin ang="0" scaled="1"/>
-            <a:tileRect/>
           </a:gradFill>
         </p:spPr>
         <p:style>
@@ -4251,24 +3988,20 @@
           <a:bodyPr rtlCol="0" anchor="ctr"/>
           <a:lstStyle/>
           <a:p>
-            <a:pPr algn="ctr"/>
+            <a:pPr algn="ctr">
+              <a:defRPr/>
+            </a:pPr>
             <a:endParaRPr lang="fr-FR"/>
           </a:p>
         </p:txBody>
       </p:sp>
       <p:sp>
         <p:nvSpPr>
-          <p:cNvPr id="22" name="ZoneTexte 21">
-            <a:extLst>
-              <a:ext uri="{FF2B5EF4-FFF2-40B4-BE49-F238E27FC236}">
-                <a16:creationId xmlns:a16="http://schemas.microsoft.com/office/drawing/2014/main" id="{6B365D12-2AF5-AD81-4753-DD261966C39D}"/>
-              </a:ext>
-            </a:extLst>
-          </p:cNvPr>
+          <p:cNvPr id="22" name="ZoneTexte 21"/>
           <p:cNvSpPr txBox="1"/>
           <p:nvPr/>
         </p:nvSpPr>
-        <p:spPr>
+        <p:spPr bwMode="auto">
           <a:xfrm>
             <a:off x="300929" y="1219200"/>
             <a:ext cx="5397501" cy="2000548"/>
@@ -4284,70 +4017,72 @@
           </a:bodyPr>
           <a:lstStyle/>
           <a:p>
-            <a:r>
-              <a:rPr lang="fr-FR" sz="10000" b="1" dirty="0" err="1">
+            <a:pPr>
+              <a:defRPr/>
+            </a:pPr>
+            <a:r>
+              <a:rPr lang="fr-FR" sz="10000" b="1">
                 <a:solidFill>
                   <a:schemeClr val="bg1"/>
                 </a:solidFill>
-                <a:latin typeface="Courier New" panose="02070309020205020404" pitchFamily="49" charset="0"/>
-                <a:cs typeface="Courier New" panose="02070309020205020404" pitchFamily="49" charset="0"/>
+                <a:latin typeface="Courier New"/>
+                <a:cs typeface="Courier New"/>
               </a:rPr>
               <a:t>Jest</a:t>
             </a:r>
             <a:r>
-              <a:rPr lang="fr-FR" sz="3200" b="1" dirty="0">
+              <a:rPr lang="fr-FR" sz="3200" b="1">
                 <a:solidFill>
                   <a:schemeClr val="bg1"/>
                 </a:solidFill>
-                <a:latin typeface="Montserrat bold" panose="00000800000000000000" pitchFamily="2" charset="0"/>
+                <a:latin typeface="Montserrat bold"/>
               </a:rPr>
               <a:t> </a:t>
             </a:r>
-          </a:p>
-          <a:p>
-            <a:r>
-              <a:rPr lang="fr-FR" sz="2400" b="1" dirty="0">
+            <a:endParaRPr/>
+          </a:p>
+          <a:p>
+            <a:pPr>
+              <a:defRPr/>
+            </a:pPr>
+            <a:r>
+              <a:rPr lang="fr-FR" sz="2400" b="1">
                 <a:solidFill>
                   <a:schemeClr val="bg1"/>
                 </a:solidFill>
-                <a:latin typeface="Montserrat bold" panose="00000800000000000000" pitchFamily="2" charset="0"/>
+                <a:latin typeface="Montserrat bold"/>
               </a:rPr>
               <a:t>(</a:t>
             </a:r>
             <a:r>
-              <a:rPr lang="fr-FR" sz="2400" b="1" dirty="0" err="1">
+              <a:rPr lang="fr-FR" sz="2400" b="1">
                 <a:solidFill>
                   <a:schemeClr val="bg1"/>
                 </a:solidFill>
-                <a:latin typeface="Montserrat bold" panose="00000800000000000000" pitchFamily="2" charset="0"/>
+                <a:latin typeface="Montserrat bold"/>
               </a:rPr>
               <a:t>framework</a:t>
             </a:r>
             <a:r>
-              <a:rPr lang="fr-FR" sz="2400" b="1" dirty="0">
+              <a:rPr lang="fr-FR" sz="2400" b="1">
                 <a:solidFill>
                   <a:schemeClr val="bg1"/>
                 </a:solidFill>
-                <a:latin typeface="Montserrat bold" panose="00000800000000000000" pitchFamily="2" charset="0"/>
+                <a:latin typeface="Montserrat bold"/>
               </a:rPr>
               <a:t> de test)</a:t>
             </a:r>
-          </a:p>
-        </p:txBody>
-      </p:sp>
-      <p:sp>
-        <p:nvSpPr>
-          <p:cNvPr id="23" name="ZoneTexte 22">
-            <a:extLst>
-              <a:ext uri="{FF2B5EF4-FFF2-40B4-BE49-F238E27FC236}">
-                <a16:creationId xmlns:a16="http://schemas.microsoft.com/office/drawing/2014/main" id="{5A8B0A5B-AFA3-A693-8C10-CB382FD28B47}"/>
-              </a:ext>
-            </a:extLst>
-          </p:cNvPr>
+            <a:endParaRPr/>
+          </a:p>
+        </p:txBody>
+      </p:sp>
+      <p:sp>
+        <p:nvSpPr>
+          <p:cNvPr id="23" name="ZoneTexte 22"/>
           <p:cNvSpPr txBox="1"/>
           <p:nvPr/>
         </p:nvSpPr>
-        <p:spPr>
+        <p:spPr bwMode="auto">
           <a:xfrm>
             <a:off x="300929" y="5216008"/>
             <a:ext cx="3689352" cy="369332"/>
@@ -4363,33 +4098,31 @@
           </a:bodyPr>
           <a:lstStyle/>
           <a:p>
-            <a:r>
-              <a:rPr lang="fr-FR" dirty="0">
+            <a:pPr>
+              <a:defRPr/>
+            </a:pPr>
+            <a:r>
+              <a:rPr lang="fr-FR">
                 <a:solidFill>
                   <a:schemeClr val="bg1"/>
                 </a:solidFill>
-                <a:latin typeface="Montserrat bold" panose="00000800000000000000" pitchFamily="2" charset="0"/>
+                <a:latin typeface="Montserrat bold"/>
               </a:rPr>
               <a:t>Anthony KALBE MMI 3A DW</a:t>
             </a:r>
+            <a:endParaRPr/>
           </a:p>
         </p:txBody>
       </p:sp>
       <p:grpSp>
         <p:nvGrpSpPr>
-          <p:cNvPr id="4" name="Groupe 3">
-            <a:extLst>
-              <a:ext uri="{FF2B5EF4-FFF2-40B4-BE49-F238E27FC236}">
-                <a16:creationId xmlns:a16="http://schemas.microsoft.com/office/drawing/2014/main" id="{DBC8CBD1-D1C2-0DEF-47A8-D2F166F84BF1}"/>
-              </a:ext>
-            </a:extLst>
-          </p:cNvPr>
+          <p:cNvPr id="4" name="Groupe 3"/>
           <p:cNvGrpSpPr/>
           <p:nvPr/>
         </p:nvGrpSpPr>
-        <p:grpSpPr>
+        <p:grpSpPr bwMode="auto">
           <a:xfrm>
-            <a:off x="7549910" y="1623916"/>
+            <a:off x="7549910" y="1623915"/>
             <a:ext cx="3986568" cy="4155782"/>
             <a:chOff x="5048250" y="1454647"/>
             <a:chExt cx="5992750" cy="6247119"/>
@@ -4397,17 +4130,11 @@
         </p:grpSpPr>
         <p:sp useBgFill="1">
           <p:nvSpPr>
-            <p:cNvPr id="16" name="Rectangle : coins arrondis 15">
-              <a:extLst>
-                <a:ext uri="{FF2B5EF4-FFF2-40B4-BE49-F238E27FC236}">
-                  <a16:creationId xmlns:a16="http://schemas.microsoft.com/office/drawing/2014/main" id="{D7212756-B812-EF30-D93F-E096A71CF07D}"/>
-                </a:ext>
-              </a:extLst>
-            </p:cNvPr>
+            <p:cNvPr id="16" name="Rectangle : coins arrondis 15"/>
             <p:cNvSpPr/>
             <p:nvPr/>
           </p:nvSpPr>
-          <p:spPr>
+          <p:spPr bwMode="auto">
             <a:xfrm>
               <a:off x="5048250" y="1454647"/>
               <a:ext cx="857250" cy="6247119"/>
@@ -4446,26 +4173,22 @@
             <a:bodyPr rtlCol="0" anchor="ctr"/>
             <a:lstStyle/>
             <a:p>
-              <a:pPr algn="ctr"/>
-              <a:endParaRPr lang="fr-FR" dirty="0"/>
+              <a:pPr algn="ctr">
+                <a:defRPr/>
+              </a:pPr>
+              <a:endParaRPr lang="fr-FR"/>
             </a:p>
           </p:txBody>
         </p:sp>
         <p:sp useBgFill="1">
           <p:nvSpPr>
-            <p:cNvPr id="17" name="Rectangle : coins arrondis 16">
-              <a:extLst>
-                <a:ext uri="{FF2B5EF4-FFF2-40B4-BE49-F238E27FC236}">
-                  <a16:creationId xmlns:a16="http://schemas.microsoft.com/office/drawing/2014/main" id="{AA745235-3F47-7F54-98B3-01DC4C8F685A}"/>
-                </a:ext>
-              </a:extLst>
-            </p:cNvPr>
+            <p:cNvPr id="17" name="Rectangle : coins arrondis 16"/>
             <p:cNvSpPr/>
             <p:nvPr/>
           </p:nvSpPr>
-          <p:spPr>
+          <p:spPr bwMode="auto">
             <a:xfrm>
-              <a:off x="7680214" y="1839713"/>
+              <a:off x="7680214" y="1839712"/>
               <a:ext cx="857250" cy="4280012"/>
             </a:xfrm>
             <a:prstGeom prst="roundRect">
@@ -4502,24 +4225,20 @@
             <a:bodyPr rtlCol="0" anchor="ctr"/>
             <a:lstStyle/>
             <a:p>
-              <a:pPr algn="ctr"/>
+              <a:pPr algn="ctr">
+                <a:defRPr/>
+              </a:pPr>
               <a:endParaRPr lang="fr-FR"/>
             </a:p>
           </p:txBody>
         </p:sp>
         <p:sp useBgFill="1">
           <p:nvSpPr>
-            <p:cNvPr id="18" name="Rectangle : coins arrondis 17">
-              <a:extLst>
-                <a:ext uri="{FF2B5EF4-FFF2-40B4-BE49-F238E27FC236}">
-                  <a16:creationId xmlns:a16="http://schemas.microsoft.com/office/drawing/2014/main" id="{4EC73F3B-E62B-1070-8BD3-DF372FCA0CAA}"/>
-                </a:ext>
-              </a:extLst>
-            </p:cNvPr>
+            <p:cNvPr id="18" name="Rectangle : coins arrondis 17"/>
             <p:cNvSpPr/>
             <p:nvPr/>
           </p:nvSpPr>
-          <p:spPr>
+          <p:spPr bwMode="auto">
             <a:xfrm>
               <a:off x="6364232" y="1839714"/>
               <a:ext cx="857250" cy="4280012"/>
@@ -4558,26 +4277,22 @@
             <a:bodyPr rtlCol="0" anchor="ctr"/>
             <a:lstStyle/>
             <a:p>
-              <a:pPr algn="ctr"/>
+              <a:pPr algn="ctr">
+                <a:defRPr/>
+              </a:pPr>
               <a:endParaRPr lang="fr-FR"/>
             </a:p>
           </p:txBody>
         </p:sp>
         <p:sp useBgFill="1">
           <p:nvSpPr>
-            <p:cNvPr id="19" name="Rectangle : coins arrondis 18">
-              <a:extLst>
-                <a:ext uri="{FF2B5EF4-FFF2-40B4-BE49-F238E27FC236}">
-                  <a16:creationId xmlns:a16="http://schemas.microsoft.com/office/drawing/2014/main" id="{53A5911C-502A-7671-9A5B-09AEED9B0E1C}"/>
-                </a:ext>
-              </a:extLst>
-            </p:cNvPr>
+            <p:cNvPr id="19" name="Rectangle : coins arrondis 18"/>
             <p:cNvSpPr/>
             <p:nvPr/>
           </p:nvSpPr>
-          <p:spPr>
+          <p:spPr bwMode="auto">
             <a:xfrm>
-              <a:off x="8996195" y="1839713"/>
+              <a:off x="8996195" y="1839712"/>
               <a:ext cx="818721" cy="4280012"/>
             </a:xfrm>
             <a:prstGeom prst="roundRect">
@@ -4614,26 +4329,22 @@
             <a:bodyPr rtlCol="0" anchor="ctr"/>
             <a:lstStyle/>
             <a:p>
-              <a:pPr algn="ctr"/>
+              <a:pPr algn="ctr">
+                <a:defRPr/>
+              </a:pPr>
               <a:endParaRPr lang="fr-FR"/>
             </a:p>
           </p:txBody>
         </p:sp>
         <p:sp useBgFill="1">
           <p:nvSpPr>
-            <p:cNvPr id="20" name="Rectangle : coins arrondis 19">
-              <a:extLst>
-                <a:ext uri="{FF2B5EF4-FFF2-40B4-BE49-F238E27FC236}">
-                  <a16:creationId xmlns:a16="http://schemas.microsoft.com/office/drawing/2014/main" id="{0082D39A-8116-AAFC-519F-0DF3078F8EEE}"/>
-                </a:ext>
-              </a:extLst>
-            </p:cNvPr>
+            <p:cNvPr id="20" name="Rectangle : coins arrondis 19"/>
             <p:cNvSpPr/>
             <p:nvPr/>
           </p:nvSpPr>
-          <p:spPr>
+          <p:spPr bwMode="auto">
             <a:xfrm>
-              <a:off x="10183750" y="1839713"/>
+              <a:off x="10183750" y="1839712"/>
               <a:ext cx="857250" cy="4280012"/>
             </a:xfrm>
             <a:prstGeom prst="roundRect">
@@ -4670,30 +4381,27 @@
             <a:bodyPr rtlCol="0" anchor="ctr"/>
             <a:lstStyle/>
             <a:p>
-              <a:pPr algn="ctr"/>
-              <a:endParaRPr lang="fr-FR" dirty="0"/>
+              <a:pPr algn="ctr">
+                <a:defRPr/>
+              </a:pPr>
+              <a:endParaRPr lang="fr-FR"/>
             </a:p>
           </p:txBody>
         </p:sp>
       </p:grpSp>
     </p:spTree>
-    <p:extLst>
-      <p:ext uri="{BB962C8B-B14F-4D97-AF65-F5344CB8AC3E}">
-        <p14:creationId xmlns:p14="http://schemas.microsoft.com/office/powerpoint/2010/main" val="4125932167"/>
-      </p:ext>
-    </p:extLst>
   </p:cSld>
   <p:clrMapOvr>
     <a:masterClrMapping/>
   </p:clrMapOvr>
-  <mc:AlternateContent xmlns:mc="http://schemas.openxmlformats.org/markup-compatibility/2006" xmlns:p159="http://schemas.microsoft.com/office/powerpoint/2015/09/main">
-    <mc:Choice Requires="p159">
-      <p:transition xmlns:p14="http://schemas.microsoft.com/office/powerpoint/2010/main" spd="slow" p14:dur="2000">
+  <mc:AlternateContent xmlns:mc="http://schemas.openxmlformats.org/markup-compatibility/2006">
+    <mc:Choice xmlns:p159="http://schemas.microsoft.com/office/powerpoint/2015/09/main" xmlns:p14="http://schemas.microsoft.com/office/powerpoint/2010/main" Requires="p159">
+      <p:transition spd="slow" p14:dur="2000" advClick="1">
         <p159:morph option="byObject"/>
       </p:transition>
     </mc:Choice>
-    <mc:Fallback xmlns="">
-      <p:transition spd="slow">
+    <mc:Fallback>
+      <p:transition spd="slow" advClick="1">
         <p:fade/>
       </p:transition>
     </mc:Fallback>
@@ -4702,20 +4410,17 @@
 </file>
 
 <file path=ppt/slides/slide2.xml><?xml version="1.0" encoding="utf-8"?>
-<p:sld xmlns:a="http://schemas.openxmlformats.org/drawingml/2006/main" xmlns:r="http://schemas.openxmlformats.org/officeDocument/2006/relationships" xmlns:p="http://schemas.openxmlformats.org/presentationml/2006/main">
-  <p:cSld>
+<p:sld xmlns:a="http://schemas.openxmlformats.org/drawingml/2006/main" xmlns:r="http://schemas.openxmlformats.org/officeDocument/2006/relationships" xmlns:p="http://schemas.openxmlformats.org/presentationml/2006/main" xmlns:m="http://schemas.openxmlformats.org/officeDocument/2006/math" xmlns:w="http://schemas.openxmlformats.org/wordprocessingml/2006/main" showMasterPhAnim="0" show="1">
+  <p:cSld name="">
     <p:bg>
-      <p:bgPr>
-        <a:blipFill dpi="0" rotWithShape="1">
-          <a:blip r:embed="rId2">
+      <p:bgPr shadeToTitle="0">
+        <a:blipFill>
+          <a:blip r:embed="rId3">
             <a:lum/>
           </a:blip>
-          <a:srcRect/>
-          <a:stretch>
-            <a:fillRect t="-10000" b="-10000"/>
-          </a:stretch>
+          <a:srcRect l="0" t="8333" r="0" b="8333"/>
+          <a:stretch/>
         </a:blipFill>
-        <a:effectLst/>
       </p:bgPr>
     </p:bg>
     <p:spTree>
@@ -4724,7 +4429,7 @@
         <p:cNvGrpSpPr/>
         <p:nvPr/>
       </p:nvGrpSpPr>
-      <p:grpSpPr>
+      <p:grpSpPr bwMode="auto">
         <a:xfrm>
           <a:off x="0" y="0"/>
           <a:ext cx="0" cy="0"/>
@@ -4734,17 +4439,11 @@
       </p:grpSpPr>
       <p:sp>
         <p:nvSpPr>
-          <p:cNvPr id="21" name="Rectangle 20">
-            <a:extLst>
-              <a:ext uri="{FF2B5EF4-FFF2-40B4-BE49-F238E27FC236}">
-                <a16:creationId xmlns:a16="http://schemas.microsoft.com/office/drawing/2014/main" id="{886C5363-3C03-D3CC-6B3C-51F19B254C28}"/>
-              </a:ext>
-            </a:extLst>
-          </p:cNvPr>
+          <p:cNvPr id="21" name="Rectangle 20"/>
           <p:cNvSpPr/>
           <p:nvPr/>
         </p:nvSpPr>
-        <p:spPr>
+        <p:spPr bwMode="auto">
           <a:xfrm>
             <a:off x="0" y="0"/>
             <a:ext cx="12192000" cy="6858000"/>
@@ -4752,7 +4451,7 @@
           <a:prstGeom prst="rect">
             <a:avLst/>
           </a:prstGeom>
-          <a:gradFill flip="none" rotWithShape="1">
+          <a:gradFill>
             <a:gsLst>
               <a:gs pos="0">
                 <a:schemeClr val="tx1"/>
@@ -4764,7 +4463,6 @@
               </a:gs>
             </a:gsLst>
             <a:lin ang="0" scaled="1"/>
-            <a:tileRect/>
           </a:gradFill>
         </p:spPr>
         <p:style>
@@ -4787,24 +4485,20 @@
           <a:bodyPr rtlCol="0" anchor="ctr"/>
           <a:lstStyle/>
           <a:p>
-            <a:pPr algn="ctr"/>
+            <a:pPr algn="ctr">
+              <a:defRPr/>
+            </a:pPr>
             <a:endParaRPr lang="fr-FR"/>
           </a:p>
         </p:txBody>
       </p:sp>
       <p:sp>
         <p:nvSpPr>
-          <p:cNvPr id="22" name="ZoneTexte 21">
-            <a:extLst>
-              <a:ext uri="{FF2B5EF4-FFF2-40B4-BE49-F238E27FC236}">
-                <a16:creationId xmlns:a16="http://schemas.microsoft.com/office/drawing/2014/main" id="{6B365D12-2AF5-AD81-4753-DD261966C39D}"/>
-              </a:ext>
-            </a:extLst>
-          </p:cNvPr>
+          <p:cNvPr id="22" name="ZoneTexte 21"/>
           <p:cNvSpPr txBox="1"/>
           <p:nvPr/>
         </p:nvSpPr>
-        <p:spPr>
+        <p:spPr bwMode="auto">
           <a:xfrm>
             <a:off x="300929" y="441663"/>
             <a:ext cx="8294431" cy="830997"/>
@@ -4820,42 +4514,40 @@
           </a:bodyPr>
           <a:lstStyle/>
           <a:p>
-            <a:r>
-              <a:rPr lang="fr-FR" sz="4800" b="1" dirty="0" err="1">
+            <a:pPr>
+              <a:defRPr/>
+            </a:pPr>
+            <a:r>
+              <a:rPr lang="fr-FR" sz="4800" b="1">
                 <a:solidFill>
                   <a:schemeClr val="bg1"/>
                 </a:solidFill>
-                <a:latin typeface="Courier New" panose="02070309020205020404" pitchFamily="49" charset="0"/>
-                <a:cs typeface="Courier New" panose="02070309020205020404" pitchFamily="49" charset="0"/>
+                <a:latin typeface="Courier New"/>
+                <a:cs typeface="Courier New"/>
               </a:rPr>
               <a:t>JestJS</a:t>
             </a:r>
             <a:r>
-              <a:rPr lang="fr-FR" sz="3200" b="1" dirty="0">
+              <a:rPr lang="fr-FR" sz="3200" b="1">
                 <a:solidFill>
                   <a:schemeClr val="bg1"/>
                 </a:solidFill>
-                <a:latin typeface="Courier New" panose="02070309020205020404" pitchFamily="49" charset="0"/>
-                <a:cs typeface="Courier New" panose="02070309020205020404" pitchFamily="49" charset="0"/>
+                <a:latin typeface="Courier New"/>
+                <a:cs typeface="Courier New"/>
               </a:rPr>
               <a:t>, pourquoi s’en servir ?</a:t>
             </a:r>
-          </a:p>
-        </p:txBody>
-      </p:sp>
-      <p:sp>
-        <p:nvSpPr>
-          <p:cNvPr id="23" name="ZoneTexte 22">
-            <a:extLst>
-              <a:ext uri="{FF2B5EF4-FFF2-40B4-BE49-F238E27FC236}">
-                <a16:creationId xmlns:a16="http://schemas.microsoft.com/office/drawing/2014/main" id="{5A8B0A5B-AFA3-A693-8C10-CB382FD28B47}"/>
-              </a:ext>
-            </a:extLst>
-          </p:cNvPr>
+            <a:endParaRPr/>
+          </a:p>
+        </p:txBody>
+      </p:sp>
+      <p:sp>
+        <p:nvSpPr>
+          <p:cNvPr id="23" name="ZoneTexte 22"/>
           <p:cNvSpPr txBox="1"/>
           <p:nvPr/>
         </p:nvSpPr>
-        <p:spPr>
+        <p:spPr bwMode="auto">
           <a:xfrm>
             <a:off x="843853" y="2136338"/>
             <a:ext cx="5442647" cy="3416320"/>
@@ -4871,133 +4563,162 @@
           </a:bodyPr>
           <a:lstStyle/>
           <a:p>
-            <a:r>
-              <a:rPr lang="fr-FR" dirty="0">
+            <a:pPr>
+              <a:defRPr/>
+            </a:pPr>
+            <a:r>
+              <a:rPr lang="fr-FR">
                 <a:solidFill>
                   <a:schemeClr val="bg1"/>
                 </a:solidFill>
-                <a:latin typeface="Montserrat bold" panose="00000800000000000000" pitchFamily="2" charset="0"/>
+                <a:latin typeface="Montserrat bold"/>
               </a:rPr>
               <a:t>- Gain de temps</a:t>
             </a:r>
-          </a:p>
-          <a:p>
-            <a:endParaRPr lang="fr-FR" dirty="0">
+            <a:endParaRPr/>
+          </a:p>
+          <a:p>
+            <a:pPr>
+              <a:defRPr/>
+            </a:pPr>
+            <a:endParaRPr lang="fr-FR">
               <a:solidFill>
                 <a:schemeClr val="bg1"/>
               </a:solidFill>
-              <a:latin typeface="Montserrat bold" panose="00000800000000000000" pitchFamily="2" charset="0"/>
+              <a:latin typeface="Montserrat bold"/>
             </a:endParaRPr>
           </a:p>
           <a:p>
-            <a:r>
-              <a:rPr lang="fr-FR" dirty="0">
+            <a:pPr>
+              <a:defRPr/>
+            </a:pPr>
+            <a:r>
+              <a:rPr lang="fr-FR">
                 <a:solidFill>
                   <a:schemeClr val="bg1"/>
                 </a:solidFill>
-                <a:latin typeface="Montserrat bold" panose="00000800000000000000" pitchFamily="2" charset="0"/>
+                <a:latin typeface="Montserrat bold"/>
               </a:rPr>
               <a:t>- Mise à jour du code facilité</a:t>
             </a:r>
-          </a:p>
-          <a:p>
-            <a:endParaRPr lang="fr-FR" dirty="0">
+            <a:endParaRPr/>
+          </a:p>
+          <a:p>
+            <a:pPr>
+              <a:defRPr/>
+            </a:pPr>
+            <a:endParaRPr lang="fr-FR">
               <a:solidFill>
                 <a:schemeClr val="bg1"/>
               </a:solidFill>
-              <a:latin typeface="Montserrat bold" panose="00000800000000000000" pitchFamily="2" charset="0"/>
+              <a:latin typeface="Montserrat bold"/>
             </a:endParaRPr>
           </a:p>
           <a:p>
-            <a:r>
-              <a:rPr lang="fr-FR" dirty="0">
+            <a:pPr>
+              <a:defRPr/>
+            </a:pPr>
+            <a:r>
+              <a:rPr lang="fr-FR">
                 <a:solidFill>
                   <a:schemeClr val="bg1"/>
                 </a:solidFill>
-                <a:latin typeface="Montserrat bold" panose="00000800000000000000" pitchFamily="2" charset="0"/>
+                <a:latin typeface="Montserrat bold"/>
               </a:rPr>
               <a:t>- Assurer un code fiable</a:t>
             </a:r>
-          </a:p>
-          <a:p>
-            <a:endParaRPr lang="fr-FR" dirty="0">
+            <a:endParaRPr/>
+          </a:p>
+          <a:p>
+            <a:pPr>
+              <a:defRPr/>
+            </a:pPr>
+            <a:endParaRPr lang="fr-FR">
               <a:solidFill>
                 <a:schemeClr val="bg1"/>
               </a:solidFill>
-              <a:latin typeface="Montserrat bold" panose="00000800000000000000" pitchFamily="2" charset="0"/>
+              <a:latin typeface="Montserrat bold"/>
             </a:endParaRPr>
           </a:p>
           <a:p>
-            <a:r>
-              <a:rPr lang="fr-FR" dirty="0">
+            <a:pPr>
+              <a:defRPr/>
+            </a:pPr>
+            <a:r>
+              <a:rPr lang="fr-FR">
                 <a:solidFill>
                   <a:schemeClr val="bg1"/>
                 </a:solidFill>
-                <a:latin typeface="Montserrat bold" panose="00000800000000000000" pitchFamily="2" charset="0"/>
+                <a:latin typeface="Montserrat bold"/>
               </a:rPr>
               <a:t>- Tester une quantité  de cas plus importante plus rapidement</a:t>
             </a:r>
-          </a:p>
-          <a:p>
-            <a:endParaRPr lang="fr-FR" dirty="0">
+            <a:endParaRPr/>
+          </a:p>
+          <a:p>
+            <a:pPr>
+              <a:defRPr/>
+            </a:pPr>
+            <a:endParaRPr lang="fr-FR">
               <a:solidFill>
                 <a:schemeClr val="bg1"/>
               </a:solidFill>
-              <a:latin typeface="Montserrat bold" panose="00000800000000000000" pitchFamily="2" charset="0"/>
+              <a:latin typeface="Montserrat bold"/>
             </a:endParaRPr>
           </a:p>
           <a:p>
-            <a:r>
-              <a:rPr lang="fr-FR" dirty="0">
+            <a:pPr>
+              <a:defRPr/>
+            </a:pPr>
+            <a:r>
+              <a:rPr lang="fr-FR">
                 <a:solidFill>
                   <a:schemeClr val="bg1"/>
                 </a:solidFill>
-                <a:latin typeface="Montserrat bold" panose="00000800000000000000" pitchFamily="2" charset="0"/>
+                <a:latin typeface="Montserrat bold"/>
               </a:rPr>
               <a:t>- Eviter les effets de bords (snapshot </a:t>
             </a:r>
             <a:r>
-              <a:rPr lang="fr-FR" dirty="0" err="1">
+              <a:rPr lang="fr-FR">
                 <a:solidFill>
                   <a:schemeClr val="bg1"/>
                 </a:solidFill>
-                <a:latin typeface="Montserrat bold" panose="00000800000000000000" pitchFamily="2" charset="0"/>
+                <a:latin typeface="Montserrat bold"/>
               </a:rPr>
               <a:t>testing</a:t>
             </a:r>
             <a:r>
-              <a:rPr lang="fr-FR" dirty="0">
+              <a:rPr lang="fr-FR">
                 <a:solidFill>
                   <a:schemeClr val="bg1"/>
                 </a:solidFill>
-                <a:latin typeface="Montserrat bold" panose="00000800000000000000" pitchFamily="2" charset="0"/>
+                <a:latin typeface="Montserrat bold"/>
               </a:rPr>
               <a:t>)</a:t>
             </a:r>
-          </a:p>
-          <a:p>
-            <a:endParaRPr lang="fr-FR" dirty="0">
+            <a:endParaRPr/>
+          </a:p>
+          <a:p>
+            <a:pPr>
+              <a:defRPr/>
+            </a:pPr>
+            <a:endParaRPr lang="fr-FR">
               <a:solidFill>
                 <a:schemeClr val="bg1"/>
               </a:solidFill>
-              <a:latin typeface="Montserrat bold" panose="00000800000000000000" pitchFamily="2" charset="0"/>
+              <a:latin typeface="Montserrat bold"/>
             </a:endParaRPr>
           </a:p>
         </p:txBody>
       </p:sp>
       <p:grpSp>
         <p:nvGrpSpPr>
-          <p:cNvPr id="4" name="Groupe 3">
-            <a:extLst>
-              <a:ext uri="{FF2B5EF4-FFF2-40B4-BE49-F238E27FC236}">
-                <a16:creationId xmlns:a16="http://schemas.microsoft.com/office/drawing/2014/main" id="{DBC8CBD1-D1C2-0DEF-47A8-D2F166F84BF1}"/>
-              </a:ext>
-            </a:extLst>
-          </p:cNvPr>
+          <p:cNvPr id="4" name="Groupe 3"/>
           <p:cNvGrpSpPr/>
           <p:nvPr/>
         </p:nvGrpSpPr>
-        <p:grpSpPr>
+        <p:grpSpPr bwMode="auto">
           <a:xfrm>
             <a:off x="7549910" y="1623917"/>
             <a:ext cx="3982807" cy="4155780"/>
@@ -5007,19 +4728,13 @@
         </p:grpSpPr>
         <p:sp useBgFill="1">
           <p:nvSpPr>
-            <p:cNvPr id="16" name="Rectangle : coins arrondis 15">
-              <a:extLst>
-                <a:ext uri="{FF2B5EF4-FFF2-40B4-BE49-F238E27FC236}">
-                  <a16:creationId xmlns:a16="http://schemas.microsoft.com/office/drawing/2014/main" id="{D7212756-B812-EF30-D93F-E096A71CF07D}"/>
-                </a:ext>
-              </a:extLst>
-            </p:cNvPr>
+            <p:cNvPr id="16" name="Rectangle : coins arrondis 15"/>
             <p:cNvSpPr/>
             <p:nvPr/>
           </p:nvSpPr>
-          <p:spPr>
+          <p:spPr bwMode="auto">
             <a:xfrm>
-              <a:off x="5048250" y="1839713"/>
+              <a:off x="5048250" y="1839712"/>
               <a:ext cx="857250" cy="4280012"/>
             </a:xfrm>
             <a:prstGeom prst="roundRect">
@@ -5056,24 +4771,20 @@
             <a:bodyPr rtlCol="0" anchor="ctr"/>
             <a:lstStyle/>
             <a:p>
-              <a:pPr algn="ctr"/>
-              <a:endParaRPr lang="fr-FR" dirty="0"/>
+              <a:pPr algn="ctr">
+                <a:defRPr/>
+              </a:pPr>
+              <a:endParaRPr lang="fr-FR"/>
             </a:p>
           </p:txBody>
         </p:sp>
         <p:sp useBgFill="1">
           <p:nvSpPr>
-            <p:cNvPr id="17" name="Rectangle : coins arrondis 16">
-              <a:extLst>
-                <a:ext uri="{FF2B5EF4-FFF2-40B4-BE49-F238E27FC236}">
-                  <a16:creationId xmlns:a16="http://schemas.microsoft.com/office/drawing/2014/main" id="{AA745235-3F47-7F54-98B3-01DC4C8F685A}"/>
-                </a:ext>
-              </a:extLst>
-            </p:cNvPr>
+            <p:cNvPr id="17" name="Rectangle : coins arrondis 16"/>
             <p:cNvSpPr/>
             <p:nvPr/>
           </p:nvSpPr>
-          <p:spPr>
+          <p:spPr bwMode="auto">
             <a:xfrm>
               <a:off x="7680214" y="1839712"/>
               <a:ext cx="857250" cy="4271575"/>
@@ -5112,24 +4823,20 @@
             <a:bodyPr rtlCol="0" anchor="ctr"/>
             <a:lstStyle/>
             <a:p>
-              <a:pPr algn="ctr"/>
+              <a:pPr algn="ctr">
+                <a:defRPr/>
+              </a:pPr>
               <a:endParaRPr lang="fr-FR"/>
             </a:p>
           </p:txBody>
         </p:sp>
         <p:sp useBgFill="1">
           <p:nvSpPr>
-            <p:cNvPr id="18" name="Rectangle : coins arrondis 17">
-              <a:extLst>
-                <a:ext uri="{FF2B5EF4-FFF2-40B4-BE49-F238E27FC236}">
-                  <a16:creationId xmlns:a16="http://schemas.microsoft.com/office/drawing/2014/main" id="{4EC73F3B-E62B-1070-8BD3-DF372FCA0CAA}"/>
-                </a:ext>
-              </a:extLst>
-            </p:cNvPr>
+            <p:cNvPr id="18" name="Rectangle : coins arrondis 17"/>
             <p:cNvSpPr/>
             <p:nvPr/>
           </p:nvSpPr>
-          <p:spPr>
+          <p:spPr bwMode="auto">
             <a:xfrm>
               <a:off x="6364232" y="1454649"/>
               <a:ext cx="857250" cy="6247117"/>
@@ -5168,24 +4875,20 @@
             <a:bodyPr rtlCol="0" anchor="ctr"/>
             <a:lstStyle/>
             <a:p>
-              <a:pPr algn="ctr"/>
+              <a:pPr algn="ctr">
+                <a:defRPr/>
+              </a:pPr>
               <a:endParaRPr lang="fr-FR"/>
             </a:p>
           </p:txBody>
         </p:sp>
         <p:sp useBgFill="1">
           <p:nvSpPr>
-            <p:cNvPr id="19" name="Rectangle : coins arrondis 18">
-              <a:extLst>
-                <a:ext uri="{FF2B5EF4-FFF2-40B4-BE49-F238E27FC236}">
-                  <a16:creationId xmlns:a16="http://schemas.microsoft.com/office/drawing/2014/main" id="{53A5911C-502A-7671-9A5B-09AEED9B0E1C}"/>
-                </a:ext>
-              </a:extLst>
-            </p:cNvPr>
+            <p:cNvPr id="19" name="Rectangle : coins arrondis 18"/>
             <p:cNvSpPr/>
             <p:nvPr/>
           </p:nvSpPr>
-          <p:spPr>
+          <p:spPr bwMode="auto">
             <a:xfrm>
               <a:off x="9047565" y="1831275"/>
               <a:ext cx="767352" cy="4280012"/>
@@ -5224,26 +4927,22 @@
             <a:bodyPr rtlCol="0" anchor="ctr"/>
             <a:lstStyle/>
             <a:p>
-              <a:pPr algn="ctr"/>
-              <a:endParaRPr lang="fr-FR" dirty="0"/>
+              <a:pPr algn="ctr">
+                <a:defRPr/>
+              </a:pPr>
+              <a:endParaRPr lang="fr-FR"/>
             </a:p>
           </p:txBody>
         </p:sp>
         <p:sp useBgFill="1">
           <p:nvSpPr>
-            <p:cNvPr id="20" name="Rectangle : coins arrondis 19">
-              <a:extLst>
-                <a:ext uri="{FF2B5EF4-FFF2-40B4-BE49-F238E27FC236}">
-                  <a16:creationId xmlns:a16="http://schemas.microsoft.com/office/drawing/2014/main" id="{0082D39A-8116-AAFC-519F-0DF3078F8EEE}"/>
-                </a:ext>
-              </a:extLst>
-            </p:cNvPr>
+            <p:cNvPr id="20" name="Rectangle : coins arrondis 19"/>
             <p:cNvSpPr/>
             <p:nvPr/>
           </p:nvSpPr>
-          <p:spPr>
+          <p:spPr bwMode="auto">
             <a:xfrm>
-              <a:off x="10267994" y="1839435"/>
+              <a:off x="10267993" y="1839435"/>
               <a:ext cx="767352" cy="4271852"/>
             </a:xfrm>
             <a:prstGeom prst="roundRect">
@@ -5280,30 +4979,27 @@
             <a:bodyPr rtlCol="0" anchor="ctr"/>
             <a:lstStyle/>
             <a:p>
-              <a:pPr algn="ctr"/>
-              <a:endParaRPr lang="fr-FR" dirty="0"/>
+              <a:pPr algn="ctr">
+                <a:defRPr/>
+              </a:pPr>
+              <a:endParaRPr lang="fr-FR"/>
             </a:p>
           </p:txBody>
         </p:sp>
       </p:grpSp>
     </p:spTree>
-    <p:extLst>
-      <p:ext uri="{BB962C8B-B14F-4D97-AF65-F5344CB8AC3E}">
-        <p14:creationId xmlns:p14="http://schemas.microsoft.com/office/powerpoint/2010/main" val="1878956140"/>
-      </p:ext>
-    </p:extLst>
   </p:cSld>
   <p:clrMapOvr>
     <a:masterClrMapping/>
   </p:clrMapOvr>
-  <mc:AlternateContent xmlns:mc="http://schemas.openxmlformats.org/markup-compatibility/2006" xmlns:p159="http://schemas.microsoft.com/office/powerpoint/2015/09/main">
-    <mc:Choice Requires="p159">
-      <p:transition xmlns:p14="http://schemas.microsoft.com/office/powerpoint/2010/main" spd="slow" p14:dur="2000">
+  <mc:AlternateContent xmlns:mc="http://schemas.openxmlformats.org/markup-compatibility/2006">
+    <mc:Choice xmlns:p159="http://schemas.microsoft.com/office/powerpoint/2015/09/main" xmlns:p14="http://schemas.microsoft.com/office/powerpoint/2010/main" Requires="p159">
+      <p:transition spd="slow" p14:dur="2000" advClick="1">
         <p159:morph option="byObject"/>
       </p:transition>
     </mc:Choice>
-    <mc:Fallback xmlns="">
-      <p:transition spd="slow">
+    <mc:Fallback>
+      <p:transition spd="slow" advClick="1">
         <p:fade/>
       </p:transition>
     </mc:Fallback>
@@ -5312,20 +5008,17 @@
 </file>
 
 <file path=ppt/slides/slide3.xml><?xml version="1.0" encoding="utf-8"?>
-<p:sld xmlns:a="http://schemas.openxmlformats.org/drawingml/2006/main" xmlns:r="http://schemas.openxmlformats.org/officeDocument/2006/relationships" xmlns:p="http://schemas.openxmlformats.org/presentationml/2006/main">
-  <p:cSld>
+<p:sld xmlns:a="http://schemas.openxmlformats.org/drawingml/2006/main" xmlns:r="http://schemas.openxmlformats.org/officeDocument/2006/relationships" xmlns:p="http://schemas.openxmlformats.org/presentationml/2006/main" xmlns:m="http://schemas.openxmlformats.org/officeDocument/2006/math" xmlns:w="http://schemas.openxmlformats.org/wordprocessingml/2006/main" showMasterPhAnim="0" show="1">
+  <p:cSld name="">
     <p:bg>
-      <p:bgPr>
-        <a:blipFill dpi="0" rotWithShape="1">
-          <a:blip r:embed="rId2">
+      <p:bgPr shadeToTitle="0">
+        <a:blipFill>
+          <a:blip r:embed="rId3">
             <a:lum/>
           </a:blip>
-          <a:srcRect/>
-          <a:stretch>
-            <a:fillRect t="-10000" b="-10000"/>
-          </a:stretch>
+          <a:srcRect l="0" t="8333" r="0" b="8333"/>
+          <a:stretch/>
         </a:blipFill>
-        <a:effectLst/>
       </p:bgPr>
     </p:bg>
     <p:spTree>
@@ -5334,7 +5027,7 @@
         <p:cNvGrpSpPr/>
         <p:nvPr/>
       </p:nvGrpSpPr>
-      <p:grpSpPr>
+      <p:grpSpPr bwMode="auto">
         <a:xfrm>
           <a:off x="0" y="0"/>
           <a:ext cx="0" cy="0"/>
@@ -5344,17 +5037,11 @@
       </p:grpSpPr>
       <p:sp>
         <p:nvSpPr>
-          <p:cNvPr id="21" name="Rectangle 20">
-            <a:extLst>
-              <a:ext uri="{FF2B5EF4-FFF2-40B4-BE49-F238E27FC236}">
-                <a16:creationId xmlns:a16="http://schemas.microsoft.com/office/drawing/2014/main" id="{886C5363-3C03-D3CC-6B3C-51F19B254C28}"/>
-              </a:ext>
-            </a:extLst>
-          </p:cNvPr>
+          <p:cNvPr id="21" name="Rectangle 20"/>
           <p:cNvSpPr/>
           <p:nvPr/>
         </p:nvSpPr>
-        <p:spPr>
+        <p:spPr bwMode="auto">
           <a:xfrm>
             <a:off x="0" y="0"/>
             <a:ext cx="12192000" cy="6858000"/>
@@ -5362,7 +5049,7 @@
           <a:prstGeom prst="rect">
             <a:avLst/>
           </a:prstGeom>
-          <a:gradFill flip="none" rotWithShape="1">
+          <a:gradFill>
             <a:gsLst>
               <a:gs pos="0">
                 <a:schemeClr val="tx1"/>
@@ -5374,7 +5061,6 @@
               </a:gs>
             </a:gsLst>
             <a:lin ang="0" scaled="1"/>
-            <a:tileRect/>
           </a:gradFill>
         </p:spPr>
         <p:style>
@@ -5397,27 +5083,23 @@
           <a:bodyPr rtlCol="0" anchor="ctr"/>
           <a:lstStyle/>
           <a:p>
-            <a:pPr algn="ctr"/>
+            <a:pPr algn="ctr">
+              <a:defRPr/>
+            </a:pPr>
             <a:endParaRPr lang="fr-FR"/>
           </a:p>
         </p:txBody>
       </p:sp>
       <p:sp>
         <p:nvSpPr>
-          <p:cNvPr id="22" name="ZoneTexte 21">
-            <a:extLst>
-              <a:ext uri="{FF2B5EF4-FFF2-40B4-BE49-F238E27FC236}">
-                <a16:creationId xmlns:a16="http://schemas.microsoft.com/office/drawing/2014/main" id="{6B365D12-2AF5-AD81-4753-DD261966C39D}"/>
-              </a:ext>
-            </a:extLst>
-          </p:cNvPr>
+          <p:cNvPr id="22" name="ZoneTexte 21"/>
           <p:cNvSpPr txBox="1"/>
           <p:nvPr/>
         </p:nvSpPr>
-        <p:spPr>
+        <p:spPr bwMode="auto">
           <a:xfrm>
-            <a:off x="300929" y="441663"/>
-            <a:ext cx="8242996" cy="830997"/>
+            <a:off x="300928" y="441662"/>
+            <a:ext cx="8244075" cy="823319"/>
           </a:xfrm>
           <a:prstGeom prst="rect">
             <a:avLst/>
@@ -5430,55 +5112,53 @@
           </a:bodyPr>
           <a:lstStyle/>
           <a:p>
-            <a:r>
-              <a:rPr lang="fr-FR" sz="4800" b="1" dirty="0" err="1">
+            <a:pPr>
+              <a:defRPr/>
+            </a:pPr>
+            <a:r>
+              <a:rPr lang="fr-FR" sz="4800" b="1">
                 <a:solidFill>
                   <a:schemeClr val="bg1"/>
                 </a:solidFill>
-                <a:latin typeface="Courier New" panose="02070309020205020404" pitchFamily="49" charset="0"/>
-                <a:cs typeface="Courier New" panose="02070309020205020404" pitchFamily="49" charset="0"/>
+                <a:latin typeface="Courier New"/>
+                <a:cs typeface="Courier New"/>
               </a:rPr>
               <a:t>JestJS</a:t>
             </a:r>
             <a:r>
-              <a:rPr lang="fr-FR" sz="3200" b="1" dirty="0" err="1">
+              <a:rPr lang="fr-FR" sz="3200" b="1">
                 <a:solidFill>
                   <a:schemeClr val="bg1"/>
                 </a:solidFill>
-                <a:latin typeface="Courier New" panose="02070309020205020404" pitchFamily="49" charset="0"/>
-                <a:cs typeface="Courier New" panose="02070309020205020404" pitchFamily="49" charset="0"/>
+                <a:latin typeface="Courier New"/>
+                <a:cs typeface="Courier New"/>
               </a:rPr>
-              <a:t>,à</a:t>
-            </a:r>
-            <a:r>
-              <a:rPr lang="fr-FR" sz="3200" b="1" dirty="0">
+              <a:t>, à</a:t>
+            </a:r>
+            <a:r>
+              <a:rPr lang="fr-FR" sz="3200" b="1">
                 <a:solidFill>
                   <a:schemeClr val="bg1"/>
                 </a:solidFill>
-                <a:latin typeface="Courier New" panose="02070309020205020404" pitchFamily="49" charset="0"/>
-                <a:cs typeface="Courier New" panose="02070309020205020404" pitchFamily="49" charset="0"/>
+                <a:latin typeface="Courier New"/>
+                <a:cs typeface="Courier New"/>
               </a:rPr>
               <a:t> quoi ça sert ?</a:t>
             </a:r>
-          </a:p>
-        </p:txBody>
-      </p:sp>
-      <p:sp>
-        <p:nvSpPr>
-          <p:cNvPr id="23" name="ZoneTexte 22">
-            <a:extLst>
-              <a:ext uri="{FF2B5EF4-FFF2-40B4-BE49-F238E27FC236}">
-                <a16:creationId xmlns:a16="http://schemas.microsoft.com/office/drawing/2014/main" id="{5A8B0A5B-AFA3-A693-8C10-CB382FD28B47}"/>
-              </a:ext>
-            </a:extLst>
-          </p:cNvPr>
+            <a:endParaRPr/>
+          </a:p>
+        </p:txBody>
+      </p:sp>
+      <p:sp>
+        <p:nvSpPr>
+          <p:cNvPr id="23" name="ZoneTexte 22"/>
           <p:cNvSpPr txBox="1"/>
           <p:nvPr/>
         </p:nvSpPr>
-        <p:spPr>
+        <p:spPr bwMode="auto">
           <a:xfrm>
-            <a:off x="843854" y="2136338"/>
-            <a:ext cx="3689352" cy="2585323"/>
+            <a:off x="843853" y="1474879"/>
+            <a:ext cx="3690432" cy="2286359"/>
           </a:xfrm>
           <a:prstGeom prst="rect">
             <a:avLst/>
@@ -5491,30 +5171,40 @@
           </a:bodyPr>
           <a:lstStyle/>
           <a:p>
-            <a:r>
-              <a:rPr lang="fr-FR" sz="1800" b="1" dirty="0">
+            <a:pPr>
+              <a:defRPr/>
+            </a:pPr>
+            <a:r>
+              <a:rPr lang="fr-FR" sz="1800" b="1">
                 <a:solidFill>
                   <a:schemeClr val="bg1"/>
                 </a:solidFill>
-                <a:latin typeface="Montserrat" panose="00000500000000000000" pitchFamily="2" charset="0"/>
+                <a:latin typeface="Montserrat"/>
               </a:rPr>
-              <a:t>test unitaire : </a:t>
-            </a:r>
-          </a:p>
-          <a:p>
-            <a:r>
-              <a:rPr lang="fr-FR" sz="1800" b="0" i="0" dirty="0">
+              <a:t>Test unitaire : </a:t>
+            </a:r>
+            <a:endParaRPr/>
+          </a:p>
+          <a:p>
+            <a:pPr>
+              <a:defRPr/>
+            </a:pPr>
+            <a:r>
+              <a:rPr lang="fr-FR" sz="1800" b="0" i="0">
                 <a:solidFill>
                   <a:schemeClr val="bg1"/>
                 </a:solidFill>
-                <a:effectLst/>
                 <a:latin typeface="Söhne"/>
               </a:rPr>
               <a:t>Les tests unitaires sont des morceaux de code qui vérifient une petite partie spécifique d'un programme pour s'assurer qu'elle fonctionne correctement</a:t>
             </a:r>
-          </a:p>
-          <a:p>
-            <a:endParaRPr lang="fr-FR" sz="1800" dirty="0">
+            <a:endParaRPr/>
+          </a:p>
+          <a:p>
+            <a:pPr>
+              <a:defRPr/>
+            </a:pPr>
+            <a:endParaRPr lang="fr-FR" sz="1800" b="1">
               <a:solidFill>
                 <a:schemeClr val="bg1"/>
               </a:solidFill>
@@ -5522,16 +5212,11 @@
             </a:endParaRPr>
           </a:p>
           <a:p>
-            <a:endParaRPr lang="fr-FR" sz="1800" b="1" dirty="0">
-              <a:solidFill>
-                <a:schemeClr val="bg1"/>
-              </a:solidFill>
-              <a:latin typeface="Söhne"/>
-            </a:endParaRPr>
-          </a:p>
-          <a:p>
-            <a:r>
-              <a:rPr lang="fr-FR" dirty="0" err="1">
+            <a:pPr>
+              <a:defRPr/>
+            </a:pPr>
+            <a:r>
+              <a:rPr lang="fr-FR">
                 <a:solidFill>
                   <a:schemeClr val="bg1"/>
                 </a:solidFill>
@@ -5540,7 +5225,7 @@
               <a:t>ChatGPT</a:t>
             </a:r>
             <a:r>
-              <a:rPr lang="fr-FR" dirty="0">
+              <a:rPr lang="fr-FR">
                 <a:solidFill>
                   <a:schemeClr val="bg1"/>
                 </a:solidFill>
@@ -5548,30 +5233,24 @@
               </a:rPr>
               <a:t> 26/12/2023</a:t>
             </a:r>
-            <a:endParaRPr lang="fr-FR" dirty="0">
+            <a:endParaRPr lang="fr-FR">
               <a:solidFill>
                 <a:schemeClr val="bg1"/>
               </a:solidFill>
-              <a:latin typeface="Montserrat" panose="00000500000000000000" pitchFamily="2" charset="0"/>
+              <a:latin typeface="Montserrat"/>
             </a:endParaRPr>
           </a:p>
         </p:txBody>
       </p:sp>
       <p:grpSp>
         <p:nvGrpSpPr>
-          <p:cNvPr id="4" name="Groupe 3">
-            <a:extLst>
-              <a:ext uri="{FF2B5EF4-FFF2-40B4-BE49-F238E27FC236}">
-                <a16:creationId xmlns:a16="http://schemas.microsoft.com/office/drawing/2014/main" id="{DBC8CBD1-D1C2-0DEF-47A8-D2F166F84BF1}"/>
-              </a:ext>
-            </a:extLst>
-          </p:cNvPr>
+          <p:cNvPr id="4" name="Groupe 3"/>
           <p:cNvGrpSpPr/>
           <p:nvPr/>
         </p:nvGrpSpPr>
-        <p:grpSpPr>
+        <p:grpSpPr bwMode="auto">
           <a:xfrm>
-            <a:off x="7549910" y="1623916"/>
+            <a:off x="7549910" y="1623915"/>
             <a:ext cx="3986568" cy="4155782"/>
             <a:chOff x="5048250" y="1454647"/>
             <a:chExt cx="5992750" cy="6247119"/>
@@ -5579,19 +5258,13 @@
         </p:grpSpPr>
         <p:sp useBgFill="1">
           <p:nvSpPr>
-            <p:cNvPr id="16" name="Rectangle : coins arrondis 15">
-              <a:extLst>
-                <a:ext uri="{FF2B5EF4-FFF2-40B4-BE49-F238E27FC236}">
-                  <a16:creationId xmlns:a16="http://schemas.microsoft.com/office/drawing/2014/main" id="{D7212756-B812-EF30-D93F-E096A71CF07D}"/>
-                </a:ext>
-              </a:extLst>
-            </p:cNvPr>
+            <p:cNvPr id="16" name="Rectangle : coins arrondis 15"/>
             <p:cNvSpPr/>
             <p:nvPr/>
           </p:nvSpPr>
-          <p:spPr>
+          <p:spPr bwMode="auto">
             <a:xfrm>
-              <a:off x="5048250" y="1839713"/>
+              <a:off x="5048250" y="1839712"/>
               <a:ext cx="857250" cy="4280012"/>
             </a:xfrm>
             <a:prstGeom prst="roundRect">
@@ -5628,24 +5301,20 @@
             <a:bodyPr rtlCol="0" anchor="ctr"/>
             <a:lstStyle/>
             <a:p>
-              <a:pPr algn="ctr"/>
-              <a:endParaRPr lang="fr-FR" dirty="0"/>
+              <a:pPr algn="ctr">
+                <a:defRPr/>
+              </a:pPr>
+              <a:endParaRPr lang="fr-FR"/>
             </a:p>
           </p:txBody>
         </p:sp>
         <p:sp useBgFill="1">
           <p:nvSpPr>
-            <p:cNvPr id="17" name="Rectangle : coins arrondis 16">
-              <a:extLst>
-                <a:ext uri="{FF2B5EF4-FFF2-40B4-BE49-F238E27FC236}">
-                  <a16:creationId xmlns:a16="http://schemas.microsoft.com/office/drawing/2014/main" id="{AA745235-3F47-7F54-98B3-01DC4C8F685A}"/>
-                </a:ext>
-              </a:extLst>
-            </p:cNvPr>
+            <p:cNvPr id="17" name="Rectangle : coins arrondis 16"/>
             <p:cNvSpPr/>
             <p:nvPr/>
           </p:nvSpPr>
-          <p:spPr>
+          <p:spPr bwMode="auto">
             <a:xfrm>
               <a:off x="7680214" y="1454647"/>
               <a:ext cx="857250" cy="6247119"/>
@@ -5684,26 +5353,22 @@
             <a:bodyPr rtlCol="0" anchor="ctr"/>
             <a:lstStyle/>
             <a:p>
-              <a:pPr algn="ctr"/>
+              <a:pPr algn="ctr">
+                <a:defRPr/>
+              </a:pPr>
               <a:endParaRPr lang="fr-FR"/>
             </a:p>
           </p:txBody>
         </p:sp>
         <p:sp useBgFill="1">
           <p:nvSpPr>
-            <p:cNvPr id="18" name="Rectangle : coins arrondis 17">
-              <a:extLst>
-                <a:ext uri="{FF2B5EF4-FFF2-40B4-BE49-F238E27FC236}">
-                  <a16:creationId xmlns:a16="http://schemas.microsoft.com/office/drawing/2014/main" id="{4EC73F3B-E62B-1070-8BD3-DF372FCA0CAA}"/>
-                </a:ext>
-              </a:extLst>
-            </p:cNvPr>
+            <p:cNvPr id="18" name="Rectangle : coins arrondis 17"/>
             <p:cNvSpPr/>
             <p:nvPr/>
           </p:nvSpPr>
-          <p:spPr>
+          <p:spPr bwMode="auto">
             <a:xfrm>
-              <a:off x="6364095" y="1839713"/>
+              <a:off x="6364095" y="1839712"/>
               <a:ext cx="857250" cy="4271574"/>
             </a:xfrm>
             <a:prstGeom prst="roundRect">
@@ -5740,26 +5405,22 @@
             <a:bodyPr rtlCol="0" anchor="ctr"/>
             <a:lstStyle/>
             <a:p>
-              <a:pPr algn="ctr"/>
-              <a:endParaRPr lang="fr-FR" dirty="0"/>
+              <a:pPr algn="ctr">
+                <a:defRPr/>
+              </a:pPr>
+              <a:endParaRPr lang="fr-FR"/>
             </a:p>
           </p:txBody>
         </p:sp>
         <p:sp useBgFill="1">
           <p:nvSpPr>
-            <p:cNvPr id="19" name="Rectangle : coins arrondis 18">
-              <a:extLst>
-                <a:ext uri="{FF2B5EF4-FFF2-40B4-BE49-F238E27FC236}">
-                  <a16:creationId xmlns:a16="http://schemas.microsoft.com/office/drawing/2014/main" id="{53A5911C-502A-7671-9A5B-09AEED9B0E1C}"/>
-                </a:ext>
-              </a:extLst>
-            </p:cNvPr>
+            <p:cNvPr id="19" name="Rectangle : coins arrondis 18"/>
             <p:cNvSpPr/>
             <p:nvPr/>
           </p:nvSpPr>
-          <p:spPr>
+          <p:spPr bwMode="auto">
             <a:xfrm>
-              <a:off x="8996195" y="1839713"/>
+              <a:off x="8996195" y="1839712"/>
               <a:ext cx="818721" cy="4280012"/>
             </a:xfrm>
             <a:prstGeom prst="roundRect">
@@ -5796,26 +5457,22 @@
             <a:bodyPr rtlCol="0" anchor="ctr"/>
             <a:lstStyle/>
             <a:p>
-              <a:pPr algn="ctr"/>
+              <a:pPr algn="ctr">
+                <a:defRPr/>
+              </a:pPr>
               <a:endParaRPr lang="fr-FR"/>
             </a:p>
           </p:txBody>
         </p:sp>
         <p:sp useBgFill="1">
           <p:nvSpPr>
-            <p:cNvPr id="20" name="Rectangle : coins arrondis 19">
-              <a:extLst>
-                <a:ext uri="{FF2B5EF4-FFF2-40B4-BE49-F238E27FC236}">
-                  <a16:creationId xmlns:a16="http://schemas.microsoft.com/office/drawing/2014/main" id="{0082D39A-8116-AAFC-519F-0DF3078F8EEE}"/>
-                </a:ext>
-              </a:extLst>
-            </p:cNvPr>
+            <p:cNvPr id="20" name="Rectangle : coins arrondis 19"/>
             <p:cNvSpPr/>
             <p:nvPr/>
           </p:nvSpPr>
-          <p:spPr>
+          <p:spPr bwMode="auto">
             <a:xfrm>
-              <a:off x="10183750" y="1839713"/>
+              <a:off x="10183750" y="1839712"/>
               <a:ext cx="857250" cy="4280012"/>
             </a:xfrm>
             <a:prstGeom prst="roundRect">
@@ -5852,30 +5509,126 @@
             <a:bodyPr rtlCol="0" anchor="ctr"/>
             <a:lstStyle/>
             <a:p>
-              <a:pPr algn="ctr"/>
-              <a:endParaRPr lang="fr-FR" dirty="0"/>
+              <a:pPr algn="ctr">
+                <a:defRPr/>
+              </a:pPr>
+              <a:endParaRPr lang="fr-FR"/>
             </a:p>
           </p:txBody>
         </p:sp>
       </p:grpSp>
+      <p:sp>
+        <p:nvSpPr>
+          <p:cNvPr id="195465473" name="ZoneTexte 22"/>
+          <p:cNvSpPr txBox="1"/>
+          <p:nvPr/>
+        </p:nvSpPr>
+        <p:spPr bwMode="auto">
+          <a:xfrm flipH="0" flipV="0">
+            <a:off x="744899" y="4167278"/>
+            <a:ext cx="3736512" cy="2012039"/>
+          </a:xfrm>
+          <a:prstGeom prst="rect">
+            <a:avLst/>
+          </a:prstGeom>
+          <a:noFill/>
+        </p:spPr>
+        <p:txBody>
+          <a:bodyPr wrap="square" rtlCol="0">
+            <a:spAutoFit/>
+          </a:bodyPr>
+          <a:lstStyle/>
+          <a:p>
+            <a:pPr>
+              <a:defRPr/>
+            </a:pPr>
+            <a:r>
+              <a:rPr lang="fr-FR" sz="1800" b="1">
+                <a:solidFill>
+                  <a:schemeClr val="bg1"/>
+                </a:solidFill>
+                <a:latin typeface="Söhne"/>
+                <a:ea typeface="Söhne"/>
+                <a:cs typeface="Söhne"/>
+              </a:rPr>
+              <a:t>Snapshot : </a:t>
+            </a:r>
+            <a:endParaRPr>
+              <a:latin typeface="Söhne"/>
+              <a:cs typeface="Söhne"/>
+            </a:endParaRPr>
+          </a:p>
+          <a:p>
+            <a:pPr>
+              <a:defRPr/>
+            </a:pPr>
+            <a:r>
+              <a:rPr>
+                <a:solidFill>
+                  <a:schemeClr val="bg1"/>
+                </a:solidFill>
+                <a:latin typeface="Söhne"/>
+                <a:ea typeface="Söhne"/>
+                <a:cs typeface="Söhne"/>
+              </a:rPr>
+              <a:t>Capture de résultats d’une fonction pour les comparer à des résultats ultérieurs</a:t>
+            </a:r>
+            <a:endParaRPr>
+              <a:latin typeface="Söhne"/>
+              <a:cs typeface="Söhne"/>
+            </a:endParaRPr>
+          </a:p>
+          <a:p>
+            <a:pPr>
+              <a:defRPr/>
+            </a:pPr>
+            <a:endParaRPr sz="1800">
+              <a:solidFill>
+                <a:schemeClr val="bg1"/>
+              </a:solidFill>
+              <a:latin typeface="Söhne"/>
+              <a:cs typeface="Söhne"/>
+            </a:endParaRPr>
+          </a:p>
+          <a:p>
+            <a:pPr>
+              <a:defRPr/>
+            </a:pPr>
+            <a:endParaRPr sz="1800" b="1">
+              <a:solidFill>
+                <a:schemeClr val="bg1"/>
+              </a:solidFill>
+              <a:latin typeface="Söhne"/>
+              <a:cs typeface="Söhne"/>
+            </a:endParaRPr>
+          </a:p>
+          <a:p>
+            <a:pPr>
+              <a:defRPr/>
+            </a:pPr>
+            <a:endParaRPr>
+              <a:solidFill>
+                <a:schemeClr val="bg1"/>
+              </a:solidFill>
+              <a:latin typeface="Söhne"/>
+              <a:cs typeface="Söhne"/>
+            </a:endParaRPr>
+          </a:p>
+        </p:txBody>
+      </p:sp>
     </p:spTree>
-    <p:extLst>
-      <p:ext uri="{BB962C8B-B14F-4D97-AF65-F5344CB8AC3E}">
-        <p14:creationId xmlns:p14="http://schemas.microsoft.com/office/powerpoint/2010/main" val="2785922369"/>
-      </p:ext>
-    </p:extLst>
   </p:cSld>
   <p:clrMapOvr>
     <a:masterClrMapping/>
   </p:clrMapOvr>
-  <mc:AlternateContent xmlns:mc="http://schemas.openxmlformats.org/markup-compatibility/2006" xmlns:p159="http://schemas.microsoft.com/office/powerpoint/2015/09/main">
-    <mc:Choice Requires="p159">
-      <p:transition xmlns:p14="http://schemas.microsoft.com/office/powerpoint/2010/main" spd="slow" p14:dur="2000">
+  <mc:AlternateContent xmlns:mc="http://schemas.openxmlformats.org/markup-compatibility/2006">
+    <mc:Choice xmlns:p159="http://schemas.microsoft.com/office/powerpoint/2015/09/main" xmlns:p14="http://schemas.microsoft.com/office/powerpoint/2010/main" Requires="p159">
+      <p:transition spd="slow" p14:dur="2000" advClick="1">
         <p159:morph option="byObject"/>
       </p:transition>
     </mc:Choice>
-    <mc:Fallback xmlns="">
-      <p:transition spd="slow">
+    <mc:Fallback>
+      <p:transition spd="slow" advClick="1">
         <p:fade/>
       </p:transition>
     </mc:Fallback>
@@ -5884,20 +5637,17 @@
 </file>
 
 <file path=ppt/slides/slide4.xml><?xml version="1.0" encoding="utf-8"?>
-<p:sld xmlns:a="http://schemas.openxmlformats.org/drawingml/2006/main" xmlns:r="http://schemas.openxmlformats.org/officeDocument/2006/relationships" xmlns:p="http://schemas.openxmlformats.org/presentationml/2006/main">
-  <p:cSld>
+<p:sld xmlns:a="http://schemas.openxmlformats.org/drawingml/2006/main" xmlns:r="http://schemas.openxmlformats.org/officeDocument/2006/relationships" xmlns:p="http://schemas.openxmlformats.org/presentationml/2006/main" xmlns:m="http://schemas.openxmlformats.org/officeDocument/2006/math" xmlns:w="http://schemas.openxmlformats.org/wordprocessingml/2006/main" showMasterPhAnim="0" show="1">
+  <p:cSld name="">
     <p:bg>
-      <p:bgPr>
-        <a:blipFill dpi="0" rotWithShape="1">
-          <a:blip r:embed="rId2">
+      <p:bgPr shadeToTitle="0">
+        <a:blipFill>
+          <a:blip r:embed="rId3">
             <a:lum/>
           </a:blip>
-          <a:srcRect/>
-          <a:stretch>
-            <a:fillRect t="-10000" b="-10000"/>
-          </a:stretch>
+          <a:srcRect l="0" t="8333" r="0" b="8333"/>
+          <a:stretch/>
         </a:blipFill>
-        <a:effectLst/>
       </p:bgPr>
     </p:bg>
     <p:spTree>
@@ -5906,7 +5656,7 @@
         <p:cNvGrpSpPr/>
         <p:nvPr/>
       </p:nvGrpSpPr>
-      <p:grpSpPr>
+      <p:grpSpPr bwMode="auto">
         <a:xfrm>
           <a:off x="0" y="0"/>
           <a:ext cx="0" cy="0"/>
@@ -5916,17 +5666,11 @@
       </p:grpSpPr>
       <p:sp>
         <p:nvSpPr>
-          <p:cNvPr id="21" name="Rectangle 20">
-            <a:extLst>
-              <a:ext uri="{FF2B5EF4-FFF2-40B4-BE49-F238E27FC236}">
-                <a16:creationId xmlns:a16="http://schemas.microsoft.com/office/drawing/2014/main" id="{886C5363-3C03-D3CC-6B3C-51F19B254C28}"/>
-              </a:ext>
-            </a:extLst>
-          </p:cNvPr>
+          <p:cNvPr id="21" name="Rectangle 20"/>
           <p:cNvSpPr/>
           <p:nvPr/>
         </p:nvSpPr>
-        <p:spPr>
+        <p:spPr bwMode="auto">
           <a:xfrm>
             <a:off x="0" y="0"/>
             <a:ext cx="12192000" cy="6858000"/>
@@ -5934,7 +5678,7 @@
           <a:prstGeom prst="rect">
             <a:avLst/>
           </a:prstGeom>
-          <a:gradFill flip="none" rotWithShape="1">
+          <a:gradFill>
             <a:gsLst>
               <a:gs pos="0">
                 <a:schemeClr val="tx1"/>
@@ -5946,7 +5690,6 @@
               </a:gs>
             </a:gsLst>
             <a:lin ang="0" scaled="1"/>
-            <a:tileRect/>
           </a:gradFill>
         </p:spPr>
         <p:style>
@@ -5969,24 +5712,20 @@
           <a:bodyPr rtlCol="0" anchor="ctr"/>
           <a:lstStyle/>
           <a:p>
-            <a:pPr algn="ctr"/>
+            <a:pPr algn="ctr">
+              <a:defRPr/>
+            </a:pPr>
             <a:endParaRPr lang="fr-FR"/>
           </a:p>
         </p:txBody>
       </p:sp>
       <p:sp>
         <p:nvSpPr>
-          <p:cNvPr id="23" name="ZoneTexte 22">
-            <a:extLst>
-              <a:ext uri="{FF2B5EF4-FFF2-40B4-BE49-F238E27FC236}">
-                <a16:creationId xmlns:a16="http://schemas.microsoft.com/office/drawing/2014/main" id="{5A8B0A5B-AFA3-A693-8C10-CB382FD28B47}"/>
-              </a:ext>
-            </a:extLst>
-          </p:cNvPr>
+          <p:cNvPr id="23" name="ZoneTexte 22"/>
           <p:cNvSpPr txBox="1"/>
           <p:nvPr/>
         </p:nvSpPr>
-        <p:spPr>
+        <p:spPr bwMode="auto">
           <a:xfrm>
             <a:off x="843853" y="2136338"/>
             <a:ext cx="6137972" cy="2031325"/>
@@ -6002,174 +5741,191 @@
           </a:bodyPr>
           <a:lstStyle/>
           <a:p>
-            <a:r>
-              <a:rPr lang="fr-FR" dirty="0">
+            <a:pPr>
+              <a:defRPr/>
+            </a:pPr>
+            <a:r>
+              <a:rPr lang="fr-FR">
                 <a:solidFill>
                   <a:schemeClr val="bg1"/>
                 </a:solidFill>
-                <a:latin typeface="Montserrat bold" panose="00000800000000000000" pitchFamily="2" charset="0"/>
+                <a:latin typeface="Montserrat bold"/>
               </a:rPr>
               <a:t>Etape 1 : </a:t>
             </a:r>
             <a:r>
-              <a:rPr lang="fr-FR" dirty="0" err="1">
+              <a:rPr lang="fr-FR">
                 <a:solidFill>
                   <a:schemeClr val="bg1"/>
                 </a:solidFill>
-                <a:latin typeface="Montserrat bold" panose="00000800000000000000" pitchFamily="2" charset="0"/>
+                <a:latin typeface="Montserrat bold"/>
               </a:rPr>
               <a:t>npm</a:t>
             </a:r>
             <a:r>
-              <a:rPr lang="fr-FR" dirty="0">
+              <a:rPr lang="fr-FR">
                 <a:solidFill>
                   <a:schemeClr val="bg1"/>
                 </a:solidFill>
-                <a:latin typeface="Montserrat bold" panose="00000800000000000000" pitchFamily="2" charset="0"/>
+                <a:latin typeface="Montserrat bold"/>
               </a:rPr>
               <a:t> </a:t>
             </a:r>
             <a:r>
-              <a:rPr lang="fr-FR" dirty="0" err="1">
+              <a:rPr lang="fr-FR">
                 <a:solidFill>
                   <a:schemeClr val="bg1"/>
                 </a:solidFill>
-                <a:latin typeface="Montserrat bold" panose="00000800000000000000" pitchFamily="2" charset="0"/>
+                <a:latin typeface="Montserrat bold"/>
               </a:rPr>
               <a:t>install</a:t>
             </a:r>
             <a:r>
-              <a:rPr lang="fr-FR" dirty="0">
+              <a:rPr lang="fr-FR">
                 <a:solidFill>
                   <a:schemeClr val="bg1"/>
                 </a:solidFill>
-                <a:latin typeface="Montserrat bold" panose="00000800000000000000" pitchFamily="2" charset="0"/>
+                <a:latin typeface="Montserrat bold"/>
               </a:rPr>
               <a:t> –-</a:t>
             </a:r>
             <a:r>
-              <a:rPr lang="fr-FR" dirty="0" err="1">
+              <a:rPr lang="fr-FR">
                 <a:solidFill>
                   <a:schemeClr val="bg1"/>
                 </a:solidFill>
-                <a:latin typeface="Montserrat bold" panose="00000800000000000000" pitchFamily="2" charset="0"/>
+                <a:latin typeface="Montserrat bold"/>
               </a:rPr>
               <a:t>save</a:t>
             </a:r>
             <a:r>
-              <a:rPr lang="fr-FR" dirty="0">
+              <a:rPr lang="fr-FR">
                 <a:solidFill>
                   <a:schemeClr val="bg1"/>
                 </a:solidFill>
-                <a:latin typeface="Montserrat bold" panose="00000800000000000000" pitchFamily="2" charset="0"/>
+                <a:latin typeface="Montserrat bold"/>
               </a:rPr>
               <a:t>-dev </a:t>
             </a:r>
             <a:r>
-              <a:rPr lang="fr-FR" dirty="0" err="1">
+              <a:rPr lang="fr-FR">
                 <a:solidFill>
                   <a:schemeClr val="bg1"/>
                 </a:solidFill>
-                <a:latin typeface="Montserrat bold" panose="00000800000000000000" pitchFamily="2" charset="0"/>
+                <a:latin typeface="Montserrat bold"/>
               </a:rPr>
               <a:t>jest</a:t>
             </a:r>
-            <a:endParaRPr lang="fr-FR" dirty="0">
+            <a:endParaRPr lang="fr-FR">
               <a:solidFill>
                 <a:schemeClr val="bg1"/>
               </a:solidFill>
-              <a:latin typeface="Montserrat bold" panose="00000800000000000000" pitchFamily="2" charset="0"/>
+              <a:latin typeface="Montserrat bold"/>
             </a:endParaRPr>
           </a:p>
           <a:p>
-            <a:endParaRPr lang="fr-FR" dirty="0">
+            <a:pPr>
+              <a:defRPr/>
+            </a:pPr>
+            <a:endParaRPr lang="fr-FR">
               <a:solidFill>
                 <a:schemeClr val="bg1"/>
               </a:solidFill>
-              <a:latin typeface="Montserrat bold" panose="00000800000000000000" pitchFamily="2" charset="0"/>
+              <a:latin typeface="Montserrat bold"/>
             </a:endParaRPr>
           </a:p>
           <a:p>
-            <a:r>
-              <a:rPr lang="fr-FR" dirty="0">
+            <a:pPr>
+              <a:defRPr/>
+            </a:pPr>
+            <a:r>
+              <a:rPr lang="fr-FR">
                 <a:solidFill>
                   <a:schemeClr val="bg1"/>
                 </a:solidFill>
-                <a:latin typeface="Montserrat bold" panose="00000800000000000000" pitchFamily="2" charset="0"/>
+                <a:latin typeface="Montserrat bold"/>
               </a:rPr>
               <a:t>Etape 2 :  ajouter le script au </a:t>
             </a:r>
             <a:r>
-              <a:rPr lang="fr-FR" dirty="0" err="1">
+              <a:rPr lang="fr-FR">
                 <a:solidFill>
                   <a:schemeClr val="bg1"/>
                 </a:solidFill>
-                <a:latin typeface="Montserrat bold" panose="00000800000000000000" pitchFamily="2" charset="0"/>
+                <a:latin typeface="Montserrat bold"/>
               </a:rPr>
               <a:t>package.json</a:t>
             </a:r>
-            <a:endParaRPr lang="fr-FR" dirty="0">
+            <a:endParaRPr lang="fr-FR">
               <a:solidFill>
                 <a:schemeClr val="bg1"/>
               </a:solidFill>
-              <a:latin typeface="Montserrat bold" panose="00000800000000000000" pitchFamily="2" charset="0"/>
+              <a:latin typeface="Montserrat bold"/>
             </a:endParaRPr>
           </a:p>
           <a:p>
-            <a:endParaRPr lang="fr-FR" dirty="0">
+            <a:pPr>
+              <a:defRPr/>
+            </a:pPr>
+            <a:endParaRPr lang="fr-FR">
               <a:solidFill>
                 <a:schemeClr val="bg1"/>
               </a:solidFill>
-              <a:latin typeface="Montserrat bold" panose="00000800000000000000" pitchFamily="2" charset="0"/>
+              <a:latin typeface="Montserrat bold"/>
             </a:endParaRPr>
           </a:p>
           <a:p>
-            <a:r>
-              <a:rPr lang="fr-FR" dirty="0">
+            <a:pPr>
+              <a:defRPr/>
+            </a:pPr>
+            <a:r>
+              <a:rPr lang="fr-FR">
                 <a:solidFill>
                   <a:schemeClr val="bg1"/>
                 </a:solidFill>
-                <a:latin typeface="Montserrat bold" panose="00000800000000000000" pitchFamily="2" charset="0"/>
+                <a:latin typeface="Montserrat bold"/>
               </a:rPr>
               <a:t>Etape 3 : modifier les fichiers de test (optionnel)</a:t>
             </a:r>
-          </a:p>
-          <a:p>
-            <a:endParaRPr lang="fr-FR" dirty="0">
+            <a:endParaRPr/>
+          </a:p>
+          <a:p>
+            <a:pPr>
+              <a:defRPr/>
+            </a:pPr>
+            <a:endParaRPr lang="fr-FR">
               <a:solidFill>
                 <a:schemeClr val="bg1"/>
               </a:solidFill>
-              <a:latin typeface="Montserrat bold" panose="00000800000000000000" pitchFamily="2" charset="0"/>
+              <a:latin typeface="Montserrat bold"/>
             </a:endParaRPr>
           </a:p>
           <a:p>
-            <a:r>
-              <a:rPr lang="fr-FR" dirty="0">
+            <a:pPr>
+              <a:defRPr/>
+            </a:pPr>
+            <a:r>
+              <a:rPr lang="fr-FR">
                 <a:solidFill>
                   <a:schemeClr val="bg1"/>
                 </a:solidFill>
-                <a:latin typeface="Montserrat bold" panose="00000800000000000000" pitchFamily="2" charset="0"/>
+                <a:latin typeface="Montserrat bold"/>
               </a:rPr>
               <a:t>Etape 4 : démarrer vos premiers tests !</a:t>
             </a:r>
+            <a:endParaRPr/>
           </a:p>
         </p:txBody>
       </p:sp>
       <p:grpSp>
         <p:nvGrpSpPr>
-          <p:cNvPr id="4" name="Groupe 3">
-            <a:extLst>
-              <a:ext uri="{FF2B5EF4-FFF2-40B4-BE49-F238E27FC236}">
-                <a16:creationId xmlns:a16="http://schemas.microsoft.com/office/drawing/2014/main" id="{DBC8CBD1-D1C2-0DEF-47A8-D2F166F84BF1}"/>
-              </a:ext>
-            </a:extLst>
-          </p:cNvPr>
+          <p:cNvPr id="4" name="Groupe 3"/>
           <p:cNvGrpSpPr/>
           <p:nvPr/>
         </p:nvGrpSpPr>
-        <p:grpSpPr>
+        <p:grpSpPr bwMode="auto">
           <a:xfrm>
-            <a:off x="7549910" y="1623916"/>
+            <a:off x="7549910" y="1623915"/>
             <a:ext cx="3986568" cy="4155782"/>
             <a:chOff x="5048250" y="1454647"/>
             <a:chExt cx="5992750" cy="6247119"/>
@@ -6177,19 +5933,13 @@
         </p:grpSpPr>
         <p:sp useBgFill="1">
           <p:nvSpPr>
-            <p:cNvPr id="16" name="Rectangle : coins arrondis 15">
-              <a:extLst>
-                <a:ext uri="{FF2B5EF4-FFF2-40B4-BE49-F238E27FC236}">
-                  <a16:creationId xmlns:a16="http://schemas.microsoft.com/office/drawing/2014/main" id="{D7212756-B812-EF30-D93F-E096A71CF07D}"/>
-                </a:ext>
-              </a:extLst>
-            </p:cNvPr>
+            <p:cNvPr id="16" name="Rectangle : coins arrondis 15"/>
             <p:cNvSpPr/>
             <p:nvPr/>
           </p:nvSpPr>
-          <p:spPr>
+          <p:spPr bwMode="auto">
             <a:xfrm>
-              <a:off x="5048250" y="1839713"/>
+              <a:off x="5048250" y="1839712"/>
               <a:ext cx="857250" cy="4280012"/>
             </a:xfrm>
             <a:prstGeom prst="roundRect">
@@ -6226,24 +5976,20 @@
             <a:bodyPr rtlCol="0" anchor="ctr"/>
             <a:lstStyle/>
             <a:p>
-              <a:pPr algn="ctr"/>
-              <a:endParaRPr lang="fr-FR" dirty="0"/>
+              <a:pPr algn="ctr">
+                <a:defRPr/>
+              </a:pPr>
+              <a:endParaRPr lang="fr-FR"/>
             </a:p>
           </p:txBody>
         </p:sp>
         <p:sp useBgFill="1">
           <p:nvSpPr>
-            <p:cNvPr id="17" name="Rectangle : coins arrondis 16">
-              <a:extLst>
-                <a:ext uri="{FF2B5EF4-FFF2-40B4-BE49-F238E27FC236}">
-                  <a16:creationId xmlns:a16="http://schemas.microsoft.com/office/drawing/2014/main" id="{AA745235-3F47-7F54-98B3-01DC4C8F685A}"/>
-                </a:ext>
-              </a:extLst>
-            </p:cNvPr>
+            <p:cNvPr id="17" name="Rectangle : coins arrondis 16"/>
             <p:cNvSpPr/>
             <p:nvPr/>
           </p:nvSpPr>
-          <p:spPr>
+          <p:spPr bwMode="auto">
             <a:xfrm>
               <a:off x="7675811" y="1835574"/>
               <a:ext cx="857250" cy="4280012"/>
@@ -6282,26 +6028,22 @@
             <a:bodyPr rtlCol="0" anchor="ctr"/>
             <a:lstStyle/>
             <a:p>
-              <a:pPr algn="ctr"/>
+              <a:pPr algn="ctr">
+                <a:defRPr/>
+              </a:pPr>
               <a:endParaRPr lang="fr-FR"/>
             </a:p>
           </p:txBody>
         </p:sp>
         <p:sp useBgFill="1">
           <p:nvSpPr>
-            <p:cNvPr id="18" name="Rectangle : coins arrondis 17">
-              <a:extLst>
-                <a:ext uri="{FF2B5EF4-FFF2-40B4-BE49-F238E27FC236}">
-                  <a16:creationId xmlns:a16="http://schemas.microsoft.com/office/drawing/2014/main" id="{4EC73F3B-E62B-1070-8BD3-DF372FCA0CAA}"/>
-                </a:ext>
-              </a:extLst>
-            </p:cNvPr>
+            <p:cNvPr id="18" name="Rectangle : coins arrondis 17"/>
             <p:cNvSpPr/>
             <p:nvPr/>
           </p:nvSpPr>
-          <p:spPr>
+          <p:spPr bwMode="auto">
             <a:xfrm>
-              <a:off x="6366434" y="1839713"/>
+              <a:off x="6366434" y="1839712"/>
               <a:ext cx="857250" cy="4280012"/>
             </a:xfrm>
             <a:prstGeom prst="roundRect">
@@ -6338,24 +6080,20 @@
             <a:bodyPr rtlCol="0" anchor="ctr"/>
             <a:lstStyle/>
             <a:p>
-              <a:pPr algn="ctr"/>
+              <a:pPr algn="ctr">
+                <a:defRPr/>
+              </a:pPr>
               <a:endParaRPr lang="fr-FR"/>
             </a:p>
           </p:txBody>
         </p:sp>
         <p:sp useBgFill="1">
           <p:nvSpPr>
-            <p:cNvPr id="19" name="Rectangle : coins arrondis 18">
-              <a:extLst>
-                <a:ext uri="{FF2B5EF4-FFF2-40B4-BE49-F238E27FC236}">
-                  <a16:creationId xmlns:a16="http://schemas.microsoft.com/office/drawing/2014/main" id="{53A5911C-502A-7671-9A5B-09AEED9B0E1C}"/>
-                </a:ext>
-              </a:extLst>
-            </p:cNvPr>
+            <p:cNvPr id="19" name="Rectangle : coins arrondis 18"/>
             <p:cNvSpPr/>
             <p:nvPr/>
           </p:nvSpPr>
-          <p:spPr>
+          <p:spPr bwMode="auto">
             <a:xfrm>
               <a:off x="8993995" y="1454647"/>
               <a:ext cx="820923" cy="6247119"/>
@@ -6394,26 +6132,22 @@
             <a:bodyPr rtlCol="0" anchor="ctr"/>
             <a:lstStyle/>
             <a:p>
-              <a:pPr algn="ctr"/>
+              <a:pPr algn="ctr">
+                <a:defRPr/>
+              </a:pPr>
               <a:endParaRPr lang="fr-FR"/>
             </a:p>
           </p:txBody>
         </p:sp>
         <p:sp useBgFill="1">
           <p:nvSpPr>
-            <p:cNvPr id="20" name="Rectangle : coins arrondis 19">
-              <a:extLst>
-                <a:ext uri="{FF2B5EF4-FFF2-40B4-BE49-F238E27FC236}">
-                  <a16:creationId xmlns:a16="http://schemas.microsoft.com/office/drawing/2014/main" id="{0082D39A-8116-AAFC-519F-0DF3078F8EEE}"/>
-                </a:ext>
-              </a:extLst>
-            </p:cNvPr>
+            <p:cNvPr id="20" name="Rectangle : coins arrondis 19"/>
             <p:cNvSpPr/>
             <p:nvPr/>
           </p:nvSpPr>
-          <p:spPr>
+          <p:spPr bwMode="auto">
             <a:xfrm>
-              <a:off x="10183750" y="1839713"/>
+              <a:off x="10183750" y="1839712"/>
               <a:ext cx="857250" cy="4280012"/>
             </a:xfrm>
             <a:prstGeom prst="roundRect">
@@ -6450,25 +6184,21 @@
             <a:bodyPr rtlCol="0" anchor="ctr"/>
             <a:lstStyle/>
             <a:p>
-              <a:pPr algn="ctr"/>
-              <a:endParaRPr lang="fr-FR" dirty="0"/>
+              <a:pPr algn="ctr">
+                <a:defRPr/>
+              </a:pPr>
+              <a:endParaRPr lang="fr-FR"/>
             </a:p>
           </p:txBody>
         </p:sp>
       </p:grpSp>
       <p:sp>
         <p:nvSpPr>
-          <p:cNvPr id="2" name="ZoneTexte 1">
-            <a:extLst>
-              <a:ext uri="{FF2B5EF4-FFF2-40B4-BE49-F238E27FC236}">
-                <a16:creationId xmlns:a16="http://schemas.microsoft.com/office/drawing/2014/main" id="{62CA5152-5CA9-002F-7E26-100563C24FA4}"/>
-              </a:ext>
-            </a:extLst>
-          </p:cNvPr>
+          <p:cNvPr id="2" name="ZoneTexte 1"/>
           <p:cNvSpPr txBox="1"/>
           <p:nvPr/>
         </p:nvSpPr>
-        <p:spPr>
+        <p:spPr bwMode="auto">
           <a:xfrm>
             <a:off x="300929" y="441663"/>
             <a:ext cx="8242996" cy="830997"/>
@@ -6484,57 +6214,56 @@
           </a:bodyPr>
           <a:lstStyle/>
           <a:p>
-            <a:r>
-              <a:rPr lang="fr-FR" sz="4800" b="1" dirty="0" err="1">
+            <a:pPr>
+              <a:defRPr/>
+            </a:pPr>
+            <a:r>
+              <a:rPr lang="fr-FR" sz="4800" b="1">
                 <a:solidFill>
                   <a:schemeClr val="bg1"/>
                 </a:solidFill>
-                <a:latin typeface="Courier New" panose="02070309020205020404" pitchFamily="49" charset="0"/>
-                <a:cs typeface="Courier New" panose="02070309020205020404" pitchFamily="49" charset="0"/>
+                <a:latin typeface="Courier New"/>
+                <a:cs typeface="Courier New"/>
               </a:rPr>
               <a:t>JestJS</a:t>
             </a:r>
             <a:r>
-              <a:rPr lang="fr-FR" sz="3200" b="1" dirty="0" err="1">
+              <a:rPr lang="fr-FR" sz="3200" b="1">
                 <a:solidFill>
                   <a:schemeClr val="bg1"/>
                 </a:solidFill>
-                <a:latin typeface="Courier New" panose="02070309020205020404" pitchFamily="49" charset="0"/>
-                <a:cs typeface="Courier New" panose="02070309020205020404" pitchFamily="49" charset="0"/>
+                <a:latin typeface="Courier New"/>
+                <a:cs typeface="Courier New"/>
               </a:rPr>
               <a:t>,comment</a:t>
             </a:r>
             <a:r>
-              <a:rPr lang="fr-FR" sz="3200" b="1" dirty="0">
+              <a:rPr lang="fr-FR" sz="3200" b="1">
                 <a:solidFill>
                   <a:schemeClr val="bg1"/>
                 </a:solidFill>
-                <a:latin typeface="Courier New" panose="02070309020205020404" pitchFamily="49" charset="0"/>
-                <a:cs typeface="Courier New" panose="02070309020205020404" pitchFamily="49" charset="0"/>
+                <a:latin typeface="Courier New"/>
+                <a:cs typeface="Courier New"/>
               </a:rPr>
               <a:t> s’en servir ?</a:t>
             </a:r>
+            <a:endParaRPr/>
           </a:p>
         </p:txBody>
       </p:sp>
     </p:spTree>
-    <p:extLst>
-      <p:ext uri="{BB962C8B-B14F-4D97-AF65-F5344CB8AC3E}">
-        <p14:creationId xmlns:p14="http://schemas.microsoft.com/office/powerpoint/2010/main" val="1772243536"/>
-      </p:ext>
-    </p:extLst>
   </p:cSld>
   <p:clrMapOvr>
     <a:masterClrMapping/>
   </p:clrMapOvr>
-  <mc:AlternateContent xmlns:mc="http://schemas.openxmlformats.org/markup-compatibility/2006" xmlns:p159="http://schemas.microsoft.com/office/powerpoint/2015/09/main">
-    <mc:Choice Requires="p159">
-      <p:transition xmlns:p14="http://schemas.microsoft.com/office/powerpoint/2010/main" spd="slow" p14:dur="2000">
+  <mc:AlternateContent xmlns:mc="http://schemas.openxmlformats.org/markup-compatibility/2006">
+    <mc:Choice xmlns:p159="http://schemas.microsoft.com/office/powerpoint/2015/09/main" xmlns:p14="http://schemas.microsoft.com/office/powerpoint/2010/main" Requires="p159">
+      <p:transition spd="slow" p14:dur="2000" advClick="1">
         <p159:morph option="byObject"/>
       </p:transition>
     </mc:Choice>
-    <mc:Fallback xmlns="">
-      <p:transition spd="slow">
+    <mc:Fallback>
+      <p:transition spd="slow" advClick="1">
         <p:fade/>
       </p:transition>
     </mc:Fallback>
@@ -6543,20 +6272,17 @@
 </file>
 
 <file path=ppt/slides/slide5.xml><?xml version="1.0" encoding="utf-8"?>
-<p:sld xmlns:a="http://schemas.openxmlformats.org/drawingml/2006/main" xmlns:r="http://schemas.openxmlformats.org/officeDocument/2006/relationships" xmlns:p="http://schemas.openxmlformats.org/presentationml/2006/main">
-  <p:cSld>
+<p:sld xmlns:a="http://schemas.openxmlformats.org/drawingml/2006/main" xmlns:r="http://schemas.openxmlformats.org/officeDocument/2006/relationships" xmlns:p="http://schemas.openxmlformats.org/presentationml/2006/main" xmlns:m="http://schemas.openxmlformats.org/officeDocument/2006/math" xmlns:w="http://schemas.openxmlformats.org/wordprocessingml/2006/main" showMasterPhAnim="0" show="1">
+  <p:cSld name="">
     <p:bg>
-      <p:bgPr>
-        <a:blipFill dpi="0" rotWithShape="1">
-          <a:blip r:embed="rId2">
+      <p:bgPr shadeToTitle="0">
+        <a:blipFill>
+          <a:blip r:embed="rId3">
             <a:lum/>
           </a:blip>
-          <a:srcRect/>
-          <a:stretch>
-            <a:fillRect t="-10000" b="-10000"/>
-          </a:stretch>
+          <a:srcRect l="0" t="8333" r="0" b="8333"/>
+          <a:stretch/>
         </a:blipFill>
-        <a:effectLst/>
       </p:bgPr>
     </p:bg>
     <p:spTree>
@@ -6565,7 +6291,7 @@
         <p:cNvGrpSpPr/>
         <p:nvPr/>
       </p:nvGrpSpPr>
-      <p:grpSpPr>
+      <p:grpSpPr bwMode="auto">
         <a:xfrm>
           <a:off x="0" y="0"/>
           <a:ext cx="0" cy="0"/>
@@ -6575,17 +6301,11 @@
       </p:grpSpPr>
       <p:sp>
         <p:nvSpPr>
-          <p:cNvPr id="21" name="Rectangle 20">
-            <a:extLst>
-              <a:ext uri="{FF2B5EF4-FFF2-40B4-BE49-F238E27FC236}">
-                <a16:creationId xmlns:a16="http://schemas.microsoft.com/office/drawing/2014/main" id="{886C5363-3C03-D3CC-6B3C-51F19B254C28}"/>
-              </a:ext>
-            </a:extLst>
-          </p:cNvPr>
+          <p:cNvPr id="21" name="Rectangle 20"/>
           <p:cNvSpPr/>
           <p:nvPr/>
         </p:nvSpPr>
-        <p:spPr>
+        <p:spPr bwMode="auto">
           <a:xfrm>
             <a:off x="0" y="0"/>
             <a:ext cx="12192000" cy="6858000"/>
@@ -6593,7 +6313,7 @@
           <a:prstGeom prst="rect">
             <a:avLst/>
           </a:prstGeom>
-          <a:gradFill flip="none" rotWithShape="1">
+          <a:gradFill>
             <a:gsLst>
               <a:gs pos="0">
                 <a:schemeClr val="tx1"/>
@@ -6605,7 +6325,6 @@
               </a:gs>
             </a:gsLst>
             <a:lin ang="0" scaled="1"/>
-            <a:tileRect/>
           </a:gradFill>
         </p:spPr>
         <p:style>
@@ -6628,24 +6347,20 @@
           <a:bodyPr rtlCol="0" anchor="ctr"/>
           <a:lstStyle/>
           <a:p>
-            <a:pPr algn="ctr"/>
+            <a:pPr algn="ctr">
+              <a:defRPr/>
+            </a:pPr>
             <a:endParaRPr lang="fr-FR"/>
           </a:p>
         </p:txBody>
       </p:sp>
       <p:sp>
         <p:nvSpPr>
-          <p:cNvPr id="22" name="ZoneTexte 21">
-            <a:extLst>
-              <a:ext uri="{FF2B5EF4-FFF2-40B4-BE49-F238E27FC236}">
-                <a16:creationId xmlns:a16="http://schemas.microsoft.com/office/drawing/2014/main" id="{6B365D12-2AF5-AD81-4753-DD261966C39D}"/>
-              </a:ext>
-            </a:extLst>
-          </p:cNvPr>
+          <p:cNvPr id="22" name="ZoneTexte 21"/>
           <p:cNvSpPr txBox="1"/>
           <p:nvPr/>
         </p:nvSpPr>
-        <p:spPr>
+        <p:spPr bwMode="auto">
           <a:xfrm>
             <a:off x="300929" y="441663"/>
             <a:ext cx="7819251" cy="1323439"/>
@@ -6661,52 +6376,50 @@
           </a:bodyPr>
           <a:lstStyle/>
           <a:p>
-            <a:r>
-              <a:rPr lang="fr-FR" sz="4800" b="1" dirty="0" err="1">
+            <a:pPr>
+              <a:defRPr/>
+            </a:pPr>
+            <a:r>
+              <a:rPr lang="fr-FR" sz="4800" b="1">
                 <a:solidFill>
                   <a:schemeClr val="bg1"/>
                 </a:solidFill>
-                <a:latin typeface="Courier New" panose="02070309020205020404" pitchFamily="49" charset="0"/>
-                <a:cs typeface="Courier New" panose="02070309020205020404" pitchFamily="49" charset="0"/>
+                <a:latin typeface="Courier New"/>
+                <a:cs typeface="Courier New"/>
               </a:rPr>
               <a:t>JestJS</a:t>
             </a:r>
             <a:r>
-              <a:rPr lang="fr-FR" sz="3200" b="1" dirty="0" err="1">
+              <a:rPr lang="fr-FR" sz="3200" b="1">
                 <a:solidFill>
                   <a:schemeClr val="bg1"/>
                 </a:solidFill>
-                <a:latin typeface="Courier New" panose="02070309020205020404" pitchFamily="49" charset="0"/>
-                <a:cs typeface="Courier New" panose="02070309020205020404" pitchFamily="49" charset="0"/>
+                <a:latin typeface="Courier New"/>
+                <a:cs typeface="Courier New"/>
               </a:rPr>
               <a:t>,configuration</a:t>
             </a:r>
             <a:r>
-              <a:rPr lang="fr-FR" sz="3200" b="1" dirty="0">
+              <a:rPr lang="fr-FR" sz="3200" b="1">
                 <a:solidFill>
                   <a:schemeClr val="bg1"/>
                 </a:solidFill>
-                <a:latin typeface="Courier New" panose="02070309020205020404" pitchFamily="49" charset="0"/>
-                <a:cs typeface="Courier New" panose="02070309020205020404" pitchFamily="49" charset="0"/>
+                <a:latin typeface="Courier New"/>
+                <a:cs typeface="Courier New"/>
               </a:rPr>
               <a:t> avancée et options utiles </a:t>
             </a:r>
-          </a:p>
-        </p:txBody>
-      </p:sp>
-      <p:sp>
-        <p:nvSpPr>
-          <p:cNvPr id="23" name="ZoneTexte 22">
-            <a:extLst>
-              <a:ext uri="{FF2B5EF4-FFF2-40B4-BE49-F238E27FC236}">
-                <a16:creationId xmlns:a16="http://schemas.microsoft.com/office/drawing/2014/main" id="{5A8B0A5B-AFA3-A693-8C10-CB382FD28B47}"/>
-              </a:ext>
-            </a:extLst>
-          </p:cNvPr>
+            <a:endParaRPr/>
+          </a:p>
+        </p:txBody>
+      </p:sp>
+      <p:sp>
+        <p:nvSpPr>
+          <p:cNvPr id="23" name="ZoneTexte 22"/>
           <p:cNvSpPr txBox="1"/>
           <p:nvPr/>
         </p:nvSpPr>
-        <p:spPr>
+        <p:spPr bwMode="auto">
           <a:xfrm>
             <a:off x="843853" y="2136338"/>
             <a:ext cx="5442647" cy="2308324"/>
@@ -6723,146 +6436,152 @@
           <a:lstStyle/>
           <a:p>
             <a:pPr marL="285750" indent="-285750">
-              <a:buFont typeface="Arial" panose="020B0604020202020204" pitchFamily="34" charset="0"/>
+              <a:buFont typeface="Arial"/>
               <a:buChar char="•"/>
-            </a:pPr>
-            <a:r>
-              <a:rPr lang="fr-FR" dirty="0">
+              <a:defRPr/>
+            </a:pPr>
+            <a:r>
+              <a:rPr lang="fr-FR">
                 <a:solidFill>
                   <a:schemeClr val="bg1"/>
                 </a:solidFill>
-                <a:latin typeface="Montserrat bold" panose="00000800000000000000" pitchFamily="2" charset="0"/>
+                <a:latin typeface="Montserrat bold"/>
               </a:rPr>
               <a:t>Couverture du code </a:t>
             </a:r>
+            <a:endParaRPr/>
           </a:p>
           <a:p>
             <a:pPr marL="285750" indent="-285750">
-              <a:buFont typeface="Arial" panose="020B0604020202020204" pitchFamily="34" charset="0"/>
+              <a:buFont typeface="Arial"/>
               <a:buChar char="•"/>
-            </a:pPr>
-            <a:endParaRPr lang="fr-FR" dirty="0">
+              <a:defRPr/>
+            </a:pPr>
+            <a:endParaRPr lang="fr-FR">
               <a:solidFill>
                 <a:schemeClr val="bg1"/>
               </a:solidFill>
-              <a:latin typeface="Montserrat bold" panose="00000800000000000000" pitchFamily="2" charset="0"/>
+              <a:latin typeface="Montserrat bold"/>
             </a:endParaRPr>
           </a:p>
           <a:p>
             <a:pPr marL="285750" indent="-285750">
-              <a:buFont typeface="Arial" panose="020B0604020202020204" pitchFamily="34" charset="0"/>
+              <a:buFont typeface="Arial"/>
               <a:buChar char="•"/>
-            </a:pPr>
-            <a:r>
-              <a:rPr lang="fr-FR" dirty="0" err="1">
+              <a:defRPr/>
+            </a:pPr>
+            <a:r>
+              <a:rPr lang="fr-FR">
                 <a:solidFill>
                   <a:schemeClr val="bg1"/>
                 </a:solidFill>
-                <a:latin typeface="Montserrat bold" panose="00000800000000000000" pitchFamily="2" charset="0"/>
+                <a:latin typeface="Montserrat bold"/>
               </a:rPr>
               <a:t>Watching</a:t>
             </a:r>
-            <a:endParaRPr lang="fr-FR" dirty="0">
+            <a:endParaRPr lang="fr-FR">
               <a:solidFill>
                 <a:schemeClr val="bg1"/>
               </a:solidFill>
-              <a:latin typeface="Montserrat bold" panose="00000800000000000000" pitchFamily="2" charset="0"/>
+              <a:latin typeface="Montserrat bold"/>
             </a:endParaRPr>
           </a:p>
           <a:p>
             <a:pPr marL="285750" indent="-285750">
-              <a:buFont typeface="Arial" panose="020B0604020202020204" pitchFamily="34" charset="0"/>
+              <a:buFont typeface="Arial"/>
               <a:buChar char="•"/>
-            </a:pPr>
-            <a:endParaRPr lang="fr-FR" dirty="0">
+              <a:defRPr/>
+            </a:pPr>
+            <a:endParaRPr lang="fr-FR">
               <a:solidFill>
                 <a:schemeClr val="bg1"/>
               </a:solidFill>
-              <a:latin typeface="Montserrat bold" panose="00000800000000000000" pitchFamily="2" charset="0"/>
+              <a:latin typeface="Montserrat bold"/>
             </a:endParaRPr>
           </a:p>
           <a:p>
             <a:pPr marL="285750" indent="-285750">
-              <a:buFont typeface="Arial" panose="020B0604020202020204" pitchFamily="34" charset="0"/>
+              <a:buFont typeface="Arial"/>
               <a:buChar char="•"/>
-            </a:pPr>
-            <a:r>
-              <a:rPr lang="fr-FR" dirty="0" err="1">
+              <a:defRPr/>
+            </a:pPr>
+            <a:r>
+              <a:rPr lang="fr-FR">
                 <a:solidFill>
                   <a:schemeClr val="bg1"/>
                 </a:solidFill>
-                <a:latin typeface="Montserrat bold" panose="00000800000000000000" pitchFamily="2" charset="0"/>
+                <a:latin typeface="Montserrat bold"/>
               </a:rPr>
               <a:t>Snapchot</a:t>
             </a:r>
-            <a:endParaRPr lang="fr-FR" dirty="0">
+            <a:endParaRPr lang="fr-FR">
               <a:solidFill>
                 <a:schemeClr val="bg1"/>
               </a:solidFill>
-              <a:latin typeface="Montserrat bold" panose="00000800000000000000" pitchFamily="2" charset="0"/>
+              <a:latin typeface="Montserrat bold"/>
             </a:endParaRPr>
           </a:p>
           <a:p>
             <a:pPr marL="285750" indent="-285750">
-              <a:buFont typeface="Arial" panose="020B0604020202020204" pitchFamily="34" charset="0"/>
+              <a:buFont typeface="Arial"/>
               <a:buChar char="•"/>
-            </a:pPr>
-            <a:endParaRPr lang="fr-FR" dirty="0">
+              <a:defRPr/>
+            </a:pPr>
+            <a:endParaRPr lang="fr-FR">
               <a:solidFill>
                 <a:schemeClr val="bg1"/>
               </a:solidFill>
-              <a:latin typeface="Montserrat bold" panose="00000800000000000000" pitchFamily="2" charset="0"/>
+              <a:latin typeface="Montserrat bold"/>
             </a:endParaRPr>
           </a:p>
           <a:p>
             <a:pPr marL="285750" indent="-285750">
-              <a:buFont typeface="Arial" panose="020B0604020202020204" pitchFamily="34" charset="0"/>
+              <a:buFont typeface="Arial"/>
               <a:buChar char="•"/>
-            </a:pPr>
-            <a:r>
-              <a:rPr lang="fr-FR" dirty="0" err="1">
+              <a:defRPr/>
+            </a:pPr>
+            <a:r>
+              <a:rPr lang="fr-FR">
                 <a:solidFill>
                   <a:schemeClr val="bg1"/>
                 </a:solidFill>
-                <a:latin typeface="Montserrat bold" panose="00000800000000000000" pitchFamily="2" charset="0"/>
+                <a:latin typeface="Montserrat bold"/>
               </a:rPr>
               <a:t>Github</a:t>
             </a:r>
             <a:r>
-              <a:rPr lang="fr-FR" dirty="0">
+              <a:rPr lang="fr-FR">
                 <a:solidFill>
                   <a:schemeClr val="bg1"/>
                 </a:solidFill>
-                <a:latin typeface="Montserrat bold" panose="00000800000000000000" pitchFamily="2" charset="0"/>
+                <a:latin typeface="Montserrat bold"/>
               </a:rPr>
               <a:t> Actions</a:t>
             </a:r>
-          </a:p>
-          <a:p>
-            <a:endParaRPr lang="fr-FR" dirty="0">
+            <a:endParaRPr/>
+          </a:p>
+          <a:p>
+            <a:pPr>
+              <a:defRPr/>
+            </a:pPr>
+            <a:endParaRPr lang="fr-FR">
               <a:solidFill>
                 <a:schemeClr val="bg1"/>
               </a:solidFill>
-              <a:latin typeface="Montserrat bold" panose="00000800000000000000" pitchFamily="2" charset="0"/>
+              <a:latin typeface="Montserrat bold"/>
             </a:endParaRPr>
           </a:p>
         </p:txBody>
       </p:sp>
       <p:grpSp>
         <p:nvGrpSpPr>
-          <p:cNvPr id="4" name="Groupe 3">
-            <a:extLst>
-              <a:ext uri="{FF2B5EF4-FFF2-40B4-BE49-F238E27FC236}">
-                <a16:creationId xmlns:a16="http://schemas.microsoft.com/office/drawing/2014/main" id="{DBC8CBD1-D1C2-0DEF-47A8-D2F166F84BF1}"/>
-              </a:ext>
-            </a:extLst>
-          </p:cNvPr>
+          <p:cNvPr id="4" name="Groupe 3"/>
           <p:cNvGrpSpPr/>
           <p:nvPr/>
         </p:nvGrpSpPr>
-        <p:grpSpPr>
+        <p:grpSpPr bwMode="auto">
           <a:xfrm>
-            <a:off x="7549910" y="1623916"/>
+            <a:off x="7549910" y="1623915"/>
             <a:ext cx="3986568" cy="4155780"/>
             <a:chOff x="5048250" y="1454647"/>
             <a:chExt cx="5992750" cy="6247117"/>
@@ -6870,19 +6589,13 @@
         </p:grpSpPr>
         <p:sp useBgFill="1">
           <p:nvSpPr>
-            <p:cNvPr id="16" name="Rectangle : coins arrondis 15">
-              <a:extLst>
-                <a:ext uri="{FF2B5EF4-FFF2-40B4-BE49-F238E27FC236}">
-                  <a16:creationId xmlns:a16="http://schemas.microsoft.com/office/drawing/2014/main" id="{D7212756-B812-EF30-D93F-E096A71CF07D}"/>
-                </a:ext>
-              </a:extLst>
-            </p:cNvPr>
+            <p:cNvPr id="16" name="Rectangle : coins arrondis 15"/>
             <p:cNvSpPr/>
             <p:nvPr/>
           </p:nvSpPr>
-          <p:spPr>
+          <p:spPr bwMode="auto">
             <a:xfrm>
-              <a:off x="5048250" y="1839713"/>
+              <a:off x="5048250" y="1839712"/>
               <a:ext cx="857250" cy="4280012"/>
             </a:xfrm>
             <a:prstGeom prst="roundRect">
@@ -6919,24 +6632,20 @@
             <a:bodyPr rtlCol="0" anchor="ctr"/>
             <a:lstStyle/>
             <a:p>
-              <a:pPr algn="ctr"/>
-              <a:endParaRPr lang="fr-FR" dirty="0"/>
+              <a:pPr algn="ctr">
+                <a:defRPr/>
+              </a:pPr>
+              <a:endParaRPr lang="fr-FR"/>
             </a:p>
           </p:txBody>
         </p:sp>
         <p:sp useBgFill="1">
           <p:nvSpPr>
-            <p:cNvPr id="17" name="Rectangle : coins arrondis 16">
-              <a:extLst>
-                <a:ext uri="{FF2B5EF4-FFF2-40B4-BE49-F238E27FC236}">
-                  <a16:creationId xmlns:a16="http://schemas.microsoft.com/office/drawing/2014/main" id="{AA745235-3F47-7F54-98B3-01DC4C8F685A}"/>
-                </a:ext>
-              </a:extLst>
-            </p:cNvPr>
+            <p:cNvPr id="17" name="Rectangle : coins arrondis 16"/>
             <p:cNvSpPr/>
             <p:nvPr/>
           </p:nvSpPr>
-          <p:spPr>
+          <p:spPr bwMode="auto">
             <a:xfrm>
               <a:off x="7680214" y="1839712"/>
               <a:ext cx="857250" cy="4271575"/>
@@ -6975,24 +6684,20 @@
             <a:bodyPr rtlCol="0" anchor="ctr"/>
             <a:lstStyle/>
             <a:p>
-              <a:pPr algn="ctr"/>
+              <a:pPr algn="ctr">
+                <a:defRPr/>
+              </a:pPr>
               <a:endParaRPr lang="fr-FR"/>
             </a:p>
           </p:txBody>
         </p:sp>
         <p:sp useBgFill="1">
           <p:nvSpPr>
-            <p:cNvPr id="18" name="Rectangle : coins arrondis 17">
-              <a:extLst>
-                <a:ext uri="{FF2B5EF4-FFF2-40B4-BE49-F238E27FC236}">
-                  <a16:creationId xmlns:a16="http://schemas.microsoft.com/office/drawing/2014/main" id="{4EC73F3B-E62B-1070-8BD3-DF372FCA0CAA}"/>
-                </a:ext>
-              </a:extLst>
-            </p:cNvPr>
+            <p:cNvPr id="18" name="Rectangle : coins arrondis 17"/>
             <p:cNvSpPr/>
             <p:nvPr/>
           </p:nvSpPr>
-          <p:spPr>
+          <p:spPr bwMode="auto">
             <a:xfrm>
               <a:off x="6364232" y="1839712"/>
               <a:ext cx="857250" cy="4271575"/>
@@ -7031,24 +6736,20 @@
             <a:bodyPr rtlCol="0" anchor="ctr"/>
             <a:lstStyle/>
             <a:p>
-              <a:pPr algn="ctr"/>
+              <a:pPr algn="ctr">
+                <a:defRPr/>
+              </a:pPr>
               <a:endParaRPr lang="fr-FR"/>
             </a:p>
           </p:txBody>
         </p:sp>
         <p:sp useBgFill="1">
           <p:nvSpPr>
-            <p:cNvPr id="19" name="Rectangle : coins arrondis 18">
-              <a:extLst>
-                <a:ext uri="{FF2B5EF4-FFF2-40B4-BE49-F238E27FC236}">
-                  <a16:creationId xmlns:a16="http://schemas.microsoft.com/office/drawing/2014/main" id="{53A5911C-502A-7671-9A5B-09AEED9B0E1C}"/>
-                </a:ext>
-              </a:extLst>
-            </p:cNvPr>
+            <p:cNvPr id="19" name="Rectangle : coins arrondis 18"/>
             <p:cNvSpPr/>
             <p:nvPr/>
           </p:nvSpPr>
-          <p:spPr>
+          <p:spPr bwMode="auto">
             <a:xfrm>
               <a:off x="8996196" y="1831275"/>
               <a:ext cx="818721" cy="4280011"/>
@@ -7087,24 +6788,20 @@
             <a:bodyPr rtlCol="0" anchor="ctr"/>
             <a:lstStyle/>
             <a:p>
-              <a:pPr algn="ctr"/>
-              <a:endParaRPr lang="fr-FR" dirty="0"/>
+              <a:pPr algn="ctr">
+                <a:defRPr/>
+              </a:pPr>
+              <a:endParaRPr lang="fr-FR"/>
             </a:p>
           </p:txBody>
         </p:sp>
         <p:sp useBgFill="1">
           <p:nvSpPr>
-            <p:cNvPr id="20" name="Rectangle : coins arrondis 19">
-              <a:extLst>
-                <a:ext uri="{FF2B5EF4-FFF2-40B4-BE49-F238E27FC236}">
-                  <a16:creationId xmlns:a16="http://schemas.microsoft.com/office/drawing/2014/main" id="{0082D39A-8116-AAFC-519F-0DF3078F8EEE}"/>
-                </a:ext>
-              </a:extLst>
-            </p:cNvPr>
+            <p:cNvPr id="20" name="Rectangle : coins arrondis 19"/>
             <p:cNvSpPr/>
             <p:nvPr/>
           </p:nvSpPr>
-          <p:spPr>
+          <p:spPr bwMode="auto">
             <a:xfrm>
               <a:off x="10312177" y="1454647"/>
               <a:ext cx="728823" cy="6247117"/>
@@ -7143,30 +6840,27 @@
             <a:bodyPr rtlCol="0" anchor="ctr"/>
             <a:lstStyle/>
             <a:p>
-              <a:pPr algn="ctr"/>
-              <a:endParaRPr lang="fr-FR" dirty="0"/>
+              <a:pPr algn="ctr">
+                <a:defRPr/>
+              </a:pPr>
+              <a:endParaRPr lang="fr-FR"/>
             </a:p>
           </p:txBody>
         </p:sp>
       </p:grpSp>
     </p:spTree>
-    <p:extLst>
-      <p:ext uri="{BB962C8B-B14F-4D97-AF65-F5344CB8AC3E}">
-        <p14:creationId xmlns:p14="http://schemas.microsoft.com/office/powerpoint/2010/main" val="230664221"/>
-      </p:ext>
-    </p:extLst>
   </p:cSld>
   <p:clrMapOvr>
     <a:masterClrMapping/>
   </p:clrMapOvr>
-  <mc:AlternateContent xmlns:mc="http://schemas.openxmlformats.org/markup-compatibility/2006" xmlns:p159="http://schemas.microsoft.com/office/powerpoint/2015/09/main">
-    <mc:Choice Requires="p159">
-      <p:transition xmlns:p14="http://schemas.microsoft.com/office/powerpoint/2010/main" spd="slow" p14:dur="2000">
+  <mc:AlternateContent xmlns:mc="http://schemas.openxmlformats.org/markup-compatibility/2006">
+    <mc:Choice xmlns:p159="http://schemas.microsoft.com/office/powerpoint/2015/09/main" xmlns:p14="http://schemas.microsoft.com/office/powerpoint/2010/main" Requires="p159">
+      <p:transition spd="slow" p14:dur="2000" advClick="1">
         <p159:morph option="byObject"/>
       </p:transition>
     </mc:Choice>
-    <mc:Fallback xmlns="">
-      <p:transition spd="slow">
+    <mc:Fallback>
+      <p:transition spd="slow" advClick="1">
         <p:fade/>
       </p:transition>
     </mc:Fallback>
@@ -7175,7 +6869,7 @@
 </file>
 
 <file path=ppt/theme/theme1.xml><?xml version="1.0" encoding="utf-8"?>
-<a:theme xmlns:a="http://schemas.openxmlformats.org/drawingml/2006/main" name="Thème Office">
+<a:theme xmlns:a="http://schemas.openxmlformats.org/drawingml/2006/main" xmlns:r="http://schemas.openxmlformats.org/officeDocument/2006/relationships" xmlns:p="http://schemas.openxmlformats.org/presentationml/2006/main" name="Thème Office">
   <a:themeElements>
     <a:clrScheme name="Office">
       <a:dk1>
@@ -7217,108 +6911,14 @@
     </a:clrScheme>
     <a:fontScheme name="Office">
       <a:majorFont>
-        <a:latin typeface="Calibri Light" panose="020F0302020204030204"/>
-        <a:ea typeface=""/>
-        <a:cs typeface=""/>
-        <a:font script="Jpan" typeface="游ゴシック Light"/>
-        <a:font script="Hang" typeface="맑은 고딕"/>
-        <a:font script="Hans" typeface="等线 Light"/>
-        <a:font script="Hant" typeface="新細明體"/>
-        <a:font script="Arab" typeface="Times New Roman"/>
-        <a:font script="Hebr" typeface="Times New Roman"/>
-        <a:font script="Thai" typeface="Angsana New"/>
-        <a:font script="Ethi" typeface="Nyala"/>
-        <a:font script="Beng" typeface="Vrinda"/>
-        <a:font script="Gujr" typeface="Shruti"/>
-        <a:font script="Khmr" typeface="MoolBoran"/>
-        <a:font script="Knda" typeface="Tunga"/>
-        <a:font script="Guru" typeface="Raavi"/>
-        <a:font script="Cans" typeface="Euphemia"/>
-        <a:font script="Cher" typeface="Plantagenet Cherokee"/>
-        <a:font script="Yiii" typeface="Microsoft Yi Baiti"/>
-        <a:font script="Tibt" typeface="Microsoft Himalaya"/>
-        <a:font script="Thaa" typeface="MV Boli"/>
-        <a:font script="Deva" typeface="Mangal"/>
-        <a:font script="Telu" typeface="Gautami"/>
-        <a:font script="Taml" typeface="Latha"/>
-        <a:font script="Syrc" typeface="Estrangelo Edessa"/>
-        <a:font script="Orya" typeface="Kalinga"/>
-        <a:font script="Mlym" typeface="Kartika"/>
-        <a:font script="Laoo" typeface="DokChampa"/>
-        <a:font script="Sinh" typeface="Iskoola Pota"/>
-        <a:font script="Mong" typeface="Mongolian Baiti"/>
-        <a:font script="Viet" typeface="Times New Roman"/>
-        <a:font script="Uigh" typeface="Microsoft Uighur"/>
-        <a:font script="Geor" typeface="Sylfaen"/>
-        <a:font script="Armn" typeface="Arial"/>
-        <a:font script="Bugi" typeface="Leelawadee UI"/>
-        <a:font script="Bopo" typeface="Microsoft JhengHei"/>
-        <a:font script="Java" typeface="Javanese Text"/>
-        <a:font script="Lisu" typeface="Segoe UI"/>
-        <a:font script="Mymr" typeface="Myanmar Text"/>
-        <a:font script="Nkoo" typeface="Ebrima"/>
-        <a:font script="Olck" typeface="Nirmala UI"/>
-        <a:font script="Osma" typeface="Ebrima"/>
-        <a:font script="Phag" typeface="Phagspa"/>
-        <a:font script="Syrn" typeface="Estrangelo Edessa"/>
-        <a:font script="Syrj" typeface="Estrangelo Edessa"/>
-        <a:font script="Syre" typeface="Estrangelo Edessa"/>
-        <a:font script="Sora" typeface="Nirmala UI"/>
-        <a:font script="Tale" typeface="Microsoft Tai Le"/>
-        <a:font script="Talu" typeface="Microsoft New Tai Lue"/>
-        <a:font script="Tfng" typeface="Ebrima"/>
+        <a:latin typeface="Calibri Light"/>
+        <a:ea typeface="Arial"/>
+        <a:cs typeface="Arial"/>
       </a:majorFont>
       <a:minorFont>
-        <a:latin typeface="Calibri" panose="020F0502020204030204"/>
-        <a:ea typeface=""/>
-        <a:cs typeface=""/>
-        <a:font script="Jpan" typeface="游ゴシック"/>
-        <a:font script="Hang" typeface="맑은 고딕"/>
-        <a:font script="Hans" typeface="等线"/>
-        <a:font script="Hant" typeface="新細明體"/>
-        <a:font script="Arab" typeface="Arial"/>
-        <a:font script="Hebr" typeface="Arial"/>
-        <a:font script="Thai" typeface="Cordia New"/>
-        <a:font script="Ethi" typeface="Nyala"/>
-        <a:font script="Beng" typeface="Vrinda"/>
-        <a:font script="Gujr" typeface="Shruti"/>
-        <a:font script="Khmr" typeface="DaunPenh"/>
-        <a:font script="Knda" typeface="Tunga"/>
-        <a:font script="Guru" typeface="Raavi"/>
-        <a:font script="Cans" typeface="Euphemia"/>
-        <a:font script="Cher" typeface="Plantagenet Cherokee"/>
-        <a:font script="Yiii" typeface="Microsoft Yi Baiti"/>
-        <a:font script="Tibt" typeface="Microsoft Himalaya"/>
-        <a:font script="Thaa" typeface="MV Boli"/>
-        <a:font script="Deva" typeface="Mangal"/>
-        <a:font script="Telu" typeface="Gautami"/>
-        <a:font script="Taml" typeface="Latha"/>
-        <a:font script="Syrc" typeface="Estrangelo Edessa"/>
-        <a:font script="Orya" typeface="Kalinga"/>
-        <a:font script="Mlym" typeface="Kartika"/>
-        <a:font script="Laoo" typeface="DokChampa"/>
-        <a:font script="Sinh" typeface="Iskoola Pota"/>
-        <a:font script="Mong" typeface="Mongolian Baiti"/>
-        <a:font script="Viet" typeface="Arial"/>
-        <a:font script="Uigh" typeface="Microsoft Uighur"/>
-        <a:font script="Geor" typeface="Sylfaen"/>
-        <a:font script="Armn" typeface="Arial"/>
-        <a:font script="Bugi" typeface="Leelawadee UI"/>
-        <a:font script="Bopo" typeface="Microsoft JhengHei"/>
-        <a:font script="Java" typeface="Javanese Text"/>
-        <a:font script="Lisu" typeface="Segoe UI"/>
-        <a:font script="Mymr" typeface="Myanmar Text"/>
-        <a:font script="Nkoo" typeface="Ebrima"/>
-        <a:font script="Olck" typeface="Nirmala UI"/>
-        <a:font script="Osma" typeface="Ebrima"/>
-        <a:font script="Phag" typeface="Phagspa"/>
-        <a:font script="Syrn" typeface="Estrangelo Edessa"/>
-        <a:font script="Syrj" typeface="Estrangelo Edessa"/>
-        <a:font script="Syre" typeface="Estrangelo Edessa"/>
-        <a:font script="Sora" typeface="Nirmala UI"/>
-        <a:font script="Tale" typeface="Microsoft Tai Le"/>
-        <a:font script="Talu" typeface="Microsoft New Tai Lue"/>
-        <a:font script="Tfng" typeface="Ebrima"/>
+        <a:latin typeface="Calibri"/>
+        <a:ea typeface="Arial"/>
+        <a:cs typeface="Arial"/>
       </a:minorFont>
     </a:fontScheme>
     <a:fmtScheme name="Office">
@@ -7326,7 +6926,7 @@
         <a:solidFill>
           <a:schemeClr val="phClr"/>
         </a:solidFill>
-        <a:gradFill rotWithShape="1">
+        <a:gradFill>
           <a:gsLst>
             <a:gs pos="0">
               <a:schemeClr val="phClr">
@@ -7352,7 +6952,7 @@
           </a:gsLst>
           <a:lin ang="5400000" scaled="0"/>
         </a:gradFill>
-        <a:gradFill rotWithShape="1">
+        <a:gradFill>
           <a:gsLst>
             <a:gs pos="0">
               <a:schemeClr val="phClr">
@@ -7404,16 +7004,28 @@
       </a:lnStyleLst>
       <a:effectStyleLst>
         <a:effectStyle>
-          <a:effectLst/>
-        </a:effectStyle>
-        <a:effectStyle>
-          <a:effectLst/>
+          <a:effectLst>
+            <a:outerShdw blurRad="40000" dist="20000" dir="5400000" rotWithShape="0">
+              <a:srgbClr val="000000">
+                <a:alpha val="38000"/>
+              </a:srgbClr>
+            </a:outerShdw>
+          </a:effectLst>
         </a:effectStyle>
         <a:effectStyle>
           <a:effectLst>
-            <a:outerShdw blurRad="57150" dist="19050" dir="5400000" algn="ctr" rotWithShape="0">
+            <a:outerShdw blurRad="40000" dist="23000" dir="5400000" rotWithShape="0">
               <a:srgbClr val="000000">
-                <a:alpha val="63000"/>
+                <a:alpha val="35000"/>
+              </a:srgbClr>
+            </a:outerShdw>
+          </a:effectLst>
+        </a:effectStyle>
+        <a:effectStyle>
+          <a:effectLst>
+            <a:outerShdw blurRad="40000" dist="23000" dir="5400000" rotWithShape="0">
+              <a:srgbClr val="000000">
+                <a:alpha val="35000"/>
               </a:srgbClr>
             </a:outerShdw>
           </a:effectLst>
@@ -7429,7 +7041,7 @@
             <a:satMod val="170000"/>
           </a:schemeClr>
         </a:solidFill>
-        <a:gradFill rotWithShape="1">
+        <a:gradFill>
           <a:gsLst>
             <a:gs pos="0">
               <a:schemeClr val="phClr">
@@ -7460,11 +7072,212 @@
     </a:fmtScheme>
   </a:themeElements>
   <a:objectDefaults/>
-  <a:extraClrSchemeLst/>
-  <a:extLst>
-    <a:ext uri="{05A4C25C-085E-4340-85A3-A5531E510DB2}">
-      <thm15:themeFamily xmlns:thm15="http://schemas.microsoft.com/office/thememl/2012/main" name="Office Theme" id="{62F939B6-93AF-4DB8-9C6B-D6C7DFDC589F}" vid="{4A3C46E8-61CC-4603-A589-7422A47A8E4A}"/>
-    </a:ext>
-  </a:extLst>
+</a:theme>
+</file>
+
+<file path=ppt/theme/theme2.xml><?xml version="1.0" encoding="utf-8"?>
+<a:theme xmlns:a="http://schemas.openxmlformats.org/drawingml/2006/main" xmlns:r="http://schemas.openxmlformats.org/officeDocument/2006/relationships" xmlns:p="http://schemas.openxmlformats.org/presentationml/2006/main" name="Thème Office">
+  <a:themeElements>
+    <a:clrScheme name="Office">
+      <a:dk1>
+        <a:sysClr val="windowText" lastClr="000000"/>
+      </a:dk1>
+      <a:lt1>
+        <a:sysClr val="window" lastClr="FFFFFF"/>
+      </a:lt1>
+      <a:dk2>
+        <a:srgbClr val="44546A"/>
+      </a:dk2>
+      <a:lt2>
+        <a:srgbClr val="E7E6E6"/>
+      </a:lt2>
+      <a:accent1>
+        <a:srgbClr val="4472C4"/>
+      </a:accent1>
+      <a:accent2>
+        <a:srgbClr val="ED7D31"/>
+      </a:accent2>
+      <a:accent3>
+        <a:srgbClr val="A5A5A5"/>
+      </a:accent3>
+      <a:accent4>
+        <a:srgbClr val="FFC000"/>
+      </a:accent4>
+      <a:accent5>
+        <a:srgbClr val="5B9BD5"/>
+      </a:accent5>
+      <a:accent6>
+        <a:srgbClr val="70AD47"/>
+      </a:accent6>
+      <a:hlink>
+        <a:srgbClr val="0563C1"/>
+      </a:hlink>
+      <a:folHlink>
+        <a:srgbClr val="954F72"/>
+      </a:folHlink>
+    </a:clrScheme>
+    <a:fontScheme name="">
+      <a:majorFont>
+        <a:latin typeface="Calibri Light"/>
+        <a:ea typeface="Arial"/>
+        <a:cs typeface="Arial"/>
+      </a:majorFont>
+      <a:minorFont>
+        <a:latin typeface="Calibri"/>
+        <a:ea typeface="Arial"/>
+        <a:cs typeface="Arial"/>
+      </a:minorFont>
+    </a:fontScheme>
+    <a:fmtScheme name="Office">
+      <a:fillStyleLst>
+        <a:solidFill>
+          <a:schemeClr val="phClr"/>
+        </a:solidFill>
+        <a:gradFill>
+          <a:gsLst>
+            <a:gs pos="0">
+              <a:schemeClr val="phClr">
+                <a:lumMod val="110000"/>
+                <a:satMod val="105000"/>
+                <a:tint val="67000"/>
+              </a:schemeClr>
+            </a:gs>
+            <a:gs pos="50000">
+              <a:schemeClr val="phClr">
+                <a:lumMod val="105000"/>
+                <a:satMod val="103000"/>
+                <a:tint val="73000"/>
+              </a:schemeClr>
+            </a:gs>
+            <a:gs pos="100000">
+              <a:schemeClr val="phClr">
+                <a:lumMod val="105000"/>
+                <a:satMod val="109000"/>
+                <a:tint val="81000"/>
+              </a:schemeClr>
+            </a:gs>
+          </a:gsLst>
+          <a:lin ang="5400000" scaled="0"/>
+        </a:gradFill>
+        <a:gradFill>
+          <a:gsLst>
+            <a:gs pos="0">
+              <a:schemeClr val="phClr">
+                <a:satMod val="103000"/>
+                <a:lumMod val="102000"/>
+                <a:tint val="94000"/>
+              </a:schemeClr>
+            </a:gs>
+            <a:gs pos="50000">
+              <a:schemeClr val="phClr">
+                <a:satMod val="110000"/>
+                <a:lumMod val="100000"/>
+                <a:shade val="100000"/>
+              </a:schemeClr>
+            </a:gs>
+            <a:gs pos="100000">
+              <a:schemeClr val="phClr">
+                <a:lumMod val="99000"/>
+                <a:satMod val="120000"/>
+                <a:shade val="78000"/>
+              </a:schemeClr>
+            </a:gs>
+          </a:gsLst>
+          <a:lin ang="5400000" scaled="0"/>
+        </a:gradFill>
+      </a:fillStyleLst>
+      <a:lnStyleLst>
+        <a:ln w="6350" cap="flat" cmpd="sng" algn="ctr">
+          <a:solidFill>
+            <a:schemeClr val="phClr"/>
+          </a:solidFill>
+          <a:prstDash val="solid"/>
+          <a:miter lim="800000"/>
+        </a:ln>
+        <a:ln w="12700" cap="flat" cmpd="sng" algn="ctr">
+          <a:solidFill>
+            <a:schemeClr val="phClr"/>
+          </a:solidFill>
+          <a:prstDash val="solid"/>
+          <a:miter lim="800000"/>
+        </a:ln>
+        <a:ln w="19050" cap="flat" cmpd="sng" algn="ctr">
+          <a:solidFill>
+            <a:schemeClr val="phClr"/>
+          </a:solidFill>
+          <a:prstDash val="solid"/>
+          <a:miter lim="800000"/>
+        </a:ln>
+      </a:lnStyleLst>
+      <a:effectStyleLst>
+        <a:effectStyle>
+          <a:effectLst>
+            <a:outerShdw blurRad="40000" dist="20000" dir="5400000" rotWithShape="0">
+              <a:srgbClr val="000000">
+                <a:alpha val="38000"/>
+              </a:srgbClr>
+            </a:outerShdw>
+          </a:effectLst>
+        </a:effectStyle>
+        <a:effectStyle>
+          <a:effectLst>
+            <a:outerShdw blurRad="40000" dist="23000" dir="5400000" rotWithShape="0">
+              <a:srgbClr val="000000">
+                <a:alpha val="35000"/>
+              </a:srgbClr>
+            </a:outerShdw>
+          </a:effectLst>
+        </a:effectStyle>
+        <a:effectStyle>
+          <a:effectLst>
+            <a:outerShdw blurRad="40000" dist="23000" dir="5400000" rotWithShape="0">
+              <a:srgbClr val="000000">
+                <a:alpha val="35000"/>
+              </a:srgbClr>
+            </a:outerShdw>
+          </a:effectLst>
+        </a:effectStyle>
+      </a:effectStyleLst>
+      <a:bgFillStyleLst>
+        <a:solidFill>
+          <a:schemeClr val="phClr"/>
+        </a:solidFill>
+        <a:solidFill>
+          <a:schemeClr val="phClr">
+            <a:tint val="95000"/>
+            <a:satMod val="170000"/>
+          </a:schemeClr>
+        </a:solidFill>
+        <a:gradFill>
+          <a:gsLst>
+            <a:gs pos="0">
+              <a:schemeClr val="phClr">
+                <a:tint val="93000"/>
+                <a:satMod val="150000"/>
+                <a:shade val="98000"/>
+                <a:lumMod val="102000"/>
+              </a:schemeClr>
+            </a:gs>
+            <a:gs pos="50000">
+              <a:schemeClr val="phClr">
+                <a:tint val="98000"/>
+                <a:satMod val="130000"/>
+                <a:shade val="90000"/>
+                <a:lumMod val="103000"/>
+              </a:schemeClr>
+            </a:gs>
+            <a:gs pos="100000">
+              <a:schemeClr val="phClr">
+                <a:shade val="63000"/>
+                <a:satMod val="120000"/>
+              </a:schemeClr>
+            </a:gs>
+          </a:gsLst>
+          <a:lin ang="5400000" scaled="0"/>
+        </a:gradFill>
+      </a:bgFillStyleLst>
+    </a:fmtScheme>
+  </a:themeElements>
+  <a:objectDefaults/>
 </a:theme>
 </file>